--- a/Reports/Weekly Progress.pptx
+++ b/Reports/Weekly Progress.pptx
@@ -48,6 +48,7 @@
     <p:sldId id="297" r:id="rId45"/>
     <p:sldId id="298" r:id="rId46"/>
     <p:sldId id="299" r:id="rId47"/>
+    <p:sldId id="300" r:id="rId48"/>
   </p:sldIdLst>
   <p:sldSz cx="9144000" cy="5143500" type="screen16x9"/>
   <p:notesSz cx="6858000" cy="9144000"/>
@@ -17638,8 +17639,8 @@
           <a:chExt cx="0" cy="0"/>
         </a:xfrm>
       </p:grpSpPr>
-      <mc:AlternateContent xmlns:mc="http://schemas.openxmlformats.org/markup-compatibility/2006">
-        <mc:Choice xmlns:a14="http://schemas.microsoft.com/office/drawing/2010/main" Requires="a14">
+      <mc:AlternateContent xmlns:mc="http://schemas.openxmlformats.org/markup-compatibility/2006" xmlns:a14="http://schemas.microsoft.com/office/drawing/2010/main">
+        <mc:Choice Requires="a14">
           <p:sp>
             <p:nvSpPr>
               <p:cNvPr id="9" name="Content Placeholder 8">
@@ -17776,7 +17777,7 @@
             </p:txBody>
           </p:sp>
         </mc:Choice>
-        <mc:Fallback>
+        <mc:Fallback xmlns="">
           <p:sp>
             <p:nvSpPr>
               <p:cNvPr id="9" name="Content Placeholder 8">
@@ -18381,8 +18382,8 @@
           <a:chExt cx="0" cy="0"/>
         </a:xfrm>
       </p:grpSpPr>
-      <mc:AlternateContent xmlns:mc="http://schemas.openxmlformats.org/markup-compatibility/2006">
-        <mc:Choice xmlns:a14="http://schemas.microsoft.com/office/drawing/2010/main" Requires="a14">
+      <mc:AlternateContent xmlns:mc="http://schemas.openxmlformats.org/markup-compatibility/2006" xmlns:a14="http://schemas.microsoft.com/office/drawing/2010/main">
+        <mc:Choice Requires="a14">
           <p:sp>
             <p:nvSpPr>
               <p:cNvPr id="9" name="Content Placeholder 8">
@@ -18494,7 +18495,7 @@
             </p:txBody>
           </p:sp>
         </mc:Choice>
-        <mc:Fallback>
+        <mc:Fallback xmlns="">
           <p:sp>
             <p:nvSpPr>
               <p:cNvPr id="9" name="Content Placeholder 8">
@@ -19160,12 +19161,62 @@
           <a:p>
             <a:r>
               <a:rPr lang="en-CH" dirty="0"/>
-              <a:t>Try a non-sequential approach with </a:t>
+              <a:t>Try a non-sequential approach with SciPy:</a:t>
+            </a:r>
+          </a:p>
+          <a:p>
+            <a:pPr lvl="1"/>
+            <a:r>
+              <a:rPr lang="en-CH" dirty="0"/>
+              <a:t>Works quite well:</a:t>
+            </a:r>
+          </a:p>
+          <a:p>
+            <a:pPr lvl="2"/>
+            <a:r>
+              <a:rPr lang="en-CH" dirty="0"/>
+              <a:t>300 blocks at random on a (30x20) grid:</a:t>
+            </a:r>
+          </a:p>
+          <a:p>
+            <a:pPr lvl="2"/>
+            <a:r>
+              <a:rPr lang="fr-CH" dirty="0"/>
+              <a:t>T</a:t>
             </a:r>
             <a:r>
               <a:rPr lang="en-CH" dirty="0" err="1"/>
-              <a:t>scipy</a:t>
-            </a:r>
+              <a:t>akes</a:t>
+            </a:r>
+            <a:r>
+              <a:rPr lang="en-CH" dirty="0"/>
+              <a:t> ~53s but</a:t>
+            </a:r>
+          </a:p>
+          <a:p>
+            <a:pPr lvl="3"/>
+            <a:r>
+              <a:rPr lang="en-CH" dirty="0"/>
+              <a:t>Put at random</a:t>
+            </a:r>
+          </a:p>
+          <a:p>
+            <a:pPr lvl="3"/>
+            <a:r>
+              <a:rPr lang="en-CH" dirty="0"/>
+              <a:t>Much more complicated problem to solve</a:t>
+            </a:r>
+          </a:p>
+          <a:p>
+            <a:pPr lvl="3"/>
+            <a:endParaRPr lang="en-CH" dirty="0"/>
+          </a:p>
+          <a:p>
+            <a:pPr lvl="2"/>
+            <a:endParaRPr lang="en-CH" dirty="0"/>
+          </a:p>
+          <a:p>
+            <a:pPr lvl="2"/>
             <a:endParaRPr lang="en-CH" dirty="0"/>
           </a:p>
         </p:txBody>
@@ -19286,10 +19337,323 @@
           </a:p>
         </p:txBody>
       </p:sp>
+      <p:pic>
+        <p:nvPicPr>
+          <p:cNvPr id="8" name="Picture 7">
+            <a:extLst>
+              <a:ext uri="{FF2B5EF4-FFF2-40B4-BE49-F238E27FC236}">
+                <a16:creationId xmlns:a16="http://schemas.microsoft.com/office/drawing/2014/main" id="{CC671ECF-C334-3EAC-39F4-39DEB707C259}"/>
+              </a:ext>
+            </a:extLst>
+          </p:cNvPr>
+          <p:cNvPicPr>
+            <a:picLocks noChangeAspect="1"/>
+          </p:cNvPicPr>
+          <p:nvPr/>
+        </p:nvPicPr>
+        <p:blipFill rotWithShape="1">
+          <a:blip r:embed="rId2"/>
+          <a:srcRect t="53805" r="23762"/>
+          <a:stretch/>
+        </p:blipFill>
+        <p:spPr>
+          <a:xfrm>
+            <a:off x="5652120" y="2427734"/>
+            <a:ext cx="3096344" cy="851402"/>
+          </a:xfrm>
+          <a:prstGeom prst="rect">
+            <a:avLst/>
+          </a:prstGeom>
+        </p:spPr>
+      </p:pic>
+      <p:pic>
+        <p:nvPicPr>
+          <p:cNvPr id="10" name="Picture 9">
+            <a:extLst>
+              <a:ext uri="{FF2B5EF4-FFF2-40B4-BE49-F238E27FC236}">
+                <a16:creationId xmlns:a16="http://schemas.microsoft.com/office/drawing/2014/main" id="{F748F71E-97CD-BA26-66B7-085F1538E634}"/>
+              </a:ext>
+            </a:extLst>
+          </p:cNvPr>
+          <p:cNvPicPr>
+            <a:picLocks noChangeAspect="1"/>
+          </p:cNvPicPr>
+          <p:nvPr/>
+        </p:nvPicPr>
+        <p:blipFill rotWithShape="1">
+          <a:blip r:embed="rId3"/>
+          <a:srcRect t="51809" r="19087"/>
+          <a:stretch/>
+        </p:blipFill>
+        <p:spPr>
+          <a:xfrm>
+            <a:off x="5652120" y="3435846"/>
+            <a:ext cx="3197064" cy="864096"/>
+          </a:xfrm>
+          <a:prstGeom prst="rect">
+            <a:avLst/>
+          </a:prstGeom>
+        </p:spPr>
+      </p:pic>
     </p:spTree>
     <p:extLst>
       <p:ext uri="{BB962C8B-B14F-4D97-AF65-F5344CB8AC3E}">
         <p14:creationId xmlns:p14="http://schemas.microsoft.com/office/powerpoint/2010/main" val="2672920207"/>
+      </p:ext>
+    </p:extLst>
+  </p:cSld>
+  <p:clrMapOvr>
+    <a:masterClrMapping/>
+  </p:clrMapOvr>
+</p:sld>
+</file>
+
+<file path=ppt/slides/slide44.xml><?xml version="1.0" encoding="utf-8"?>
+<p:sld xmlns:a="http://schemas.openxmlformats.org/drawingml/2006/main" xmlns:r="http://schemas.openxmlformats.org/officeDocument/2006/relationships" xmlns:p="http://schemas.openxmlformats.org/presentationml/2006/main">
+  <p:cSld>
+    <p:spTree>
+      <p:nvGrpSpPr>
+        <p:cNvPr id="1" name=""/>
+        <p:cNvGrpSpPr/>
+        <p:nvPr/>
+      </p:nvGrpSpPr>
+      <p:grpSpPr>
+        <a:xfrm>
+          <a:off x="0" y="0"/>
+          <a:ext cx="0" cy="0"/>
+          <a:chOff x="0" y="0"/>
+          <a:chExt cx="0" cy="0"/>
+        </a:xfrm>
+      </p:grpSpPr>
+      <p:sp>
+        <p:nvSpPr>
+          <p:cNvPr id="2" name="Content Placeholder 1">
+            <a:extLst>
+              <a:ext uri="{FF2B5EF4-FFF2-40B4-BE49-F238E27FC236}">
+                <a16:creationId xmlns:a16="http://schemas.microsoft.com/office/drawing/2014/main" id="{3BA3B093-41F8-B273-0DBF-FA9BAB20BACF}"/>
+              </a:ext>
+            </a:extLst>
+          </p:cNvPr>
+          <p:cNvSpPr>
+            <a:spLocks noGrp="1"/>
+          </p:cNvSpPr>
+          <p:nvPr>
+            <p:ph idx="1"/>
+          </p:nvPr>
+        </p:nvSpPr>
+        <p:spPr/>
+        <p:txBody>
+          <a:bodyPr/>
+          <a:lstStyle/>
+          <a:p>
+            <a:r>
+              <a:rPr lang="en-CH" dirty="0"/>
+              <a:t>With the equilibrium test (53s):</a:t>
+            </a:r>
+          </a:p>
+          <a:p>
+            <a:endParaRPr lang="en-CH" dirty="0"/>
+          </a:p>
+          <a:p>
+            <a:endParaRPr lang="en-CH" dirty="0"/>
+          </a:p>
+          <a:p>
+            <a:endParaRPr lang="en-CH" dirty="0"/>
+          </a:p>
+          <a:p>
+            <a:r>
+              <a:rPr lang="en-CH" dirty="0"/>
+              <a:t>Without the equilibrium test (1.38s):</a:t>
+            </a:r>
+          </a:p>
+          <a:p>
+            <a:pPr lvl="2"/>
+            <a:endParaRPr lang="en-CH" dirty="0"/>
+          </a:p>
+          <a:p>
+            <a:pPr lvl="2"/>
+            <a:endParaRPr lang="en-CH" dirty="0"/>
+          </a:p>
+        </p:txBody>
+      </p:sp>
+      <p:sp>
+        <p:nvSpPr>
+          <p:cNvPr id="3" name="Title 2">
+            <a:extLst>
+              <a:ext uri="{FF2B5EF4-FFF2-40B4-BE49-F238E27FC236}">
+                <a16:creationId xmlns:a16="http://schemas.microsoft.com/office/drawing/2014/main" id="{6085FFAB-D100-18A3-6715-5FCC6BD02A10}"/>
+              </a:ext>
+            </a:extLst>
+          </p:cNvPr>
+          <p:cNvSpPr>
+            <a:spLocks noGrp="1"/>
+          </p:cNvSpPr>
+          <p:nvPr>
+            <p:ph type="title"/>
+          </p:nvPr>
+        </p:nvSpPr>
+        <p:spPr/>
+        <p:txBody>
+          <a:bodyPr/>
+          <a:lstStyle/>
+          <a:p>
+            <a:r>
+              <a:rPr lang="en-CH" dirty="0"/>
+              <a:t>Equilibrium results</a:t>
+            </a:r>
+            <a:endParaRPr lang="en-US" dirty="0"/>
+          </a:p>
+        </p:txBody>
+      </p:sp>
+      <p:sp>
+        <p:nvSpPr>
+          <p:cNvPr id="4" name="Date Placeholder 3">
+            <a:extLst>
+              <a:ext uri="{FF2B5EF4-FFF2-40B4-BE49-F238E27FC236}">
+                <a16:creationId xmlns:a16="http://schemas.microsoft.com/office/drawing/2014/main" id="{8F78B8F8-235A-0B33-AD94-538D9C7F7AB6}"/>
+              </a:ext>
+            </a:extLst>
+          </p:cNvPr>
+          <p:cNvSpPr>
+            <a:spLocks noGrp="1"/>
+          </p:cNvSpPr>
+          <p:nvPr>
+            <p:ph type="dt" sz="half" idx="10"/>
+          </p:nvPr>
+        </p:nvSpPr>
+        <p:spPr/>
+        <p:txBody>
+          <a:bodyPr/>
+          <a:lstStyle/>
+          <a:p>
+            <a:r>
+              <a:rPr lang="fr-CH"/>
+              <a:t>NAME EVENT / NAME PRESENTATION</a:t>
+            </a:r>
+            <a:endParaRPr lang="fr-FR"/>
+          </a:p>
+        </p:txBody>
+      </p:sp>
+      <p:sp>
+        <p:nvSpPr>
+          <p:cNvPr id="5" name="Footer Placeholder 4">
+            <a:extLst>
+              <a:ext uri="{FF2B5EF4-FFF2-40B4-BE49-F238E27FC236}">
+                <a16:creationId xmlns:a16="http://schemas.microsoft.com/office/drawing/2014/main" id="{FBAD7EA1-9A3A-C1C1-18E9-C0A50E5C5003}"/>
+              </a:ext>
+            </a:extLst>
+          </p:cNvPr>
+          <p:cNvSpPr>
+            <a:spLocks noGrp="1"/>
+          </p:cNvSpPr>
+          <p:nvPr>
+            <p:ph type="ftr" sz="quarter" idx="11"/>
+          </p:nvPr>
+        </p:nvSpPr>
+        <p:spPr/>
+        <p:txBody>
+          <a:bodyPr/>
+          <a:lstStyle/>
+          <a:p>
+            <a:r>
+              <a:rPr lang="fr-FR"/>
+              <a:t>Speaker </a:t>
+            </a:r>
+          </a:p>
+        </p:txBody>
+      </p:sp>
+      <p:sp>
+        <p:nvSpPr>
+          <p:cNvPr id="6" name="Slide Number Placeholder 5">
+            <a:extLst>
+              <a:ext uri="{FF2B5EF4-FFF2-40B4-BE49-F238E27FC236}">
+                <a16:creationId xmlns:a16="http://schemas.microsoft.com/office/drawing/2014/main" id="{F60D794F-4648-A478-8FED-1A02E05E9683}"/>
+              </a:ext>
+            </a:extLst>
+          </p:cNvPr>
+          <p:cNvSpPr>
+            <a:spLocks noGrp="1"/>
+          </p:cNvSpPr>
+          <p:nvPr>
+            <p:ph type="sldNum" sz="quarter" idx="12"/>
+          </p:nvPr>
+        </p:nvSpPr>
+        <p:spPr/>
+        <p:txBody>
+          <a:bodyPr/>
+          <a:lstStyle/>
+          <a:p>
+            <a:fld id="{E1E1CD7C-2161-7D43-862E-CE4C333CD873}" type="slidenum">
+              <a:rPr lang="fr-FR" smtClean="0"/>
+              <a:pPr/>
+              <a:t>44</a:t>
+            </a:fld>
+            <a:endParaRPr lang="fr-FR"/>
+          </a:p>
+        </p:txBody>
+      </p:sp>
+      <p:pic>
+        <p:nvPicPr>
+          <p:cNvPr id="8" name="Picture 7">
+            <a:extLst>
+              <a:ext uri="{FF2B5EF4-FFF2-40B4-BE49-F238E27FC236}">
+                <a16:creationId xmlns:a16="http://schemas.microsoft.com/office/drawing/2014/main" id="{CC671ECF-C334-3EAC-39F4-39DEB707C259}"/>
+              </a:ext>
+            </a:extLst>
+          </p:cNvPr>
+          <p:cNvPicPr>
+            <a:picLocks noChangeAspect="1"/>
+          </p:cNvPicPr>
+          <p:nvPr/>
+        </p:nvPicPr>
+        <p:blipFill rotWithShape="1">
+          <a:blip r:embed="rId2"/>
+          <a:srcRect t="53805" r="23762"/>
+          <a:stretch/>
+        </p:blipFill>
+        <p:spPr>
+          <a:xfrm>
+            <a:off x="1187624" y="1851670"/>
+            <a:ext cx="3096344" cy="851402"/>
+          </a:xfrm>
+          <a:prstGeom prst="rect">
+            <a:avLst/>
+          </a:prstGeom>
+        </p:spPr>
+      </p:pic>
+      <p:pic>
+        <p:nvPicPr>
+          <p:cNvPr id="10" name="Picture 9">
+            <a:extLst>
+              <a:ext uri="{FF2B5EF4-FFF2-40B4-BE49-F238E27FC236}">
+                <a16:creationId xmlns:a16="http://schemas.microsoft.com/office/drawing/2014/main" id="{F748F71E-97CD-BA26-66B7-085F1538E634}"/>
+              </a:ext>
+            </a:extLst>
+          </p:cNvPr>
+          <p:cNvPicPr>
+            <a:picLocks noChangeAspect="1"/>
+          </p:cNvPicPr>
+          <p:nvPr/>
+        </p:nvPicPr>
+        <p:blipFill rotWithShape="1">
+          <a:blip r:embed="rId3"/>
+          <a:srcRect t="51809" r="19087"/>
+          <a:stretch/>
+        </p:blipFill>
+        <p:spPr>
+          <a:xfrm>
+            <a:off x="1115616" y="3363838"/>
+            <a:ext cx="3197064" cy="864096"/>
+          </a:xfrm>
+          <a:prstGeom prst="rect">
+            <a:avLst/>
+          </a:prstGeom>
+        </p:spPr>
+      </p:pic>
+    </p:spTree>
+    <p:extLst>
+      <p:ext uri="{BB962C8B-B14F-4D97-AF65-F5344CB8AC3E}">
+        <p14:creationId xmlns:p14="http://schemas.microsoft.com/office/powerpoint/2010/main" val="2942552526"/>
       </p:ext>
     </p:extLst>
   </p:cSld>
@@ -21664,12 +22028,21 @@
 </file>
 
 <file path=customXml/item1.xml><?xml version="1.0" encoding="utf-8"?>
+<?mso-contentType ?>
+<FormTemplates xmlns="http://schemas.microsoft.com/sharepoint/v3/contenttype/forms">
+  <Display>DocumentLibraryForm</Display>
+  <Edit>DocumentLibraryForm</Edit>
+  <New>DocumentLibraryForm</New>
+</FormTemplates>
+</file>
+
+<file path=customXml/item2.xml><?xml version="1.0" encoding="utf-8"?>
 <p:properties xmlns:p="http://schemas.microsoft.com/office/2006/metadata/properties" xmlns:xsi="http://www.w3.org/2001/XMLSchema-instance" xmlns:pc="http://schemas.microsoft.com/office/infopath/2007/PartnerControls">
   <documentManagement/>
 </p:properties>
 </file>
 
-<file path=customXml/item2.xml><?xml version="1.0" encoding="utf-8"?>
+<file path=customXml/item3.xml><?xml version="1.0" encoding="utf-8"?>
 <ct:contentTypeSchema xmlns:ct="http://schemas.microsoft.com/office/2006/metadata/contentType" xmlns:ma="http://schemas.microsoft.com/office/2006/metadata/properties/metaAttributes" ct:_="" ma:_="" ma:contentTypeName="Document" ma:contentTypeID="0x0101005999FA8D06FC4E4D9BDB248FA23932AC" ma:contentTypeVersion="2" ma:contentTypeDescription="Crée un document." ma:contentTypeScope="" ma:versionID="c4bb9d964b431578a3ed2a275a9c1fa3">
   <xsd:schema xmlns:xsd="http://www.w3.org/2001/XMLSchema" xmlns:xs="http://www.w3.org/2001/XMLSchema" xmlns:p="http://schemas.microsoft.com/office/2006/metadata/properties" xmlns:ns3="2302d107-bdfe-4c22-b00a-f7e6f9775023" targetNamespace="http://schemas.microsoft.com/office/2006/metadata/properties" ma:root="true" ma:fieldsID="15c071f295482dcad52542ed5f003297" ns3:_="">
     <xsd:import namespace="2302d107-bdfe-4c22-b00a-f7e6f9775023"/>
@@ -21801,16 +22174,15 @@
 </ct:contentTypeSchema>
 </file>
 
-<file path=customXml/item3.xml><?xml version="1.0" encoding="utf-8"?>
-<?mso-contentType ?>
-<FormTemplates xmlns="http://schemas.microsoft.com/sharepoint/v3/contenttype/forms">
-  <Display>DocumentLibraryForm</Display>
-  <Edit>DocumentLibraryForm</Edit>
-  <New>DocumentLibraryForm</New>
-</FormTemplates>
+<file path=customXml/itemProps1.xml><?xml version="1.0" encoding="utf-8"?>
+<ds:datastoreItem xmlns:ds="http://schemas.openxmlformats.org/officeDocument/2006/customXml" ds:itemID="{671A0176-86B5-4D8E-967A-6B29E4C5CD6E}">
+  <ds:schemaRefs>
+    <ds:schemaRef ds:uri="http://schemas.microsoft.com/sharepoint/v3/contenttype/forms"/>
+  </ds:schemaRefs>
+</ds:datastoreItem>
 </file>
 
-<file path=customXml/itemProps1.xml><?xml version="1.0" encoding="utf-8"?>
+<file path=customXml/itemProps2.xml><?xml version="1.0" encoding="utf-8"?>
 <ds:datastoreItem xmlns:ds="http://schemas.openxmlformats.org/officeDocument/2006/customXml" ds:itemID="{48E9BE3F-455B-46A8-9FF4-8B1E589529DE}">
   <ds:schemaRefs>
     <ds:schemaRef ds:uri="http://schemas.microsoft.com/office/2006/documentManagement/types"/>
@@ -21826,7 +22198,7 @@
 </ds:datastoreItem>
 </file>
 
-<file path=customXml/itemProps2.xml><?xml version="1.0" encoding="utf-8"?>
+<file path=customXml/itemProps3.xml><?xml version="1.0" encoding="utf-8"?>
 <ds:datastoreItem xmlns:ds="http://schemas.openxmlformats.org/officeDocument/2006/customXml" ds:itemID="{F0670323-1112-41CE-9F94-135755CF04D5}">
   <ds:schemaRefs>
     <ds:schemaRef ds:uri="http://schemas.microsoft.com/office/2006/metadata/contentType"/>
@@ -21842,12 +22214,4 @@
     <ds:schemaRef ds:uri="http://schemas.microsoft.com/internal/obd"/>
   </ds:schemaRefs>
 </ds:datastoreItem>
-</file>
-
-<file path=customXml/itemProps3.xml><?xml version="1.0" encoding="utf-8"?>
-<ds:datastoreItem xmlns:ds="http://schemas.openxmlformats.org/officeDocument/2006/customXml" ds:itemID="{671A0176-86B5-4D8E-967A-6B29E4C5CD6E}">
-  <ds:schemaRefs>
-    <ds:schemaRef ds:uri="http://schemas.microsoft.com/sharepoint/v3/contenttype/forms"/>
-  </ds:schemaRefs>
-</ds:datastoreItem>
 </file>
--- a/Reports/Weekly Progress.pptx
+++ b/Reports/Weekly Progress.pptx
@@ -49,6 +49,16 @@
     <p:sldId id="298" r:id="rId46"/>
     <p:sldId id="299" r:id="rId47"/>
     <p:sldId id="300" r:id="rId48"/>
+    <p:sldId id="301" r:id="rId49"/>
+    <p:sldId id="302" r:id="rId50"/>
+    <p:sldId id="303" r:id="rId51"/>
+    <p:sldId id="304" r:id="rId52"/>
+    <p:sldId id="305" r:id="rId53"/>
+    <p:sldId id="306" r:id="rId54"/>
+    <p:sldId id="307" r:id="rId55"/>
+    <p:sldId id="308" r:id="rId56"/>
+    <p:sldId id="310" r:id="rId57"/>
+    <p:sldId id="309" r:id="rId58"/>
   </p:sldIdLst>
   <p:sldSz cx="9144000" cy="5143500" type="screen16x9"/>
   <p:notesSz cx="6858000" cy="9144000"/>
@@ -19663,6 +19673,1680 @@
 </p:sld>
 </file>
 
+<file path=ppt/slides/slide45.xml><?xml version="1.0" encoding="utf-8"?>
+<p:sld xmlns:a="http://schemas.openxmlformats.org/drawingml/2006/main" xmlns:r="http://schemas.openxmlformats.org/officeDocument/2006/relationships" xmlns:p="http://schemas.openxmlformats.org/presentationml/2006/main">
+  <p:cSld>
+    <p:spTree>
+      <p:nvGrpSpPr>
+        <p:cNvPr id="1" name=""/>
+        <p:cNvGrpSpPr/>
+        <p:nvPr/>
+      </p:nvGrpSpPr>
+      <p:grpSpPr>
+        <a:xfrm>
+          <a:off x="0" y="0"/>
+          <a:ext cx="0" cy="0"/>
+          <a:chOff x="0" y="0"/>
+          <a:chExt cx="0" cy="0"/>
+        </a:xfrm>
+      </p:grpSpPr>
+      <p:sp>
+        <p:nvSpPr>
+          <p:cNvPr id="7" name="Title 6">
+            <a:extLst>
+              <a:ext uri="{FF2B5EF4-FFF2-40B4-BE49-F238E27FC236}">
+                <a16:creationId xmlns:a16="http://schemas.microsoft.com/office/drawing/2014/main" id="{6249250E-8938-43B6-D0CE-53ECCDB42BF7}"/>
+              </a:ext>
+            </a:extLst>
+          </p:cNvPr>
+          <p:cNvSpPr>
+            <a:spLocks noGrp="1"/>
+          </p:cNvSpPr>
+          <p:nvPr>
+            <p:ph type="title"/>
+          </p:nvPr>
+        </p:nvSpPr>
+        <p:spPr/>
+        <p:txBody>
+          <a:bodyPr/>
+          <a:lstStyle/>
+          <a:p>
+            <a:r>
+              <a:rPr lang="en-CH" dirty="0"/>
+              <a:t>25/10/22</a:t>
+            </a:r>
+            <a:endParaRPr lang="en-US" dirty="0"/>
+          </a:p>
+        </p:txBody>
+      </p:sp>
+      <p:sp>
+        <p:nvSpPr>
+          <p:cNvPr id="8" name="Text Placeholder 7">
+            <a:extLst>
+              <a:ext uri="{FF2B5EF4-FFF2-40B4-BE49-F238E27FC236}">
+                <a16:creationId xmlns:a16="http://schemas.microsoft.com/office/drawing/2014/main" id="{A9842EAD-8A16-D784-58E5-647C61B93B44}"/>
+              </a:ext>
+            </a:extLst>
+          </p:cNvPr>
+          <p:cNvSpPr>
+            <a:spLocks noGrp="1"/>
+          </p:cNvSpPr>
+          <p:nvPr>
+            <p:ph type="body" idx="1"/>
+          </p:nvPr>
+        </p:nvSpPr>
+        <p:spPr/>
+        <p:txBody>
+          <a:bodyPr/>
+          <a:lstStyle/>
+          <a:p>
+            <a:r>
+              <a:rPr lang="en-CH" dirty="0"/>
+              <a:t>Game description</a:t>
+            </a:r>
+            <a:endParaRPr lang="en-US" dirty="0"/>
+          </a:p>
+        </p:txBody>
+      </p:sp>
+      <p:sp>
+        <p:nvSpPr>
+          <p:cNvPr id="9" name="Picture Placeholder 8">
+            <a:extLst>
+              <a:ext uri="{FF2B5EF4-FFF2-40B4-BE49-F238E27FC236}">
+                <a16:creationId xmlns:a16="http://schemas.microsoft.com/office/drawing/2014/main" id="{A6DDA44F-7ECE-AFA8-51D2-86DA79FA334B}"/>
+              </a:ext>
+            </a:extLst>
+          </p:cNvPr>
+          <p:cNvSpPr>
+            <a:spLocks noGrp="1"/>
+          </p:cNvSpPr>
+          <p:nvPr>
+            <p:ph type="pic" sz="quarter" idx="13"/>
+          </p:nvPr>
+        </p:nvSpPr>
+        <p:spPr/>
+      </p:sp>
+      <p:sp>
+        <p:nvSpPr>
+          <p:cNvPr id="4" name="Date Placeholder 3">
+            <a:extLst>
+              <a:ext uri="{FF2B5EF4-FFF2-40B4-BE49-F238E27FC236}">
+                <a16:creationId xmlns:a16="http://schemas.microsoft.com/office/drawing/2014/main" id="{F8BCD267-3FD0-8BBC-E292-CD7A94FD9CDD}"/>
+              </a:ext>
+            </a:extLst>
+          </p:cNvPr>
+          <p:cNvSpPr>
+            <a:spLocks noGrp="1"/>
+          </p:cNvSpPr>
+          <p:nvPr>
+            <p:ph type="dt" sz="half" idx="14"/>
+          </p:nvPr>
+        </p:nvSpPr>
+        <p:spPr/>
+        <p:txBody>
+          <a:bodyPr/>
+          <a:lstStyle/>
+          <a:p>
+            <a:r>
+              <a:rPr lang="fr-CH"/>
+              <a:t>NAME EVENT / NAME PRESENTATION</a:t>
+            </a:r>
+            <a:endParaRPr lang="fr-FR"/>
+          </a:p>
+        </p:txBody>
+      </p:sp>
+      <p:sp>
+        <p:nvSpPr>
+          <p:cNvPr id="5" name="Footer Placeholder 4">
+            <a:extLst>
+              <a:ext uri="{FF2B5EF4-FFF2-40B4-BE49-F238E27FC236}">
+                <a16:creationId xmlns:a16="http://schemas.microsoft.com/office/drawing/2014/main" id="{9DEB91D3-3C0F-7D78-79C2-01953982183D}"/>
+              </a:ext>
+            </a:extLst>
+          </p:cNvPr>
+          <p:cNvSpPr>
+            <a:spLocks noGrp="1"/>
+          </p:cNvSpPr>
+          <p:nvPr>
+            <p:ph type="ftr" sz="quarter" idx="15"/>
+          </p:nvPr>
+        </p:nvSpPr>
+        <p:spPr/>
+        <p:txBody>
+          <a:bodyPr/>
+          <a:lstStyle/>
+          <a:p>
+            <a:r>
+              <a:rPr lang="fr-FR"/>
+              <a:t>Speaker </a:t>
+            </a:r>
+          </a:p>
+        </p:txBody>
+      </p:sp>
+      <p:sp>
+        <p:nvSpPr>
+          <p:cNvPr id="6" name="Slide Number Placeholder 5">
+            <a:extLst>
+              <a:ext uri="{FF2B5EF4-FFF2-40B4-BE49-F238E27FC236}">
+                <a16:creationId xmlns:a16="http://schemas.microsoft.com/office/drawing/2014/main" id="{ABE89123-3B21-AEEB-82C6-CA6DEFB5BEE0}"/>
+              </a:ext>
+            </a:extLst>
+          </p:cNvPr>
+          <p:cNvSpPr>
+            <a:spLocks noGrp="1"/>
+          </p:cNvSpPr>
+          <p:nvPr>
+            <p:ph type="sldNum" sz="quarter" idx="16"/>
+          </p:nvPr>
+        </p:nvSpPr>
+        <p:spPr/>
+        <p:txBody>
+          <a:bodyPr/>
+          <a:lstStyle/>
+          <a:p>
+            <a:fld id="{E1E1CD7C-2161-7D43-862E-CE4C333CD873}" type="slidenum">
+              <a:rPr lang="fr-FR" smtClean="0"/>
+              <a:pPr/>
+              <a:t>45</a:t>
+            </a:fld>
+            <a:endParaRPr lang="fr-FR"/>
+          </a:p>
+        </p:txBody>
+      </p:sp>
+    </p:spTree>
+    <p:extLst>
+      <p:ext uri="{BB962C8B-B14F-4D97-AF65-F5344CB8AC3E}">
+        <p14:creationId xmlns:p14="http://schemas.microsoft.com/office/powerpoint/2010/main" val="3945417618"/>
+      </p:ext>
+    </p:extLst>
+  </p:cSld>
+  <p:clrMapOvr>
+    <a:masterClrMapping/>
+  </p:clrMapOvr>
+</p:sld>
+</file>
+
+<file path=ppt/slides/slide46.xml><?xml version="1.0" encoding="utf-8"?>
+<p:sld xmlns:a="http://schemas.openxmlformats.org/drawingml/2006/main" xmlns:r="http://schemas.openxmlformats.org/officeDocument/2006/relationships" xmlns:p="http://schemas.openxmlformats.org/presentationml/2006/main">
+  <p:cSld>
+    <p:spTree>
+      <p:nvGrpSpPr>
+        <p:cNvPr id="1" name=""/>
+        <p:cNvGrpSpPr/>
+        <p:nvPr/>
+      </p:nvGrpSpPr>
+      <p:grpSpPr>
+        <a:xfrm>
+          <a:off x="0" y="0"/>
+          <a:ext cx="0" cy="0"/>
+          <a:chOff x="0" y="0"/>
+          <a:chExt cx="0" cy="0"/>
+        </a:xfrm>
+      </p:grpSpPr>
+      <p:sp>
+        <p:nvSpPr>
+          <p:cNvPr id="9" name="Content Placeholder 8">
+            <a:extLst>
+              <a:ext uri="{FF2B5EF4-FFF2-40B4-BE49-F238E27FC236}">
+                <a16:creationId xmlns:a16="http://schemas.microsoft.com/office/drawing/2014/main" id="{C7831689-E5E0-E198-781D-8C884B7FB7E6}"/>
+              </a:ext>
+            </a:extLst>
+          </p:cNvPr>
+          <p:cNvSpPr>
+            <a:spLocks noGrp="1"/>
+          </p:cNvSpPr>
+          <p:nvPr>
+            <p:ph idx="1"/>
+          </p:nvPr>
+        </p:nvSpPr>
+        <p:spPr/>
+        <p:txBody>
+          <a:bodyPr/>
+          <a:lstStyle/>
+          <a:p>
+            <a:r>
+              <a:rPr lang="en-CH" dirty="0"/>
+              <a:t>Agents</a:t>
+            </a:r>
+          </a:p>
+          <a:p>
+            <a:pPr lvl="1"/>
+            <a:r>
+              <a:rPr lang="en-CH" dirty="0"/>
+              <a:t>Action set</a:t>
+            </a:r>
+          </a:p>
+          <a:p>
+            <a:pPr lvl="1"/>
+            <a:r>
+              <a:rPr lang="en-CH" dirty="0"/>
+              <a:t>Observation set</a:t>
+            </a:r>
+          </a:p>
+          <a:p>
+            <a:r>
+              <a:rPr lang="en-CH" dirty="0"/>
+              <a:t>States</a:t>
+            </a:r>
+          </a:p>
+          <a:p>
+            <a:pPr lvl="1"/>
+            <a:r>
+              <a:rPr lang="en-CH" dirty="0"/>
+              <a:t>States transition</a:t>
+            </a:r>
+          </a:p>
+          <a:p>
+            <a:r>
+              <a:rPr lang="fr-CH" dirty="0"/>
+              <a:t>R</a:t>
+            </a:r>
+            <a:r>
+              <a:rPr lang="en-CH" dirty="0"/>
+              <a:t>eward</a:t>
+            </a:r>
+          </a:p>
+          <a:p>
+            <a:r>
+              <a:rPr lang="en-CH" dirty="0"/>
+              <a:t>Finishing state</a:t>
+            </a:r>
+          </a:p>
+          <a:p>
+            <a:endParaRPr lang="en-US" dirty="0"/>
+          </a:p>
+        </p:txBody>
+      </p:sp>
+      <p:sp>
+        <p:nvSpPr>
+          <p:cNvPr id="8" name="Title 7">
+            <a:extLst>
+              <a:ext uri="{FF2B5EF4-FFF2-40B4-BE49-F238E27FC236}">
+                <a16:creationId xmlns:a16="http://schemas.microsoft.com/office/drawing/2014/main" id="{467DDD1A-F024-94B3-6F1C-740A07CC4EB0}"/>
+              </a:ext>
+            </a:extLst>
+          </p:cNvPr>
+          <p:cNvSpPr>
+            <a:spLocks noGrp="1"/>
+          </p:cNvSpPr>
+          <p:nvPr>
+            <p:ph type="title"/>
+          </p:nvPr>
+        </p:nvSpPr>
+        <p:spPr/>
+        <p:txBody>
+          <a:bodyPr/>
+          <a:lstStyle/>
+          <a:p>
+            <a:r>
+              <a:rPr lang="en-CH" dirty="0"/>
+              <a:t>Game elements</a:t>
+            </a:r>
+            <a:endParaRPr lang="en-US" dirty="0"/>
+          </a:p>
+        </p:txBody>
+      </p:sp>
+      <p:sp>
+        <p:nvSpPr>
+          <p:cNvPr id="5" name="Date Placeholder 4">
+            <a:extLst>
+              <a:ext uri="{FF2B5EF4-FFF2-40B4-BE49-F238E27FC236}">
+                <a16:creationId xmlns:a16="http://schemas.microsoft.com/office/drawing/2014/main" id="{CCB1A475-EE8D-6C6D-3D92-79A58EB9D96C}"/>
+              </a:ext>
+            </a:extLst>
+          </p:cNvPr>
+          <p:cNvSpPr>
+            <a:spLocks noGrp="1"/>
+          </p:cNvSpPr>
+          <p:nvPr>
+            <p:ph type="dt" sz="half" idx="10"/>
+          </p:nvPr>
+        </p:nvSpPr>
+        <p:spPr/>
+        <p:txBody>
+          <a:bodyPr/>
+          <a:lstStyle/>
+          <a:p>
+            <a:r>
+              <a:rPr lang="fr-CH"/>
+              <a:t>NAME EVENT / NAME PRESENTATION</a:t>
+            </a:r>
+            <a:endParaRPr lang="fr-FR"/>
+          </a:p>
+        </p:txBody>
+      </p:sp>
+      <p:sp>
+        <p:nvSpPr>
+          <p:cNvPr id="6" name="Footer Placeholder 5">
+            <a:extLst>
+              <a:ext uri="{FF2B5EF4-FFF2-40B4-BE49-F238E27FC236}">
+                <a16:creationId xmlns:a16="http://schemas.microsoft.com/office/drawing/2014/main" id="{8F6F11AD-9C7F-7B9D-DC09-3F0F328AE0C4}"/>
+              </a:ext>
+            </a:extLst>
+          </p:cNvPr>
+          <p:cNvSpPr>
+            <a:spLocks noGrp="1"/>
+          </p:cNvSpPr>
+          <p:nvPr>
+            <p:ph type="ftr" sz="quarter" idx="11"/>
+          </p:nvPr>
+        </p:nvSpPr>
+        <p:spPr/>
+        <p:txBody>
+          <a:bodyPr/>
+          <a:lstStyle/>
+          <a:p>
+            <a:r>
+              <a:rPr lang="fr-FR"/>
+              <a:t>Speaker </a:t>
+            </a:r>
+          </a:p>
+        </p:txBody>
+      </p:sp>
+      <p:sp>
+        <p:nvSpPr>
+          <p:cNvPr id="7" name="Slide Number Placeholder 6">
+            <a:extLst>
+              <a:ext uri="{FF2B5EF4-FFF2-40B4-BE49-F238E27FC236}">
+                <a16:creationId xmlns:a16="http://schemas.microsoft.com/office/drawing/2014/main" id="{CA9AEEC2-6C67-5311-166D-1CD8A6194E64}"/>
+              </a:ext>
+            </a:extLst>
+          </p:cNvPr>
+          <p:cNvSpPr>
+            <a:spLocks noGrp="1"/>
+          </p:cNvSpPr>
+          <p:nvPr>
+            <p:ph type="sldNum" sz="quarter" idx="12"/>
+          </p:nvPr>
+        </p:nvSpPr>
+        <p:spPr/>
+        <p:txBody>
+          <a:bodyPr/>
+          <a:lstStyle/>
+          <a:p>
+            <a:fld id="{E1E1CD7C-2161-7D43-862E-CE4C333CD873}" type="slidenum">
+              <a:rPr lang="fr-FR" smtClean="0"/>
+              <a:pPr/>
+              <a:t>46</a:t>
+            </a:fld>
+            <a:endParaRPr lang="fr-FR"/>
+          </a:p>
+        </p:txBody>
+      </p:sp>
+    </p:spTree>
+    <p:extLst>
+      <p:ext uri="{BB962C8B-B14F-4D97-AF65-F5344CB8AC3E}">
+        <p14:creationId xmlns:p14="http://schemas.microsoft.com/office/powerpoint/2010/main" val="4105037430"/>
+      </p:ext>
+    </p:extLst>
+  </p:cSld>
+  <p:clrMapOvr>
+    <a:masterClrMapping/>
+  </p:clrMapOvr>
+</p:sld>
+</file>
+
+<file path=ppt/slides/slide47.xml><?xml version="1.0" encoding="utf-8"?>
+<p:sld xmlns:a="http://schemas.openxmlformats.org/drawingml/2006/main" xmlns:r="http://schemas.openxmlformats.org/officeDocument/2006/relationships" xmlns:p="http://schemas.openxmlformats.org/presentationml/2006/main">
+  <p:cSld>
+    <p:spTree>
+      <p:nvGrpSpPr>
+        <p:cNvPr id="1" name=""/>
+        <p:cNvGrpSpPr/>
+        <p:nvPr/>
+      </p:nvGrpSpPr>
+      <p:grpSpPr>
+        <a:xfrm>
+          <a:off x="0" y="0"/>
+          <a:ext cx="0" cy="0"/>
+          <a:chOff x="0" y="0"/>
+          <a:chExt cx="0" cy="0"/>
+        </a:xfrm>
+      </p:grpSpPr>
+      <mc:AlternateContent xmlns:mc="http://schemas.openxmlformats.org/markup-compatibility/2006">
+        <mc:Choice xmlns:a14="http://schemas.microsoft.com/office/drawing/2010/main" Requires="a14">
+          <p:sp>
+            <p:nvSpPr>
+              <p:cNvPr id="2" name="Content Placeholder 1">
+                <a:extLst>
+                  <a:ext uri="{FF2B5EF4-FFF2-40B4-BE49-F238E27FC236}">
+                    <a16:creationId xmlns:a16="http://schemas.microsoft.com/office/drawing/2014/main" id="{1A4360DF-FE17-1DBC-699F-9ACD41150D49}"/>
+                  </a:ext>
+                </a:extLst>
+              </p:cNvPr>
+              <p:cNvSpPr>
+                <a:spLocks noGrp="1"/>
+              </p:cNvSpPr>
+              <p:nvPr>
+                <p:ph idx="1"/>
+              </p:nvPr>
+            </p:nvSpPr>
+            <p:spPr/>
+            <p:txBody>
+              <a:bodyPr/>
+              <a:lstStyle/>
+              <a:p>
+                <a14:m>
+                  <m:oMath xmlns:m="http://schemas.openxmlformats.org/officeDocument/2006/math">
+                    <m:sSub>
+                      <m:sSubPr>
+                        <m:ctrlPr>
+                          <a:rPr lang="en-CH" b="0" i="1" smtClean="0">
+                            <a:latin typeface="Cambria Math" panose="02040503050406030204" pitchFamily="18" charset="0"/>
+                          </a:rPr>
+                        </m:ctrlPr>
+                      </m:sSubPr>
+                      <m:e>
+                        <m:r>
+                          <a:rPr lang="en-CH" b="0" i="1" smtClean="0">
+                            <a:latin typeface="Cambria Math" panose="02040503050406030204" pitchFamily="18" charset="0"/>
+                          </a:rPr>
+                          <m:t>𝑁</m:t>
+                        </m:r>
+                      </m:e>
+                      <m:sub>
+                        <m:r>
+                          <a:rPr lang="en-CH" b="0" i="1" smtClean="0">
+                            <a:latin typeface="Cambria Math" panose="02040503050406030204" pitchFamily="18" charset="0"/>
+                          </a:rPr>
+                          <m:t>𝑟</m:t>
+                        </m:r>
+                      </m:sub>
+                    </m:sSub>
+                  </m:oMath>
+                </a14:m>
+                <a:r>
+                  <a:rPr lang="en-CH" dirty="0"/>
+                  <a:t> robots</a:t>
+                </a:r>
+              </a:p>
+              <a:p>
+                <a:pPr lvl="1"/>
+                <a:r>
+                  <a:rPr lang="en-CH" dirty="0"/>
+                  <a:t>Action set:</a:t>
+                </a:r>
+              </a:p>
+              <a:p>
+                <a:pPr lvl="2"/>
+                <a14:m>
+                  <m:oMath xmlns:m="http://schemas.openxmlformats.org/officeDocument/2006/math">
+                    <m:r>
+                      <a:rPr lang="en-CH" i="1" smtClean="0">
+                        <a:latin typeface="Cambria Math" panose="02040503050406030204" pitchFamily="18" charset="0"/>
+                        <a:ea typeface="Cambria Math" panose="02040503050406030204" pitchFamily="18" charset="0"/>
+                      </a:rPr>
+                      <m:t>𝔸</m:t>
+                    </m:r>
+                    <m:r>
+                      <a:rPr lang="en-CH" b="0" i="1" smtClean="0">
+                        <a:latin typeface="Cambria Math" panose="02040503050406030204" pitchFamily="18" charset="0"/>
+                        <a:ea typeface="Cambria Math" panose="02040503050406030204" pitchFamily="18" charset="0"/>
+                      </a:rPr>
+                      <m:t>=</m:t>
+                    </m:r>
+                    <m:d>
+                      <m:dPr>
+                        <m:begChr m:val="{"/>
+                        <m:endChr m:val="}"/>
+                        <m:ctrlPr>
+                          <a:rPr lang="en-CH" b="0" i="1" smtClean="0">
+                            <a:latin typeface="Cambria Math" panose="02040503050406030204" pitchFamily="18" charset="0"/>
+                            <a:ea typeface="Cambria Math" panose="02040503050406030204" pitchFamily="18" charset="0"/>
+                          </a:rPr>
+                        </m:ctrlPr>
+                      </m:dPr>
+                      <m:e>
+                        <m:sSub>
+                          <m:sSubPr>
+                            <m:ctrlPr>
+                              <a:rPr lang="en-CH" b="0" i="1" smtClean="0">
+                                <a:latin typeface="Cambria Math" panose="02040503050406030204" pitchFamily="18" charset="0"/>
+                                <a:ea typeface="Cambria Math" panose="02040503050406030204" pitchFamily="18" charset="0"/>
+                              </a:rPr>
+                            </m:ctrlPr>
+                          </m:sSubPr>
+                          <m:e>
+                            <m:r>
+                              <a:rPr lang="en-CH" b="0" i="1" smtClean="0">
+                                <a:latin typeface="Cambria Math" panose="02040503050406030204" pitchFamily="18" charset="0"/>
+                                <a:ea typeface="Cambria Math" panose="02040503050406030204" pitchFamily="18" charset="0"/>
+                              </a:rPr>
+                              <m:t>𝑃</m:t>
+                            </m:r>
+                          </m:e>
+                          <m:sub>
+                            <m:r>
+                              <a:rPr lang="en-CH" b="0" i="1" smtClean="0">
+                                <a:latin typeface="Cambria Math" panose="02040503050406030204" pitchFamily="18" charset="0"/>
+                                <a:ea typeface="Cambria Math" panose="02040503050406030204" pitchFamily="18" charset="0"/>
+                              </a:rPr>
+                              <m:t>𝐻</m:t>
+                            </m:r>
+                          </m:sub>
+                        </m:sSub>
+                        <m:r>
+                          <a:rPr lang="en-CH" b="0" i="1" smtClean="0">
+                            <a:latin typeface="Cambria Math" panose="02040503050406030204" pitchFamily="18" charset="0"/>
+                            <a:ea typeface="Cambria Math" panose="02040503050406030204" pitchFamily="18" charset="0"/>
+                          </a:rPr>
+                          <m:t>,</m:t>
+                        </m:r>
+                        <m:sSub>
+                          <m:sSubPr>
+                            <m:ctrlPr>
+                              <a:rPr lang="en-CH" b="0" i="1" smtClean="0">
+                                <a:latin typeface="Cambria Math" panose="02040503050406030204" pitchFamily="18" charset="0"/>
+                                <a:ea typeface="Cambria Math" panose="02040503050406030204" pitchFamily="18" charset="0"/>
+                              </a:rPr>
+                            </m:ctrlPr>
+                          </m:sSubPr>
+                          <m:e>
+                            <m:r>
+                              <a:rPr lang="en-CH" b="0" i="1" smtClean="0">
+                                <a:latin typeface="Cambria Math" panose="02040503050406030204" pitchFamily="18" charset="0"/>
+                                <a:ea typeface="Cambria Math" panose="02040503050406030204" pitchFamily="18" charset="0"/>
+                              </a:rPr>
+                              <m:t>𝑃</m:t>
+                            </m:r>
+                          </m:e>
+                          <m:sub>
+                            <m:r>
+                              <a:rPr lang="en-CH" b="0" i="1" smtClean="0">
+                                <a:latin typeface="Cambria Math" panose="02040503050406030204" pitchFamily="18" charset="0"/>
+                                <a:ea typeface="Cambria Math" panose="02040503050406030204" pitchFamily="18" charset="0"/>
+                              </a:rPr>
+                              <m:t>𝐿</m:t>
+                            </m:r>
+                          </m:sub>
+                        </m:sSub>
+                        <m:r>
+                          <a:rPr lang="en-CH" b="0" i="1" smtClean="0">
+                            <a:latin typeface="Cambria Math" panose="02040503050406030204" pitchFamily="18" charset="0"/>
+                            <a:ea typeface="Cambria Math" panose="02040503050406030204" pitchFamily="18" charset="0"/>
+                          </a:rPr>
+                          <m:t>,</m:t>
+                        </m:r>
+                        <m:r>
+                          <a:rPr lang="en-CH" b="0" i="1" smtClean="0">
+                            <a:latin typeface="Cambria Math" panose="02040503050406030204" pitchFamily="18" charset="0"/>
+                            <a:ea typeface="Cambria Math" panose="02040503050406030204" pitchFamily="18" charset="0"/>
+                          </a:rPr>
+                          <m:t>𝐻</m:t>
+                        </m:r>
+                      </m:e>
+                    </m:d>
+                  </m:oMath>
+                </a14:m>
+                <a:endParaRPr lang="en-CH" dirty="0"/>
+              </a:p>
+              <a:p>
+                <a:pPr lvl="3"/>
+                <a14:m>
+                  <m:oMath xmlns:m="http://schemas.openxmlformats.org/officeDocument/2006/math">
+                    <m:sSub>
+                      <m:sSubPr>
+                        <m:ctrlPr>
+                          <a:rPr lang="en-CH" b="0" i="1" smtClean="0">
+                            <a:latin typeface="Cambria Math" panose="02040503050406030204" pitchFamily="18" charset="0"/>
+                          </a:rPr>
+                        </m:ctrlPr>
+                      </m:sSubPr>
+                      <m:e>
+                        <m:r>
+                          <a:rPr lang="en-CH" b="0" i="1" smtClean="0">
+                            <a:latin typeface="Cambria Math" panose="02040503050406030204" pitchFamily="18" charset="0"/>
+                          </a:rPr>
+                          <m:t>𝑃</m:t>
+                        </m:r>
+                      </m:e>
+                      <m:sub>
+                        <m:r>
+                          <a:rPr lang="en-CH" b="0" i="1" smtClean="0">
+                            <a:latin typeface="Cambria Math" panose="02040503050406030204" pitchFamily="18" charset="0"/>
+                          </a:rPr>
+                          <m:t>𝐻</m:t>
+                        </m:r>
+                      </m:sub>
+                    </m:sSub>
+                  </m:oMath>
+                </a14:m>
+                <a:r>
+                  <a:rPr lang="en-CH" dirty="0"/>
+                  <a:t>: Put and hold</a:t>
+                </a:r>
+              </a:p>
+              <a:p>
+                <a:pPr lvl="4"/>
+                <a:r>
+                  <a:rPr lang="fr-CH" dirty="0"/>
+                  <a:t>L</a:t>
+                </a:r>
+                <a:r>
+                  <a:rPr lang="en-CH" dirty="0"/>
+                  <a:t>et go any block it is holding</a:t>
+                </a:r>
+              </a:p>
+              <a:p>
+                <a:pPr lvl="4"/>
+                <a:r>
+                  <a:rPr lang="en-CH" dirty="0"/>
+                  <a:t>Put a new block</a:t>
+                </a:r>
+              </a:p>
+              <a:p>
+                <a:pPr lvl="4"/>
+                <a:r>
+                  <a:rPr lang="en-CH" dirty="0"/>
+                  <a:t>Hold it</a:t>
+                </a:r>
+              </a:p>
+              <a:p>
+                <a:pPr lvl="3"/>
+                <a14:m>
+                  <m:oMath xmlns:m="http://schemas.openxmlformats.org/officeDocument/2006/math">
+                    <m:sSub>
+                      <m:sSubPr>
+                        <m:ctrlPr>
+                          <a:rPr lang="en-CH" b="0" i="1" smtClean="0">
+                            <a:latin typeface="Cambria Math" panose="02040503050406030204" pitchFamily="18" charset="0"/>
+                          </a:rPr>
+                        </m:ctrlPr>
+                      </m:sSubPr>
+                      <m:e>
+                        <m:r>
+                          <a:rPr lang="en-CH" b="0" i="1" smtClean="0">
+                            <a:latin typeface="Cambria Math" panose="02040503050406030204" pitchFamily="18" charset="0"/>
+                          </a:rPr>
+                          <m:t>𝑃</m:t>
+                        </m:r>
+                      </m:e>
+                      <m:sub>
+                        <m:r>
+                          <a:rPr lang="en-CH" b="0" i="1" smtClean="0">
+                            <a:latin typeface="Cambria Math" panose="02040503050406030204" pitchFamily="18" charset="0"/>
+                          </a:rPr>
+                          <m:t>𝐿</m:t>
+                        </m:r>
+                      </m:sub>
+                    </m:sSub>
+                  </m:oMath>
+                </a14:m>
+                <a:r>
+                  <a:rPr lang="en-CH" dirty="0"/>
+                  <a:t>: Put and Leave</a:t>
+                </a:r>
+              </a:p>
+              <a:p>
+                <a:pPr lvl="4"/>
+                <a:r>
+                  <a:rPr lang="fr-CH" dirty="0"/>
+                  <a:t>L</a:t>
+                </a:r>
+                <a:r>
+                  <a:rPr lang="en-CH" dirty="0"/>
+                  <a:t>et go any block it is holding</a:t>
+                </a:r>
+              </a:p>
+              <a:p>
+                <a:pPr lvl="4"/>
+                <a:r>
+                  <a:rPr lang="en-CH" dirty="0"/>
+                  <a:t>Put a new block</a:t>
+                </a:r>
+              </a:p>
+              <a:p>
+                <a:pPr lvl="3"/>
+                <a14:m>
+                  <m:oMath xmlns:m="http://schemas.openxmlformats.org/officeDocument/2006/math">
+                    <m:r>
+                      <a:rPr lang="en-CH" b="0" i="1" smtClean="0">
+                        <a:latin typeface="Cambria Math" panose="02040503050406030204" pitchFamily="18" charset="0"/>
+                      </a:rPr>
+                      <m:t>𝐻</m:t>
+                    </m:r>
+                  </m:oMath>
+                </a14:m>
+                <a:r>
+                  <a:rPr lang="en-CH" dirty="0"/>
+                  <a:t>: Hold</a:t>
+                </a:r>
+              </a:p>
+              <a:p>
+                <a:pPr lvl="4"/>
+                <a:r>
+                  <a:rPr lang="en-CH" dirty="0"/>
+                  <a:t>Go hold an already placed block</a:t>
+                </a:r>
+              </a:p>
+              <a:p>
+                <a:pPr lvl="1"/>
+                <a:endParaRPr lang="en-US" dirty="0"/>
+              </a:p>
+            </p:txBody>
+          </p:sp>
+        </mc:Choice>
+        <mc:Fallback>
+          <p:sp>
+            <p:nvSpPr>
+              <p:cNvPr id="2" name="Content Placeholder 1">
+                <a:extLst>
+                  <a:ext uri="{FF2B5EF4-FFF2-40B4-BE49-F238E27FC236}">
+                    <a16:creationId xmlns:a16="http://schemas.microsoft.com/office/drawing/2014/main" id="{1A4360DF-FE17-1DBC-699F-9ACD41150D49}"/>
+                  </a:ext>
+                </a:extLst>
+              </p:cNvPr>
+              <p:cNvSpPr>
+                <a:spLocks noGrp="1" noRot="1" noChangeAspect="1" noMove="1" noResize="1" noEditPoints="1" noAdjustHandles="1" noChangeArrowheads="1" noChangeShapeType="1" noTextEdit="1"/>
+              </p:cNvSpPr>
+              <p:nvPr>
+                <p:ph idx="1"/>
+              </p:nvPr>
+            </p:nvSpPr>
+            <p:spPr>
+              <a:blipFill>
+                <a:blip r:embed="rId2"/>
+                <a:stretch>
+                  <a:fillRect t="-1802"/>
+                </a:stretch>
+              </a:blipFill>
+            </p:spPr>
+            <p:txBody>
+              <a:bodyPr/>
+              <a:lstStyle/>
+              <a:p>
+                <a:r>
+                  <a:rPr lang="en-US">
+                    <a:noFill/>
+                  </a:rPr>
+                  <a:t> </a:t>
+                </a:r>
+              </a:p>
+            </p:txBody>
+          </p:sp>
+        </mc:Fallback>
+      </mc:AlternateContent>
+      <p:sp>
+        <p:nvSpPr>
+          <p:cNvPr id="3" name="Title 2">
+            <a:extLst>
+              <a:ext uri="{FF2B5EF4-FFF2-40B4-BE49-F238E27FC236}">
+                <a16:creationId xmlns:a16="http://schemas.microsoft.com/office/drawing/2014/main" id="{4F55A516-EC01-DE3F-9D68-965B3D2979A2}"/>
+              </a:ext>
+            </a:extLst>
+          </p:cNvPr>
+          <p:cNvSpPr>
+            <a:spLocks noGrp="1"/>
+          </p:cNvSpPr>
+          <p:nvPr>
+            <p:ph type="title"/>
+          </p:nvPr>
+        </p:nvSpPr>
+        <p:spPr/>
+        <p:txBody>
+          <a:bodyPr/>
+          <a:lstStyle/>
+          <a:p>
+            <a:r>
+              <a:rPr lang="en-CH" dirty="0"/>
+              <a:t>Agents</a:t>
+            </a:r>
+            <a:endParaRPr lang="en-US" dirty="0"/>
+          </a:p>
+        </p:txBody>
+      </p:sp>
+      <p:sp>
+        <p:nvSpPr>
+          <p:cNvPr id="4" name="Date Placeholder 3">
+            <a:extLst>
+              <a:ext uri="{FF2B5EF4-FFF2-40B4-BE49-F238E27FC236}">
+                <a16:creationId xmlns:a16="http://schemas.microsoft.com/office/drawing/2014/main" id="{629C7E98-A472-2B09-7E9F-254673C72E5D}"/>
+              </a:ext>
+            </a:extLst>
+          </p:cNvPr>
+          <p:cNvSpPr>
+            <a:spLocks noGrp="1"/>
+          </p:cNvSpPr>
+          <p:nvPr>
+            <p:ph type="dt" sz="half" idx="10"/>
+          </p:nvPr>
+        </p:nvSpPr>
+        <p:spPr/>
+        <p:txBody>
+          <a:bodyPr/>
+          <a:lstStyle/>
+          <a:p>
+            <a:r>
+              <a:rPr lang="fr-CH"/>
+              <a:t>NAME EVENT / NAME PRESENTATION</a:t>
+            </a:r>
+            <a:endParaRPr lang="fr-FR"/>
+          </a:p>
+        </p:txBody>
+      </p:sp>
+      <p:sp>
+        <p:nvSpPr>
+          <p:cNvPr id="5" name="Footer Placeholder 4">
+            <a:extLst>
+              <a:ext uri="{FF2B5EF4-FFF2-40B4-BE49-F238E27FC236}">
+                <a16:creationId xmlns:a16="http://schemas.microsoft.com/office/drawing/2014/main" id="{51A58B22-4755-D9CB-A26B-06B12724C457}"/>
+              </a:ext>
+            </a:extLst>
+          </p:cNvPr>
+          <p:cNvSpPr>
+            <a:spLocks noGrp="1"/>
+          </p:cNvSpPr>
+          <p:nvPr>
+            <p:ph type="ftr" sz="quarter" idx="11"/>
+          </p:nvPr>
+        </p:nvSpPr>
+        <p:spPr/>
+        <p:txBody>
+          <a:bodyPr/>
+          <a:lstStyle/>
+          <a:p>
+            <a:r>
+              <a:rPr lang="fr-FR"/>
+              <a:t>Speaker </a:t>
+            </a:r>
+          </a:p>
+        </p:txBody>
+      </p:sp>
+      <p:sp>
+        <p:nvSpPr>
+          <p:cNvPr id="6" name="Slide Number Placeholder 5">
+            <a:extLst>
+              <a:ext uri="{FF2B5EF4-FFF2-40B4-BE49-F238E27FC236}">
+                <a16:creationId xmlns:a16="http://schemas.microsoft.com/office/drawing/2014/main" id="{0761641A-3A1E-E332-CBB8-4E2883F4E739}"/>
+              </a:ext>
+            </a:extLst>
+          </p:cNvPr>
+          <p:cNvSpPr>
+            <a:spLocks noGrp="1"/>
+          </p:cNvSpPr>
+          <p:nvPr>
+            <p:ph type="sldNum" sz="quarter" idx="12"/>
+          </p:nvPr>
+        </p:nvSpPr>
+        <p:spPr/>
+        <p:txBody>
+          <a:bodyPr/>
+          <a:lstStyle/>
+          <a:p>
+            <a:fld id="{E1E1CD7C-2161-7D43-862E-CE4C333CD873}" type="slidenum">
+              <a:rPr lang="fr-FR" smtClean="0"/>
+              <a:pPr/>
+              <a:t>47</a:t>
+            </a:fld>
+            <a:endParaRPr lang="fr-FR"/>
+          </a:p>
+        </p:txBody>
+      </p:sp>
+    </p:spTree>
+    <p:extLst>
+      <p:ext uri="{BB962C8B-B14F-4D97-AF65-F5344CB8AC3E}">
+        <p14:creationId xmlns:p14="http://schemas.microsoft.com/office/powerpoint/2010/main" val="810801461"/>
+      </p:ext>
+    </p:extLst>
+  </p:cSld>
+  <p:clrMapOvr>
+    <a:masterClrMapping/>
+  </p:clrMapOvr>
+</p:sld>
+</file>
+
+<file path=ppt/slides/slide48.xml><?xml version="1.0" encoding="utf-8"?>
+<p:sld xmlns:a="http://schemas.openxmlformats.org/drawingml/2006/main" xmlns:r="http://schemas.openxmlformats.org/officeDocument/2006/relationships" xmlns:p="http://schemas.openxmlformats.org/presentationml/2006/main">
+  <p:cSld>
+    <p:spTree>
+      <p:nvGrpSpPr>
+        <p:cNvPr id="1" name=""/>
+        <p:cNvGrpSpPr/>
+        <p:nvPr/>
+      </p:nvGrpSpPr>
+      <p:grpSpPr>
+        <a:xfrm>
+          <a:off x="0" y="0"/>
+          <a:ext cx="0" cy="0"/>
+          <a:chOff x="0" y="0"/>
+          <a:chExt cx="0" cy="0"/>
+        </a:xfrm>
+      </p:grpSpPr>
+      <mc:AlternateContent xmlns:mc="http://schemas.openxmlformats.org/markup-compatibility/2006">
+        <mc:Choice xmlns:a14="http://schemas.microsoft.com/office/drawing/2010/main" Requires="a14">
+          <p:sp>
+            <p:nvSpPr>
+              <p:cNvPr id="2" name="Content Placeholder 1">
+                <a:extLst>
+                  <a:ext uri="{FF2B5EF4-FFF2-40B4-BE49-F238E27FC236}">
+                    <a16:creationId xmlns:a16="http://schemas.microsoft.com/office/drawing/2014/main" id="{1A4360DF-FE17-1DBC-699F-9ACD41150D49}"/>
+                  </a:ext>
+                </a:extLst>
+              </p:cNvPr>
+              <p:cNvSpPr>
+                <a:spLocks noGrp="1"/>
+              </p:cNvSpPr>
+              <p:nvPr>
+                <p:ph idx="1"/>
+              </p:nvPr>
+            </p:nvSpPr>
+            <p:spPr/>
+            <p:txBody>
+              <a:bodyPr/>
+              <a:lstStyle/>
+              <a:p>
+                <a14:m>
+                  <m:oMath xmlns:m="http://schemas.openxmlformats.org/officeDocument/2006/math">
+                    <m:sSub>
+                      <m:sSubPr>
+                        <m:ctrlPr>
+                          <a:rPr lang="en-CH" b="0" i="1" smtClean="0">
+                            <a:latin typeface="Cambria Math" panose="02040503050406030204" pitchFamily="18" charset="0"/>
+                          </a:rPr>
+                        </m:ctrlPr>
+                      </m:sSubPr>
+                      <m:e>
+                        <m:r>
+                          <a:rPr lang="en-CH" b="0" i="1" smtClean="0">
+                            <a:latin typeface="Cambria Math" panose="02040503050406030204" pitchFamily="18" charset="0"/>
+                          </a:rPr>
+                          <m:t>𝑁</m:t>
+                        </m:r>
+                      </m:e>
+                      <m:sub>
+                        <m:r>
+                          <a:rPr lang="en-CH" b="0" i="1" smtClean="0">
+                            <a:latin typeface="Cambria Math" panose="02040503050406030204" pitchFamily="18" charset="0"/>
+                          </a:rPr>
+                          <m:t>𝑟</m:t>
+                        </m:r>
+                      </m:sub>
+                    </m:sSub>
+                  </m:oMath>
+                </a14:m>
+                <a:r>
+                  <a:rPr lang="en-CH" dirty="0"/>
+                  <a:t> robots</a:t>
+                </a:r>
+              </a:p>
+              <a:p>
+                <a:pPr lvl="1"/>
+                <a:r>
+                  <a:rPr lang="en-CH" dirty="0"/>
+                  <a:t>Action set:</a:t>
+                </a:r>
+              </a:p>
+              <a:p>
+                <a:pPr lvl="2"/>
+                <a14:m>
+                  <m:oMath xmlns:m="http://schemas.openxmlformats.org/officeDocument/2006/math">
+                    <m:r>
+                      <a:rPr lang="en-CH" i="1" smtClean="0">
+                        <a:latin typeface="Cambria Math" panose="02040503050406030204" pitchFamily="18" charset="0"/>
+                        <a:ea typeface="Cambria Math" panose="02040503050406030204" pitchFamily="18" charset="0"/>
+                      </a:rPr>
+                      <m:t>𝔸</m:t>
+                    </m:r>
+                    <m:r>
+                      <a:rPr lang="en-CH" b="0" i="1" smtClean="0">
+                        <a:latin typeface="Cambria Math" panose="02040503050406030204" pitchFamily="18" charset="0"/>
+                        <a:ea typeface="Cambria Math" panose="02040503050406030204" pitchFamily="18" charset="0"/>
+                      </a:rPr>
+                      <m:t>=</m:t>
+                    </m:r>
+                    <m:d>
+                      <m:dPr>
+                        <m:begChr m:val="{"/>
+                        <m:endChr m:val="}"/>
+                        <m:ctrlPr>
+                          <a:rPr lang="en-CH" b="0" i="1" smtClean="0">
+                            <a:latin typeface="Cambria Math" panose="02040503050406030204" pitchFamily="18" charset="0"/>
+                            <a:ea typeface="Cambria Math" panose="02040503050406030204" pitchFamily="18" charset="0"/>
+                          </a:rPr>
+                        </m:ctrlPr>
+                      </m:dPr>
+                      <m:e>
+                        <m:sSub>
+                          <m:sSubPr>
+                            <m:ctrlPr>
+                              <a:rPr lang="en-CH" b="0" i="1" smtClean="0">
+                                <a:latin typeface="Cambria Math" panose="02040503050406030204" pitchFamily="18" charset="0"/>
+                                <a:ea typeface="Cambria Math" panose="02040503050406030204" pitchFamily="18" charset="0"/>
+                              </a:rPr>
+                            </m:ctrlPr>
+                          </m:sSubPr>
+                          <m:e>
+                            <m:r>
+                              <a:rPr lang="en-CH" b="0" i="1" smtClean="0">
+                                <a:latin typeface="Cambria Math" panose="02040503050406030204" pitchFamily="18" charset="0"/>
+                                <a:ea typeface="Cambria Math" panose="02040503050406030204" pitchFamily="18" charset="0"/>
+                              </a:rPr>
+                              <m:t>𝑃</m:t>
+                            </m:r>
+                          </m:e>
+                          <m:sub>
+                            <m:r>
+                              <a:rPr lang="en-CH" b="0" i="1" smtClean="0">
+                                <a:latin typeface="Cambria Math" panose="02040503050406030204" pitchFamily="18" charset="0"/>
+                                <a:ea typeface="Cambria Math" panose="02040503050406030204" pitchFamily="18" charset="0"/>
+                              </a:rPr>
+                              <m:t>𝐻</m:t>
+                            </m:r>
+                          </m:sub>
+                        </m:sSub>
+                        <m:r>
+                          <a:rPr lang="en-CH" b="0" i="1" smtClean="0">
+                            <a:latin typeface="Cambria Math" panose="02040503050406030204" pitchFamily="18" charset="0"/>
+                            <a:ea typeface="Cambria Math" panose="02040503050406030204" pitchFamily="18" charset="0"/>
+                          </a:rPr>
+                          <m:t>,</m:t>
+                        </m:r>
+                        <m:sSub>
+                          <m:sSubPr>
+                            <m:ctrlPr>
+                              <a:rPr lang="en-CH" b="0" i="1" smtClean="0">
+                                <a:latin typeface="Cambria Math" panose="02040503050406030204" pitchFamily="18" charset="0"/>
+                                <a:ea typeface="Cambria Math" panose="02040503050406030204" pitchFamily="18" charset="0"/>
+                              </a:rPr>
+                            </m:ctrlPr>
+                          </m:sSubPr>
+                          <m:e>
+                            <m:r>
+                              <a:rPr lang="en-CH" b="0" i="1" smtClean="0">
+                                <a:latin typeface="Cambria Math" panose="02040503050406030204" pitchFamily="18" charset="0"/>
+                                <a:ea typeface="Cambria Math" panose="02040503050406030204" pitchFamily="18" charset="0"/>
+                              </a:rPr>
+                              <m:t>𝑃</m:t>
+                            </m:r>
+                          </m:e>
+                          <m:sub>
+                            <m:r>
+                              <a:rPr lang="en-CH" b="0" i="1" smtClean="0">
+                                <a:latin typeface="Cambria Math" panose="02040503050406030204" pitchFamily="18" charset="0"/>
+                                <a:ea typeface="Cambria Math" panose="02040503050406030204" pitchFamily="18" charset="0"/>
+                              </a:rPr>
+                              <m:t>𝐿</m:t>
+                            </m:r>
+                          </m:sub>
+                        </m:sSub>
+                        <m:r>
+                          <a:rPr lang="en-CH" b="0" i="1" smtClean="0">
+                            <a:latin typeface="Cambria Math" panose="02040503050406030204" pitchFamily="18" charset="0"/>
+                            <a:ea typeface="Cambria Math" panose="02040503050406030204" pitchFamily="18" charset="0"/>
+                          </a:rPr>
+                          <m:t>,</m:t>
+                        </m:r>
+                        <m:r>
+                          <a:rPr lang="en-CH" b="0" i="1" smtClean="0">
+                            <a:latin typeface="Cambria Math" panose="02040503050406030204" pitchFamily="18" charset="0"/>
+                            <a:ea typeface="Cambria Math" panose="02040503050406030204" pitchFamily="18" charset="0"/>
+                          </a:rPr>
+                          <m:t>𝐻</m:t>
+                        </m:r>
+                      </m:e>
+                    </m:d>
+                  </m:oMath>
+                </a14:m>
+                <a:endParaRPr lang="en-CH" dirty="0"/>
+              </a:p>
+              <a:p>
+                <a:pPr lvl="3"/>
+                <a14:m>
+                  <m:oMath xmlns:m="http://schemas.openxmlformats.org/officeDocument/2006/math">
+                    <m:sSub>
+                      <m:sSubPr>
+                        <m:ctrlPr>
+                          <a:rPr lang="en-CH" b="0" i="1" smtClean="0">
+                            <a:latin typeface="Cambria Math" panose="02040503050406030204" pitchFamily="18" charset="0"/>
+                          </a:rPr>
+                        </m:ctrlPr>
+                      </m:sSubPr>
+                      <m:e>
+                        <m:r>
+                          <a:rPr lang="en-CH" b="0" i="1" smtClean="0">
+                            <a:latin typeface="Cambria Math" panose="02040503050406030204" pitchFamily="18" charset="0"/>
+                          </a:rPr>
+                          <m:t>𝑃</m:t>
+                        </m:r>
+                      </m:e>
+                      <m:sub>
+                        <m:r>
+                          <a:rPr lang="en-CH" b="0" i="1" smtClean="0">
+                            <a:latin typeface="Cambria Math" panose="02040503050406030204" pitchFamily="18" charset="0"/>
+                          </a:rPr>
+                          <m:t>𝐿</m:t>
+                        </m:r>
+                      </m:sub>
+                    </m:sSub>
+                  </m:oMath>
+                </a14:m>
+                <a:r>
+                  <a:rPr lang="en-CH" dirty="0"/>
+                  <a:t> or </a:t>
+                </a:r>
+                <a14:m>
+                  <m:oMath xmlns:m="http://schemas.openxmlformats.org/officeDocument/2006/math">
+                    <m:sSub>
+                      <m:sSubPr>
+                        <m:ctrlPr>
+                          <a:rPr lang="en-CH" i="1">
+                            <a:latin typeface="Cambria Math" panose="02040503050406030204" pitchFamily="18" charset="0"/>
+                          </a:rPr>
+                        </m:ctrlPr>
+                      </m:sSubPr>
+                      <m:e>
+                        <m:r>
+                          <a:rPr lang="en-CH" i="1">
+                            <a:latin typeface="Cambria Math" panose="02040503050406030204" pitchFamily="18" charset="0"/>
+                          </a:rPr>
+                          <m:t>𝑃</m:t>
+                        </m:r>
+                      </m:e>
+                      <m:sub>
+                        <m:r>
+                          <a:rPr lang="en-CH" b="0" i="1" smtClean="0">
+                            <a:latin typeface="Cambria Math" panose="02040503050406030204" pitchFamily="18" charset="0"/>
+                          </a:rPr>
+                          <m:t>𝐻</m:t>
+                        </m:r>
+                      </m:sub>
+                    </m:sSub>
+                    <m:r>
+                      <a:rPr lang="en-CH" i="1">
+                        <a:latin typeface="Cambria Math" panose="02040503050406030204" pitchFamily="18" charset="0"/>
+                      </a:rPr>
+                      <m:t> </m:t>
+                    </m:r>
+                  </m:oMath>
+                </a14:m>
+                <a:r>
+                  <a:rPr lang="en-CH" dirty="0"/>
+                  <a:t>: Put</a:t>
+                </a:r>
+              </a:p>
+              <a:p>
+                <a:pPr lvl="4"/>
+                <a:r>
+                  <a:rPr lang="en-CH" dirty="0"/>
+                  <a:t>Chose a block from a list</a:t>
+                </a:r>
+              </a:p>
+              <a:p>
+                <a:pPr lvl="4"/>
+                <a:r>
+                  <a:rPr lang="en-CH" dirty="0"/>
+                  <a:t>Chose its orientation among 6</a:t>
+                </a:r>
+              </a:p>
+              <a:p>
+                <a:pPr lvl="4"/>
+                <a:r>
+                  <a:rPr lang="en-CH" dirty="0"/>
+                  <a:t>Chose the location of its reference point</a:t>
+                </a:r>
+              </a:p>
+              <a:p>
+                <a:pPr lvl="4"/>
+                <a:endParaRPr lang="en-CH" dirty="0"/>
+              </a:p>
+            </p:txBody>
+          </p:sp>
+        </mc:Choice>
+        <mc:Fallback>
+          <p:sp>
+            <p:nvSpPr>
+              <p:cNvPr id="2" name="Content Placeholder 1">
+                <a:extLst>
+                  <a:ext uri="{FF2B5EF4-FFF2-40B4-BE49-F238E27FC236}">
+                    <a16:creationId xmlns:a16="http://schemas.microsoft.com/office/drawing/2014/main" id="{1A4360DF-FE17-1DBC-699F-9ACD41150D49}"/>
+                  </a:ext>
+                </a:extLst>
+              </p:cNvPr>
+              <p:cNvSpPr>
+                <a:spLocks noGrp="1" noRot="1" noChangeAspect="1" noMove="1" noResize="1" noEditPoints="1" noAdjustHandles="1" noChangeArrowheads="1" noChangeShapeType="1" noTextEdit="1"/>
+              </p:cNvSpPr>
+              <p:nvPr>
+                <p:ph idx="1"/>
+              </p:nvPr>
+            </p:nvSpPr>
+            <p:spPr>
+              <a:blipFill>
+                <a:blip r:embed="rId2"/>
+                <a:stretch>
+                  <a:fillRect t="-1802"/>
+                </a:stretch>
+              </a:blipFill>
+            </p:spPr>
+            <p:txBody>
+              <a:bodyPr/>
+              <a:lstStyle/>
+              <a:p>
+                <a:r>
+                  <a:rPr lang="en-US">
+                    <a:noFill/>
+                  </a:rPr>
+                  <a:t> </a:t>
+                </a:r>
+              </a:p>
+            </p:txBody>
+          </p:sp>
+        </mc:Fallback>
+      </mc:AlternateContent>
+      <p:sp>
+        <p:nvSpPr>
+          <p:cNvPr id="3" name="Title 2">
+            <a:extLst>
+              <a:ext uri="{FF2B5EF4-FFF2-40B4-BE49-F238E27FC236}">
+                <a16:creationId xmlns:a16="http://schemas.microsoft.com/office/drawing/2014/main" id="{4F55A516-EC01-DE3F-9D68-965B3D2979A2}"/>
+              </a:ext>
+            </a:extLst>
+          </p:cNvPr>
+          <p:cNvSpPr>
+            <a:spLocks noGrp="1"/>
+          </p:cNvSpPr>
+          <p:nvPr>
+            <p:ph type="title"/>
+          </p:nvPr>
+        </p:nvSpPr>
+        <p:spPr/>
+        <p:txBody>
+          <a:bodyPr/>
+          <a:lstStyle/>
+          <a:p>
+            <a:r>
+              <a:rPr lang="en-CH" dirty="0"/>
+              <a:t>Agents</a:t>
+            </a:r>
+            <a:endParaRPr lang="en-US" dirty="0"/>
+          </a:p>
+        </p:txBody>
+      </p:sp>
+      <p:sp>
+        <p:nvSpPr>
+          <p:cNvPr id="4" name="Date Placeholder 3">
+            <a:extLst>
+              <a:ext uri="{FF2B5EF4-FFF2-40B4-BE49-F238E27FC236}">
+                <a16:creationId xmlns:a16="http://schemas.microsoft.com/office/drawing/2014/main" id="{629C7E98-A472-2B09-7E9F-254673C72E5D}"/>
+              </a:ext>
+            </a:extLst>
+          </p:cNvPr>
+          <p:cNvSpPr>
+            <a:spLocks noGrp="1"/>
+          </p:cNvSpPr>
+          <p:nvPr>
+            <p:ph type="dt" sz="half" idx="10"/>
+          </p:nvPr>
+        </p:nvSpPr>
+        <p:spPr/>
+        <p:txBody>
+          <a:bodyPr/>
+          <a:lstStyle/>
+          <a:p>
+            <a:r>
+              <a:rPr lang="fr-CH"/>
+              <a:t>NAME EVENT / NAME PRESENTATION</a:t>
+            </a:r>
+            <a:endParaRPr lang="fr-FR"/>
+          </a:p>
+        </p:txBody>
+      </p:sp>
+      <p:sp>
+        <p:nvSpPr>
+          <p:cNvPr id="5" name="Footer Placeholder 4">
+            <a:extLst>
+              <a:ext uri="{FF2B5EF4-FFF2-40B4-BE49-F238E27FC236}">
+                <a16:creationId xmlns:a16="http://schemas.microsoft.com/office/drawing/2014/main" id="{51A58B22-4755-D9CB-A26B-06B12724C457}"/>
+              </a:ext>
+            </a:extLst>
+          </p:cNvPr>
+          <p:cNvSpPr>
+            <a:spLocks noGrp="1"/>
+          </p:cNvSpPr>
+          <p:nvPr>
+            <p:ph type="ftr" sz="quarter" idx="11"/>
+          </p:nvPr>
+        </p:nvSpPr>
+        <p:spPr/>
+        <p:txBody>
+          <a:bodyPr/>
+          <a:lstStyle/>
+          <a:p>
+            <a:r>
+              <a:rPr lang="fr-FR"/>
+              <a:t>Speaker </a:t>
+            </a:r>
+          </a:p>
+        </p:txBody>
+      </p:sp>
+      <p:sp>
+        <p:nvSpPr>
+          <p:cNvPr id="6" name="Slide Number Placeholder 5">
+            <a:extLst>
+              <a:ext uri="{FF2B5EF4-FFF2-40B4-BE49-F238E27FC236}">
+                <a16:creationId xmlns:a16="http://schemas.microsoft.com/office/drawing/2014/main" id="{0761641A-3A1E-E332-CBB8-4E2883F4E739}"/>
+              </a:ext>
+            </a:extLst>
+          </p:cNvPr>
+          <p:cNvSpPr>
+            <a:spLocks noGrp="1"/>
+          </p:cNvSpPr>
+          <p:nvPr>
+            <p:ph type="sldNum" sz="quarter" idx="12"/>
+          </p:nvPr>
+        </p:nvSpPr>
+        <p:spPr/>
+        <p:txBody>
+          <a:bodyPr/>
+          <a:lstStyle/>
+          <a:p>
+            <a:fld id="{E1E1CD7C-2161-7D43-862E-CE4C333CD873}" type="slidenum">
+              <a:rPr lang="fr-FR" smtClean="0"/>
+              <a:pPr/>
+              <a:t>48</a:t>
+            </a:fld>
+            <a:endParaRPr lang="fr-FR"/>
+          </a:p>
+        </p:txBody>
+      </p:sp>
+    </p:spTree>
+    <p:extLst>
+      <p:ext uri="{BB962C8B-B14F-4D97-AF65-F5344CB8AC3E}">
+        <p14:creationId xmlns:p14="http://schemas.microsoft.com/office/powerpoint/2010/main" val="417361426"/>
+      </p:ext>
+    </p:extLst>
+  </p:cSld>
+  <p:clrMapOvr>
+    <a:masterClrMapping/>
+  </p:clrMapOvr>
+</p:sld>
+</file>
+
+<file path=ppt/slides/slide49.xml><?xml version="1.0" encoding="utf-8"?>
+<p:sld xmlns:a="http://schemas.openxmlformats.org/drawingml/2006/main" xmlns:r="http://schemas.openxmlformats.org/officeDocument/2006/relationships" xmlns:p="http://schemas.openxmlformats.org/presentationml/2006/main">
+  <p:cSld>
+    <p:spTree>
+      <p:nvGrpSpPr>
+        <p:cNvPr id="1" name=""/>
+        <p:cNvGrpSpPr/>
+        <p:nvPr/>
+      </p:nvGrpSpPr>
+      <p:grpSpPr>
+        <a:xfrm>
+          <a:off x="0" y="0"/>
+          <a:ext cx="0" cy="0"/>
+          <a:chOff x="0" y="0"/>
+          <a:chExt cx="0" cy="0"/>
+        </a:xfrm>
+      </p:grpSpPr>
+      <mc:AlternateContent xmlns:mc="http://schemas.openxmlformats.org/markup-compatibility/2006">
+        <mc:Choice xmlns:a14="http://schemas.microsoft.com/office/drawing/2010/main" Requires="a14">
+          <p:sp>
+            <p:nvSpPr>
+              <p:cNvPr id="2" name="Content Placeholder 1">
+                <a:extLst>
+                  <a:ext uri="{FF2B5EF4-FFF2-40B4-BE49-F238E27FC236}">
+                    <a16:creationId xmlns:a16="http://schemas.microsoft.com/office/drawing/2014/main" id="{1A4360DF-FE17-1DBC-699F-9ACD41150D49}"/>
+                  </a:ext>
+                </a:extLst>
+              </p:cNvPr>
+              <p:cNvSpPr>
+                <a:spLocks noGrp="1"/>
+              </p:cNvSpPr>
+              <p:nvPr>
+                <p:ph idx="1"/>
+              </p:nvPr>
+            </p:nvSpPr>
+            <p:spPr/>
+            <p:txBody>
+              <a:bodyPr/>
+              <a:lstStyle/>
+              <a:p>
+                <a14:m>
+                  <m:oMath xmlns:m="http://schemas.openxmlformats.org/officeDocument/2006/math">
+                    <m:sSub>
+                      <m:sSubPr>
+                        <m:ctrlPr>
+                          <a:rPr lang="en-CH" b="0" i="1" smtClean="0">
+                            <a:latin typeface="Cambria Math" panose="02040503050406030204" pitchFamily="18" charset="0"/>
+                          </a:rPr>
+                        </m:ctrlPr>
+                      </m:sSubPr>
+                      <m:e>
+                        <m:r>
+                          <a:rPr lang="en-CH" b="0" i="1" smtClean="0">
+                            <a:latin typeface="Cambria Math" panose="02040503050406030204" pitchFamily="18" charset="0"/>
+                          </a:rPr>
+                          <m:t>𝑁</m:t>
+                        </m:r>
+                      </m:e>
+                      <m:sub>
+                        <m:r>
+                          <a:rPr lang="en-CH" b="0" i="1" smtClean="0">
+                            <a:latin typeface="Cambria Math" panose="02040503050406030204" pitchFamily="18" charset="0"/>
+                          </a:rPr>
+                          <m:t>𝑟</m:t>
+                        </m:r>
+                      </m:sub>
+                    </m:sSub>
+                  </m:oMath>
+                </a14:m>
+                <a:r>
+                  <a:rPr lang="en-CH" dirty="0"/>
+                  <a:t> robots</a:t>
+                </a:r>
+              </a:p>
+              <a:p>
+                <a:pPr lvl="1"/>
+                <a:r>
+                  <a:rPr lang="en-CH" dirty="0"/>
+                  <a:t>Observation set:</a:t>
+                </a:r>
+              </a:p>
+              <a:p>
+                <a:pPr lvl="2"/>
+                <a:r>
+                  <a:rPr lang="en-CH" dirty="0"/>
+                  <a:t>Consider the game as open information: </a:t>
+                </a:r>
+                <a14:m>
+                  <m:oMath xmlns:m="http://schemas.openxmlformats.org/officeDocument/2006/math">
+                    <m:r>
+                      <a:rPr lang="en-CH" i="1" smtClean="0">
+                        <a:latin typeface="Cambria Math" panose="02040503050406030204" pitchFamily="18" charset="0"/>
+                        <a:ea typeface="Cambria Math" panose="02040503050406030204" pitchFamily="18" charset="0"/>
+                      </a:rPr>
+                      <m:t>𝕆</m:t>
+                    </m:r>
+                    <m:r>
+                      <a:rPr lang="en-CH" b="0" i="1" smtClean="0">
+                        <a:latin typeface="Cambria Math" panose="02040503050406030204" pitchFamily="18" charset="0"/>
+                        <a:ea typeface="Cambria Math" panose="02040503050406030204" pitchFamily="18" charset="0"/>
+                      </a:rPr>
+                      <m:t>=</m:t>
+                    </m:r>
+                    <m:r>
+                      <a:rPr lang="en-CH" b="0" i="1" smtClean="0">
+                        <a:latin typeface="Cambria Math" panose="02040503050406030204" pitchFamily="18" charset="0"/>
+                        <a:ea typeface="Cambria Math" panose="02040503050406030204" pitchFamily="18" charset="0"/>
+                      </a:rPr>
+                      <m:t>𝕊</m:t>
+                    </m:r>
+                  </m:oMath>
+                </a14:m>
+                <a:endParaRPr lang="en-CH" dirty="0"/>
+              </a:p>
+            </p:txBody>
+          </p:sp>
+        </mc:Choice>
+        <mc:Fallback>
+          <p:sp>
+            <p:nvSpPr>
+              <p:cNvPr id="2" name="Content Placeholder 1">
+                <a:extLst>
+                  <a:ext uri="{FF2B5EF4-FFF2-40B4-BE49-F238E27FC236}">
+                    <a16:creationId xmlns:a16="http://schemas.microsoft.com/office/drawing/2014/main" id="{1A4360DF-FE17-1DBC-699F-9ACD41150D49}"/>
+                  </a:ext>
+                </a:extLst>
+              </p:cNvPr>
+              <p:cNvSpPr>
+                <a:spLocks noGrp="1" noRot="1" noChangeAspect="1" noMove="1" noResize="1" noEditPoints="1" noAdjustHandles="1" noChangeArrowheads="1" noChangeShapeType="1" noTextEdit="1"/>
+              </p:cNvSpPr>
+              <p:nvPr>
+                <p:ph idx="1"/>
+              </p:nvPr>
+            </p:nvSpPr>
+            <p:spPr>
+              <a:blipFill>
+                <a:blip r:embed="rId2"/>
+                <a:stretch>
+                  <a:fillRect t="-1802"/>
+                </a:stretch>
+              </a:blipFill>
+            </p:spPr>
+            <p:txBody>
+              <a:bodyPr/>
+              <a:lstStyle/>
+              <a:p>
+                <a:r>
+                  <a:rPr lang="en-US">
+                    <a:noFill/>
+                  </a:rPr>
+                  <a:t> </a:t>
+                </a:r>
+              </a:p>
+            </p:txBody>
+          </p:sp>
+        </mc:Fallback>
+      </mc:AlternateContent>
+      <p:sp>
+        <p:nvSpPr>
+          <p:cNvPr id="3" name="Title 2">
+            <a:extLst>
+              <a:ext uri="{FF2B5EF4-FFF2-40B4-BE49-F238E27FC236}">
+                <a16:creationId xmlns:a16="http://schemas.microsoft.com/office/drawing/2014/main" id="{4F55A516-EC01-DE3F-9D68-965B3D2979A2}"/>
+              </a:ext>
+            </a:extLst>
+          </p:cNvPr>
+          <p:cNvSpPr>
+            <a:spLocks noGrp="1"/>
+          </p:cNvSpPr>
+          <p:nvPr>
+            <p:ph type="title"/>
+          </p:nvPr>
+        </p:nvSpPr>
+        <p:spPr/>
+        <p:txBody>
+          <a:bodyPr/>
+          <a:lstStyle/>
+          <a:p>
+            <a:r>
+              <a:rPr lang="en-CH" dirty="0"/>
+              <a:t>Agents</a:t>
+            </a:r>
+            <a:endParaRPr lang="en-US" dirty="0"/>
+          </a:p>
+        </p:txBody>
+      </p:sp>
+      <p:sp>
+        <p:nvSpPr>
+          <p:cNvPr id="4" name="Date Placeholder 3">
+            <a:extLst>
+              <a:ext uri="{FF2B5EF4-FFF2-40B4-BE49-F238E27FC236}">
+                <a16:creationId xmlns:a16="http://schemas.microsoft.com/office/drawing/2014/main" id="{629C7E98-A472-2B09-7E9F-254673C72E5D}"/>
+              </a:ext>
+            </a:extLst>
+          </p:cNvPr>
+          <p:cNvSpPr>
+            <a:spLocks noGrp="1"/>
+          </p:cNvSpPr>
+          <p:nvPr>
+            <p:ph type="dt" sz="half" idx="10"/>
+          </p:nvPr>
+        </p:nvSpPr>
+        <p:spPr/>
+        <p:txBody>
+          <a:bodyPr/>
+          <a:lstStyle/>
+          <a:p>
+            <a:r>
+              <a:rPr lang="fr-CH"/>
+              <a:t>NAME EVENT / NAME PRESENTATION</a:t>
+            </a:r>
+            <a:endParaRPr lang="fr-FR"/>
+          </a:p>
+        </p:txBody>
+      </p:sp>
+      <p:sp>
+        <p:nvSpPr>
+          <p:cNvPr id="5" name="Footer Placeholder 4">
+            <a:extLst>
+              <a:ext uri="{FF2B5EF4-FFF2-40B4-BE49-F238E27FC236}">
+                <a16:creationId xmlns:a16="http://schemas.microsoft.com/office/drawing/2014/main" id="{51A58B22-4755-D9CB-A26B-06B12724C457}"/>
+              </a:ext>
+            </a:extLst>
+          </p:cNvPr>
+          <p:cNvSpPr>
+            <a:spLocks noGrp="1"/>
+          </p:cNvSpPr>
+          <p:nvPr>
+            <p:ph type="ftr" sz="quarter" idx="11"/>
+          </p:nvPr>
+        </p:nvSpPr>
+        <p:spPr/>
+        <p:txBody>
+          <a:bodyPr/>
+          <a:lstStyle/>
+          <a:p>
+            <a:r>
+              <a:rPr lang="fr-FR"/>
+              <a:t>Speaker </a:t>
+            </a:r>
+          </a:p>
+        </p:txBody>
+      </p:sp>
+      <p:sp>
+        <p:nvSpPr>
+          <p:cNvPr id="6" name="Slide Number Placeholder 5">
+            <a:extLst>
+              <a:ext uri="{FF2B5EF4-FFF2-40B4-BE49-F238E27FC236}">
+                <a16:creationId xmlns:a16="http://schemas.microsoft.com/office/drawing/2014/main" id="{0761641A-3A1E-E332-CBB8-4E2883F4E739}"/>
+              </a:ext>
+            </a:extLst>
+          </p:cNvPr>
+          <p:cNvSpPr>
+            <a:spLocks noGrp="1"/>
+          </p:cNvSpPr>
+          <p:nvPr>
+            <p:ph type="sldNum" sz="quarter" idx="12"/>
+          </p:nvPr>
+        </p:nvSpPr>
+        <p:spPr/>
+        <p:txBody>
+          <a:bodyPr/>
+          <a:lstStyle/>
+          <a:p>
+            <a:fld id="{E1E1CD7C-2161-7D43-862E-CE4C333CD873}" type="slidenum">
+              <a:rPr lang="fr-FR" smtClean="0"/>
+              <a:pPr/>
+              <a:t>49</a:t>
+            </a:fld>
+            <a:endParaRPr lang="fr-FR"/>
+          </a:p>
+        </p:txBody>
+      </p:sp>
+    </p:spTree>
+    <p:extLst>
+      <p:ext uri="{BB962C8B-B14F-4D97-AF65-F5344CB8AC3E}">
+        <p14:creationId xmlns:p14="http://schemas.microsoft.com/office/powerpoint/2010/main" val="3910640370"/>
+      </p:ext>
+    </p:extLst>
+  </p:cSld>
+  <p:clrMapOvr>
+    <a:masterClrMapping/>
+  </p:clrMapOvr>
+</p:sld>
+</file>
+
 <file path=ppt/slides/slide5.xml><?xml version="1.0" encoding="utf-8"?>
 <p:sld xmlns:a="http://schemas.openxmlformats.org/drawingml/2006/main" xmlns:r="http://schemas.openxmlformats.org/officeDocument/2006/relationships" xmlns:p="http://schemas.openxmlformats.org/presentationml/2006/main">
   <p:cSld>
@@ -20428,6 +22112,3415 @@
     <p:extLst>
       <p:ext uri="{BB962C8B-B14F-4D97-AF65-F5344CB8AC3E}">
         <p14:creationId xmlns:p14="http://schemas.microsoft.com/office/powerpoint/2010/main" val="3089865004"/>
+      </p:ext>
+    </p:extLst>
+  </p:cSld>
+  <p:clrMapOvr>
+    <a:masterClrMapping/>
+  </p:clrMapOvr>
+</p:sld>
+</file>
+
+<file path=ppt/slides/slide50.xml><?xml version="1.0" encoding="utf-8"?>
+<p:sld xmlns:a="http://schemas.openxmlformats.org/drawingml/2006/main" xmlns:r="http://schemas.openxmlformats.org/officeDocument/2006/relationships" xmlns:p="http://schemas.openxmlformats.org/presentationml/2006/main">
+  <p:cSld>
+    <p:spTree>
+      <p:nvGrpSpPr>
+        <p:cNvPr id="1" name=""/>
+        <p:cNvGrpSpPr/>
+        <p:nvPr/>
+      </p:nvGrpSpPr>
+      <p:grpSpPr>
+        <a:xfrm>
+          <a:off x="0" y="0"/>
+          <a:ext cx="0" cy="0"/>
+          <a:chOff x="0" y="0"/>
+          <a:chExt cx="0" cy="0"/>
+        </a:xfrm>
+      </p:grpSpPr>
+      <mc:AlternateContent xmlns:mc="http://schemas.openxmlformats.org/markup-compatibility/2006">
+        <mc:Choice xmlns:a14="http://schemas.microsoft.com/office/drawing/2010/main" Requires="a14">
+          <p:sp>
+            <p:nvSpPr>
+              <p:cNvPr id="2" name="Content Placeholder 1">
+                <a:extLst>
+                  <a:ext uri="{FF2B5EF4-FFF2-40B4-BE49-F238E27FC236}">
+                    <a16:creationId xmlns:a16="http://schemas.microsoft.com/office/drawing/2014/main" id="{434D8544-F7FC-9FD5-1F4A-F2D0E8C26AF9}"/>
+                  </a:ext>
+                </a:extLst>
+              </p:cNvPr>
+              <p:cNvSpPr>
+                <a:spLocks noGrp="1"/>
+              </p:cNvSpPr>
+              <p:nvPr>
+                <p:ph idx="1"/>
+              </p:nvPr>
+            </p:nvSpPr>
+            <p:spPr/>
+            <p:txBody>
+              <a:bodyPr/>
+              <a:lstStyle/>
+              <a:p>
+                <a:r>
+                  <a:rPr lang="en-CH" dirty="0"/>
+                  <a:t>Grid: </a:t>
+                </a:r>
+                <a14:m>
+                  <m:oMath xmlns:m="http://schemas.openxmlformats.org/officeDocument/2006/math">
+                    <m:r>
+                      <a:rPr lang="en-CH" b="0" i="1" smtClean="0">
+                        <a:latin typeface="Cambria Math" panose="02040503050406030204" pitchFamily="18" charset="0"/>
+                        <a:ea typeface="Cambria Math" panose="02040503050406030204" pitchFamily="18" charset="0"/>
+                      </a:rPr>
+                      <m:t>𝔾</m:t>
+                    </m:r>
+                    <m:r>
+                      <a:rPr lang="en-CH" b="0" i="1" smtClean="0">
+                        <a:latin typeface="Cambria Math" panose="02040503050406030204" pitchFamily="18" charset="0"/>
+                        <a:ea typeface="Cambria Math" panose="02040503050406030204" pitchFamily="18" charset="0"/>
+                      </a:rPr>
+                      <m:t>=</m:t>
+                    </m:r>
+                    <m:d>
+                      <m:dPr>
+                        <m:begChr m:val="{"/>
+                        <m:endChr m:val="}"/>
+                        <m:ctrlPr>
+                          <a:rPr lang="en-CH" b="0" i="1" smtClean="0">
+                            <a:latin typeface="Cambria Math" panose="02040503050406030204" pitchFamily="18" charset="0"/>
+                            <a:ea typeface="Cambria Math" panose="02040503050406030204" pitchFamily="18" charset="0"/>
+                          </a:rPr>
+                        </m:ctrlPr>
+                      </m:dPr>
+                      <m:e>
+                        <m:d>
+                          <m:dPr>
+                            <m:ctrlPr>
+                              <a:rPr lang="en-CH" b="0" i="1" smtClean="0">
+                                <a:latin typeface="Cambria Math" panose="02040503050406030204" pitchFamily="18" charset="0"/>
+                                <a:ea typeface="Cambria Math" panose="02040503050406030204" pitchFamily="18" charset="0"/>
+                              </a:rPr>
+                            </m:ctrlPr>
+                          </m:dPr>
+                          <m:e>
+                            <m:r>
+                              <a:rPr lang="en-CH" b="0" i="1" smtClean="0">
+                                <a:latin typeface="Cambria Math" panose="02040503050406030204" pitchFamily="18" charset="0"/>
+                                <a:ea typeface="Cambria Math" panose="02040503050406030204" pitchFamily="18" charset="0"/>
+                              </a:rPr>
+                              <m:t>𝑥</m:t>
+                            </m:r>
+                            <m:r>
+                              <a:rPr lang="en-CH" b="0" i="1" smtClean="0">
+                                <a:latin typeface="Cambria Math" panose="02040503050406030204" pitchFamily="18" charset="0"/>
+                                <a:ea typeface="Cambria Math" panose="02040503050406030204" pitchFamily="18" charset="0"/>
+                              </a:rPr>
+                              <m:t>,</m:t>
+                            </m:r>
+                            <m:r>
+                              <a:rPr lang="en-CH" b="0" i="1" smtClean="0">
+                                <a:latin typeface="Cambria Math" panose="02040503050406030204" pitchFamily="18" charset="0"/>
+                                <a:ea typeface="Cambria Math" panose="02040503050406030204" pitchFamily="18" charset="0"/>
+                              </a:rPr>
+                              <m:t>𝑦</m:t>
+                            </m:r>
+                            <m:r>
+                              <a:rPr lang="en-CH" b="0" i="1" smtClean="0">
+                                <a:latin typeface="Cambria Math" panose="02040503050406030204" pitchFamily="18" charset="0"/>
+                                <a:ea typeface="Cambria Math" panose="02040503050406030204" pitchFamily="18" charset="0"/>
+                              </a:rPr>
+                              <m:t>,</m:t>
+                            </m:r>
+                            <m:r>
+                              <a:rPr lang="en-CH" b="0" i="1" smtClean="0">
+                                <a:latin typeface="Cambria Math" panose="02040503050406030204" pitchFamily="18" charset="0"/>
+                                <a:ea typeface="Cambria Math" panose="02040503050406030204" pitchFamily="18" charset="0"/>
+                              </a:rPr>
+                              <m:t>𝑑</m:t>
+                            </m:r>
+                          </m:e>
+                        </m:d>
+                        <m:r>
+                          <a:rPr lang="en-CH" b="0" i="1" smtClean="0">
+                            <a:latin typeface="Cambria Math" panose="02040503050406030204" pitchFamily="18" charset="0"/>
+                            <a:ea typeface="Cambria Math" panose="02040503050406030204" pitchFamily="18" charset="0"/>
+                          </a:rPr>
+                          <m:t> </m:t>
+                        </m:r>
+                        <m:r>
+                          <a:rPr lang="en-CH" b="0" i="1" smtClean="0">
+                            <a:latin typeface="Cambria Math" panose="02040503050406030204" pitchFamily="18" charset="0"/>
+                            <a:ea typeface="Cambria Math" panose="02040503050406030204" pitchFamily="18" charset="0"/>
+                          </a:rPr>
+                          <m:t>∈</m:t>
+                        </m:r>
+                        <m:sSup>
+                          <m:sSupPr>
+                            <m:ctrlPr>
+                              <a:rPr lang="en-CH" b="0" i="1" smtClean="0">
+                                <a:latin typeface="Cambria Math" panose="02040503050406030204" pitchFamily="18" charset="0"/>
+                                <a:ea typeface="Cambria Math" panose="02040503050406030204" pitchFamily="18" charset="0"/>
+                              </a:rPr>
+                            </m:ctrlPr>
+                          </m:sSupPr>
+                          <m:e>
+                            <m:r>
+                              <a:rPr lang="en-CH" b="0" i="1" smtClean="0">
+                                <a:latin typeface="Cambria Math" panose="02040503050406030204" pitchFamily="18" charset="0"/>
+                                <a:ea typeface="Cambria Math" panose="02040503050406030204" pitchFamily="18" charset="0"/>
+                              </a:rPr>
+                              <m:t>ℕ</m:t>
+                            </m:r>
+                          </m:e>
+                          <m:sup>
+                            <m:r>
+                              <a:rPr lang="en-CH" b="0" i="1" smtClean="0">
+                                <a:latin typeface="Cambria Math" panose="02040503050406030204" pitchFamily="18" charset="0"/>
+                                <a:ea typeface="Cambria Math" panose="02040503050406030204" pitchFamily="18" charset="0"/>
+                              </a:rPr>
+                              <m:t>2</m:t>
+                            </m:r>
+                          </m:sup>
+                        </m:sSup>
+                        <m:r>
+                          <a:rPr lang="en-CH" b="0" i="1" smtClean="0">
+                            <a:latin typeface="Cambria Math" panose="02040503050406030204" pitchFamily="18" charset="0"/>
+                            <a:ea typeface="Cambria Math" panose="02040503050406030204" pitchFamily="18" charset="0"/>
+                          </a:rPr>
+                          <m:t>×</m:t>
+                        </m:r>
+                        <m:d>
+                          <m:dPr>
+                            <m:begChr m:val="{"/>
+                            <m:endChr m:val="}"/>
+                            <m:ctrlPr>
+                              <a:rPr lang="en-CH" b="0" i="1" smtClean="0">
+                                <a:latin typeface="Cambria Math" panose="02040503050406030204" pitchFamily="18" charset="0"/>
+                                <a:ea typeface="Cambria Math" panose="02040503050406030204" pitchFamily="18" charset="0"/>
+                              </a:rPr>
+                            </m:ctrlPr>
+                          </m:dPr>
+                          <m:e>
+                            <m:r>
+                              <a:rPr lang="en-CH" b="0" i="1" smtClean="0">
+                                <a:latin typeface="Cambria Math" panose="02040503050406030204" pitchFamily="18" charset="0"/>
+                                <a:ea typeface="Cambria Math" panose="02040503050406030204" pitchFamily="18" charset="0"/>
+                              </a:rPr>
+                              <m:t>0,1</m:t>
+                            </m:r>
+                          </m:e>
+                        </m:d>
+                        <m:r>
+                          <a:rPr lang="en-CH" b="0" i="1" smtClean="0">
+                            <a:latin typeface="Cambria Math" panose="02040503050406030204" pitchFamily="18" charset="0"/>
+                            <a:ea typeface="Cambria Math" panose="02040503050406030204" pitchFamily="18" charset="0"/>
+                          </a:rPr>
+                          <m:t> | 0&lt;</m:t>
+                        </m:r>
+                        <m:r>
+                          <a:rPr lang="en-CH" b="0" i="1" smtClean="0">
+                            <a:latin typeface="Cambria Math" panose="02040503050406030204" pitchFamily="18" charset="0"/>
+                            <a:ea typeface="Cambria Math" panose="02040503050406030204" pitchFamily="18" charset="0"/>
+                          </a:rPr>
+                          <m:t>𝑥</m:t>
+                        </m:r>
+                        <m:r>
+                          <a:rPr lang="en-CH" b="0" i="1" smtClean="0">
+                            <a:latin typeface="Cambria Math" panose="02040503050406030204" pitchFamily="18" charset="0"/>
+                            <a:ea typeface="Cambria Math" panose="02040503050406030204" pitchFamily="18" charset="0"/>
+                          </a:rPr>
+                          <m:t>&lt;</m:t>
+                        </m:r>
+                        <m:sSub>
+                          <m:sSubPr>
+                            <m:ctrlPr>
+                              <a:rPr lang="en-CH" b="0" i="1" smtClean="0">
+                                <a:latin typeface="Cambria Math" panose="02040503050406030204" pitchFamily="18" charset="0"/>
+                                <a:ea typeface="Cambria Math" panose="02040503050406030204" pitchFamily="18" charset="0"/>
+                              </a:rPr>
+                            </m:ctrlPr>
+                          </m:sSubPr>
+                          <m:e>
+                            <m:r>
+                              <a:rPr lang="en-CH" b="0" i="1" smtClean="0">
+                                <a:latin typeface="Cambria Math" panose="02040503050406030204" pitchFamily="18" charset="0"/>
+                                <a:ea typeface="Cambria Math" panose="02040503050406030204" pitchFamily="18" charset="0"/>
+                              </a:rPr>
+                              <m:t>𝑥</m:t>
+                            </m:r>
+                          </m:e>
+                          <m:sub>
+                            <m:r>
+                              <a:rPr lang="en-CH" b="0" i="1" smtClean="0">
+                                <a:latin typeface="Cambria Math" panose="02040503050406030204" pitchFamily="18" charset="0"/>
+                                <a:ea typeface="Cambria Math" panose="02040503050406030204" pitchFamily="18" charset="0"/>
+                              </a:rPr>
+                              <m:t>𝑚𝑎𝑥</m:t>
+                            </m:r>
+                          </m:sub>
+                        </m:sSub>
+                        <m:r>
+                          <a:rPr lang="en-CH" b="0" i="1" smtClean="0">
+                            <a:latin typeface="Cambria Math" panose="02040503050406030204" pitchFamily="18" charset="0"/>
+                            <a:ea typeface="Cambria Math" panose="02040503050406030204" pitchFamily="18" charset="0"/>
+                          </a:rPr>
+                          <m:t> </m:t>
+                        </m:r>
+                        <m:r>
+                          <a:rPr lang="en-CH" b="0" i="1" smtClean="0">
+                            <a:latin typeface="Cambria Math" panose="02040503050406030204" pitchFamily="18" charset="0"/>
+                            <a:ea typeface="Cambria Math" panose="02040503050406030204" pitchFamily="18" charset="0"/>
+                          </a:rPr>
+                          <m:t>𝑎𝑛𝑑</m:t>
+                        </m:r>
+                        <m:r>
+                          <a:rPr lang="en-CH" b="0" i="1" smtClean="0">
+                            <a:latin typeface="Cambria Math" panose="02040503050406030204" pitchFamily="18" charset="0"/>
+                            <a:ea typeface="Cambria Math" panose="02040503050406030204" pitchFamily="18" charset="0"/>
+                          </a:rPr>
+                          <m:t> 0&lt;</m:t>
+                        </m:r>
+                        <m:r>
+                          <a:rPr lang="en-CH" b="0" i="1" smtClean="0">
+                            <a:latin typeface="Cambria Math" panose="02040503050406030204" pitchFamily="18" charset="0"/>
+                            <a:ea typeface="Cambria Math" panose="02040503050406030204" pitchFamily="18" charset="0"/>
+                          </a:rPr>
+                          <m:t>𝑦</m:t>
+                        </m:r>
+                        <m:r>
+                          <a:rPr lang="en-CH" i="1">
+                            <a:latin typeface="Cambria Math" panose="02040503050406030204" pitchFamily="18" charset="0"/>
+                            <a:ea typeface="Cambria Math" panose="02040503050406030204" pitchFamily="18" charset="0"/>
+                          </a:rPr>
+                          <m:t>&lt;</m:t>
+                        </m:r>
+                        <m:sSub>
+                          <m:sSubPr>
+                            <m:ctrlPr>
+                              <a:rPr lang="en-CH" i="1">
+                                <a:latin typeface="Cambria Math" panose="02040503050406030204" pitchFamily="18" charset="0"/>
+                                <a:ea typeface="Cambria Math" panose="02040503050406030204" pitchFamily="18" charset="0"/>
+                              </a:rPr>
+                            </m:ctrlPr>
+                          </m:sSubPr>
+                          <m:e>
+                            <m:r>
+                              <a:rPr lang="en-CH" b="0" i="1" smtClean="0">
+                                <a:latin typeface="Cambria Math" panose="02040503050406030204" pitchFamily="18" charset="0"/>
+                                <a:ea typeface="Cambria Math" panose="02040503050406030204" pitchFamily="18" charset="0"/>
+                              </a:rPr>
+                              <m:t>𝑦</m:t>
+                            </m:r>
+                          </m:e>
+                          <m:sub>
+                            <m:r>
+                              <a:rPr lang="en-CH" i="1">
+                                <a:latin typeface="Cambria Math" panose="02040503050406030204" pitchFamily="18" charset="0"/>
+                                <a:ea typeface="Cambria Math" panose="02040503050406030204" pitchFamily="18" charset="0"/>
+                              </a:rPr>
+                              <m:t>𝑚𝑎𝑥</m:t>
+                            </m:r>
+                          </m:sub>
+                        </m:sSub>
+                      </m:e>
+                    </m:d>
+                  </m:oMath>
+                </a14:m>
+                <a:endParaRPr lang="en-CH" b="0" dirty="0">
+                  <a:ea typeface="Cambria Math" panose="02040503050406030204" pitchFamily="18" charset="0"/>
+                </a:endParaRPr>
+              </a:p>
+              <a:p>
+                <a:pPr lvl="1"/>
+                <a14:m>
+                  <m:oMath xmlns:m="http://schemas.openxmlformats.org/officeDocument/2006/math">
+                    <m:r>
+                      <a:rPr lang="en-CH" b="0" i="1" smtClean="0">
+                        <a:latin typeface="Cambria Math" panose="02040503050406030204" pitchFamily="18" charset="0"/>
+                        <a:ea typeface="Cambria Math" panose="02040503050406030204" pitchFamily="18" charset="0"/>
+                      </a:rPr>
+                      <m:t>𝑥</m:t>
+                    </m:r>
+                    <m:r>
+                      <a:rPr lang="en-CH" b="0" i="1" smtClean="0">
+                        <a:latin typeface="Cambria Math" panose="02040503050406030204" pitchFamily="18" charset="0"/>
+                        <a:ea typeface="Cambria Math" panose="02040503050406030204" pitchFamily="18" charset="0"/>
+                      </a:rPr>
+                      <m:t>,</m:t>
+                    </m:r>
+                    <m:r>
+                      <a:rPr lang="en-CH" b="0" i="1" smtClean="0">
+                        <a:latin typeface="Cambria Math" panose="02040503050406030204" pitchFamily="18" charset="0"/>
+                        <a:ea typeface="Cambria Math" panose="02040503050406030204" pitchFamily="18" charset="0"/>
+                      </a:rPr>
+                      <m:t>𝑦</m:t>
+                    </m:r>
+                  </m:oMath>
+                </a14:m>
+                <a:r>
+                  <a:rPr lang="en-CH" b="0" dirty="0">
+                    <a:ea typeface="Cambria Math" panose="02040503050406030204" pitchFamily="18" charset="0"/>
+                  </a:rPr>
+                  <a:t>: coordinates of the leftmost corner of a triangle (using isometric base)</a:t>
+                </a:r>
+              </a:p>
+              <a:p>
+                <a:pPr lvl="1"/>
+                <a14:m>
+                  <m:oMath xmlns:m="http://schemas.openxmlformats.org/officeDocument/2006/math">
+                    <m:r>
+                      <a:rPr lang="en-CH" b="0" i="1" smtClean="0">
+                        <a:latin typeface="Cambria Math" panose="02040503050406030204" pitchFamily="18" charset="0"/>
+                      </a:rPr>
+                      <m:t>𝑑</m:t>
+                    </m:r>
+                  </m:oMath>
+                </a14:m>
+                <a:r>
+                  <a:rPr lang="en-CH" dirty="0"/>
+                  <a:t>: (=down) is equal to 0 if the triangle is pointing up, 1 otherwise </a:t>
+                </a:r>
+                <a:endParaRPr lang="en-US" dirty="0"/>
+              </a:p>
+            </p:txBody>
+          </p:sp>
+        </mc:Choice>
+        <mc:Fallback>
+          <p:sp>
+            <p:nvSpPr>
+              <p:cNvPr id="2" name="Content Placeholder 1">
+                <a:extLst>
+                  <a:ext uri="{FF2B5EF4-FFF2-40B4-BE49-F238E27FC236}">
+                    <a16:creationId xmlns:a16="http://schemas.microsoft.com/office/drawing/2014/main" id="{434D8544-F7FC-9FD5-1F4A-F2D0E8C26AF9}"/>
+                  </a:ext>
+                </a:extLst>
+              </p:cNvPr>
+              <p:cNvSpPr>
+                <a:spLocks noGrp="1" noRot="1" noChangeAspect="1" noMove="1" noResize="1" noEditPoints="1" noAdjustHandles="1" noChangeArrowheads="1" noChangeShapeType="1" noTextEdit="1"/>
+              </p:cNvSpPr>
+              <p:nvPr>
+                <p:ph idx="1"/>
+              </p:nvPr>
+            </p:nvSpPr>
+            <p:spPr>
+              <a:blipFill>
+                <a:blip r:embed="rId2"/>
+                <a:stretch>
+                  <a:fillRect t="-1802"/>
+                </a:stretch>
+              </a:blipFill>
+            </p:spPr>
+            <p:txBody>
+              <a:bodyPr/>
+              <a:lstStyle/>
+              <a:p>
+                <a:r>
+                  <a:rPr lang="en-US">
+                    <a:noFill/>
+                  </a:rPr>
+                  <a:t> </a:t>
+                </a:r>
+              </a:p>
+            </p:txBody>
+          </p:sp>
+        </mc:Fallback>
+      </mc:AlternateContent>
+      <p:sp>
+        <p:nvSpPr>
+          <p:cNvPr id="3" name="Title 2">
+            <a:extLst>
+              <a:ext uri="{FF2B5EF4-FFF2-40B4-BE49-F238E27FC236}">
+                <a16:creationId xmlns:a16="http://schemas.microsoft.com/office/drawing/2014/main" id="{8F33DFD5-37EA-9856-E0DC-4C6BC06BB696}"/>
+              </a:ext>
+            </a:extLst>
+          </p:cNvPr>
+          <p:cNvSpPr>
+            <a:spLocks noGrp="1"/>
+          </p:cNvSpPr>
+          <p:nvPr>
+            <p:ph type="title"/>
+          </p:nvPr>
+        </p:nvSpPr>
+        <p:spPr/>
+        <p:txBody>
+          <a:bodyPr/>
+          <a:lstStyle/>
+          <a:p>
+            <a:r>
+              <a:rPr lang="en-CH" dirty="0"/>
+              <a:t>States</a:t>
+            </a:r>
+            <a:endParaRPr lang="en-US" dirty="0"/>
+          </a:p>
+        </p:txBody>
+      </p:sp>
+      <p:sp>
+        <p:nvSpPr>
+          <p:cNvPr id="4" name="Date Placeholder 3">
+            <a:extLst>
+              <a:ext uri="{FF2B5EF4-FFF2-40B4-BE49-F238E27FC236}">
+                <a16:creationId xmlns:a16="http://schemas.microsoft.com/office/drawing/2014/main" id="{0601F00E-CB76-02AD-BE57-F02FE09EEA51}"/>
+              </a:ext>
+            </a:extLst>
+          </p:cNvPr>
+          <p:cNvSpPr>
+            <a:spLocks noGrp="1"/>
+          </p:cNvSpPr>
+          <p:nvPr>
+            <p:ph type="dt" sz="half" idx="10"/>
+          </p:nvPr>
+        </p:nvSpPr>
+        <p:spPr/>
+        <p:txBody>
+          <a:bodyPr/>
+          <a:lstStyle/>
+          <a:p>
+            <a:r>
+              <a:rPr lang="fr-CH" dirty="0"/>
+              <a:t>NAME EVENT / NAME PRESENTATION</a:t>
+            </a:r>
+            <a:endParaRPr lang="fr-FR" dirty="0"/>
+          </a:p>
+        </p:txBody>
+      </p:sp>
+      <p:sp>
+        <p:nvSpPr>
+          <p:cNvPr id="5" name="Footer Placeholder 4">
+            <a:extLst>
+              <a:ext uri="{FF2B5EF4-FFF2-40B4-BE49-F238E27FC236}">
+                <a16:creationId xmlns:a16="http://schemas.microsoft.com/office/drawing/2014/main" id="{48ED99CC-B957-6C82-1720-95F48B8B1758}"/>
+              </a:ext>
+            </a:extLst>
+          </p:cNvPr>
+          <p:cNvSpPr>
+            <a:spLocks noGrp="1"/>
+          </p:cNvSpPr>
+          <p:nvPr>
+            <p:ph type="ftr" sz="quarter" idx="11"/>
+          </p:nvPr>
+        </p:nvSpPr>
+        <p:spPr/>
+        <p:txBody>
+          <a:bodyPr/>
+          <a:lstStyle/>
+          <a:p>
+            <a:r>
+              <a:rPr lang="fr-FR"/>
+              <a:t>Speaker </a:t>
+            </a:r>
+          </a:p>
+        </p:txBody>
+      </p:sp>
+      <p:sp>
+        <p:nvSpPr>
+          <p:cNvPr id="6" name="Slide Number Placeholder 5">
+            <a:extLst>
+              <a:ext uri="{FF2B5EF4-FFF2-40B4-BE49-F238E27FC236}">
+                <a16:creationId xmlns:a16="http://schemas.microsoft.com/office/drawing/2014/main" id="{9F1892C6-8110-3D48-59E0-7A555E98766E}"/>
+              </a:ext>
+            </a:extLst>
+          </p:cNvPr>
+          <p:cNvSpPr>
+            <a:spLocks noGrp="1"/>
+          </p:cNvSpPr>
+          <p:nvPr>
+            <p:ph type="sldNum" sz="quarter" idx="12"/>
+          </p:nvPr>
+        </p:nvSpPr>
+        <p:spPr/>
+        <p:txBody>
+          <a:bodyPr/>
+          <a:lstStyle/>
+          <a:p>
+            <a:fld id="{E1E1CD7C-2161-7D43-862E-CE4C333CD873}" type="slidenum">
+              <a:rPr lang="fr-FR" smtClean="0"/>
+              <a:pPr/>
+              <a:t>50</a:t>
+            </a:fld>
+            <a:endParaRPr lang="fr-FR"/>
+          </a:p>
+        </p:txBody>
+      </p:sp>
+      <p:pic>
+        <p:nvPicPr>
+          <p:cNvPr id="8" name="Picture 7">
+            <a:extLst>
+              <a:ext uri="{FF2B5EF4-FFF2-40B4-BE49-F238E27FC236}">
+                <a16:creationId xmlns:a16="http://schemas.microsoft.com/office/drawing/2014/main" id="{509E87EC-ADE2-BB30-BE60-D394A268601D}"/>
+              </a:ext>
+            </a:extLst>
+          </p:cNvPr>
+          <p:cNvPicPr>
+            <a:picLocks noChangeAspect="1"/>
+          </p:cNvPicPr>
+          <p:nvPr/>
+        </p:nvPicPr>
+        <p:blipFill>
+          <a:blip r:embed="rId3"/>
+          <a:stretch>
+            <a:fillRect/>
+          </a:stretch>
+        </p:blipFill>
+        <p:spPr>
+          <a:xfrm>
+            <a:off x="4067944" y="2499742"/>
+            <a:ext cx="4499992" cy="2202010"/>
+          </a:xfrm>
+          <a:prstGeom prst="rect">
+            <a:avLst/>
+          </a:prstGeom>
+        </p:spPr>
+      </p:pic>
+    </p:spTree>
+    <p:extLst>
+      <p:ext uri="{BB962C8B-B14F-4D97-AF65-F5344CB8AC3E}">
+        <p14:creationId xmlns:p14="http://schemas.microsoft.com/office/powerpoint/2010/main" val="3117088474"/>
+      </p:ext>
+    </p:extLst>
+  </p:cSld>
+  <p:clrMapOvr>
+    <a:masterClrMapping/>
+  </p:clrMapOvr>
+</p:sld>
+</file>
+
+<file path=ppt/slides/slide51.xml><?xml version="1.0" encoding="utf-8"?>
+<p:sld xmlns:a="http://schemas.openxmlformats.org/drawingml/2006/main" xmlns:r="http://schemas.openxmlformats.org/officeDocument/2006/relationships" xmlns:p="http://schemas.openxmlformats.org/presentationml/2006/main">
+  <p:cSld>
+    <p:spTree>
+      <p:nvGrpSpPr>
+        <p:cNvPr id="1" name=""/>
+        <p:cNvGrpSpPr/>
+        <p:nvPr/>
+      </p:nvGrpSpPr>
+      <p:grpSpPr>
+        <a:xfrm>
+          <a:off x="0" y="0"/>
+          <a:ext cx="0" cy="0"/>
+          <a:chOff x="0" y="0"/>
+          <a:chExt cx="0" cy="0"/>
+        </a:xfrm>
+      </p:grpSpPr>
+      <mc:AlternateContent xmlns:mc="http://schemas.openxmlformats.org/markup-compatibility/2006">
+        <mc:Choice xmlns:a14="http://schemas.microsoft.com/office/drawing/2010/main" Requires="a14">
+          <p:sp>
+            <p:nvSpPr>
+              <p:cNvPr id="2" name="Content Placeholder 1">
+                <a:extLst>
+                  <a:ext uri="{FF2B5EF4-FFF2-40B4-BE49-F238E27FC236}">
+                    <a16:creationId xmlns:a16="http://schemas.microsoft.com/office/drawing/2014/main" id="{434D8544-F7FC-9FD5-1F4A-F2D0E8C26AF9}"/>
+                  </a:ext>
+                </a:extLst>
+              </p:cNvPr>
+              <p:cNvSpPr>
+                <a:spLocks noGrp="1"/>
+              </p:cNvSpPr>
+              <p:nvPr>
+                <p:ph idx="1"/>
+              </p:nvPr>
+            </p:nvSpPr>
+            <p:spPr/>
+            <p:txBody>
+              <a:bodyPr/>
+              <a:lstStyle/>
+              <a:p>
+                <a:r>
+                  <a:rPr lang="en-CH" dirty="0"/>
+                  <a:t>States: </a:t>
+                </a:r>
+                <a14:m>
+                  <m:oMath xmlns:m="http://schemas.openxmlformats.org/officeDocument/2006/math">
+                    <m:r>
+                      <a:rPr lang="en-CH" i="1" smtClean="0">
+                        <a:latin typeface="Cambria Math" panose="02040503050406030204" pitchFamily="18" charset="0"/>
+                        <a:ea typeface="Cambria Math" panose="02040503050406030204" pitchFamily="18" charset="0"/>
+                      </a:rPr>
+                      <m:t>𝕊</m:t>
+                    </m:r>
+                    <m:r>
+                      <a:rPr lang="en-CH" b="0" i="1" smtClean="0">
+                        <a:latin typeface="Cambria Math" panose="02040503050406030204" pitchFamily="18" charset="0"/>
+                        <a:ea typeface="Cambria Math" panose="02040503050406030204" pitchFamily="18" charset="0"/>
+                      </a:rPr>
+                      <m:t>=</m:t>
+                    </m:r>
+                    <m:d>
+                      <m:dPr>
+                        <m:begChr m:val="{"/>
+                        <m:endChr m:val="}"/>
+                        <m:ctrlPr>
+                          <a:rPr lang="en-CH" b="0" i="1" smtClean="0">
+                            <a:latin typeface="Cambria Math" panose="02040503050406030204" pitchFamily="18" charset="0"/>
+                            <a:ea typeface="Cambria Math" panose="02040503050406030204" pitchFamily="18" charset="0"/>
+                          </a:rPr>
+                        </m:ctrlPr>
+                      </m:dPr>
+                      <m:e>
+                        <m:d>
+                          <m:dPr>
+                            <m:ctrlPr>
+                              <a:rPr lang="en-CH" b="0" i="1" smtClean="0">
+                                <a:latin typeface="Cambria Math" panose="02040503050406030204" pitchFamily="18" charset="0"/>
+                                <a:ea typeface="Cambria Math" panose="02040503050406030204" pitchFamily="18" charset="0"/>
+                              </a:rPr>
+                            </m:ctrlPr>
+                          </m:dPr>
+                          <m:e>
+                            <m:r>
+                              <a:rPr lang="en-CH" b="0" i="1" smtClean="0">
+                                <a:latin typeface="Cambria Math" panose="02040503050406030204" pitchFamily="18" charset="0"/>
+                                <a:ea typeface="Cambria Math" panose="02040503050406030204" pitchFamily="18" charset="0"/>
+                              </a:rPr>
+                              <m:t>𝑏</m:t>
+                            </m:r>
+                            <m:r>
+                              <a:rPr lang="en-CH" b="0" i="1" smtClean="0">
+                                <a:latin typeface="Cambria Math" panose="02040503050406030204" pitchFamily="18" charset="0"/>
+                                <a:ea typeface="Cambria Math" panose="02040503050406030204" pitchFamily="18" charset="0"/>
+                              </a:rPr>
+                              <m:t>,</m:t>
+                            </m:r>
+                            <m:r>
+                              <a:rPr lang="en-CH" b="0" i="1" smtClean="0">
+                                <a:latin typeface="Cambria Math" panose="02040503050406030204" pitchFamily="18" charset="0"/>
+                                <a:ea typeface="Cambria Math" panose="02040503050406030204" pitchFamily="18" charset="0"/>
+                              </a:rPr>
+                              <m:t>𝑐</m:t>
+                            </m:r>
+                            <m:r>
+                              <a:rPr lang="en-CH" b="0" i="1" smtClean="0">
+                                <a:latin typeface="Cambria Math" panose="02040503050406030204" pitchFamily="18" charset="0"/>
+                                <a:ea typeface="Cambria Math" panose="02040503050406030204" pitchFamily="18" charset="0"/>
+                              </a:rPr>
+                              <m:t>,</m:t>
+                            </m:r>
+                            <m:r>
+                              <a:rPr lang="en-CH" b="0" i="1" smtClean="0">
+                                <a:latin typeface="Cambria Math" panose="02040503050406030204" pitchFamily="18" charset="0"/>
+                                <a:ea typeface="Cambria Math" panose="02040503050406030204" pitchFamily="18" charset="0"/>
+                              </a:rPr>
+                              <m:t>𝑟</m:t>
+                            </m:r>
+                            <m:r>
+                              <a:rPr lang="en-CH" b="0" i="1" smtClean="0">
+                                <a:latin typeface="Cambria Math" panose="02040503050406030204" pitchFamily="18" charset="0"/>
+                                <a:ea typeface="Cambria Math" panose="02040503050406030204" pitchFamily="18" charset="0"/>
+                              </a:rPr>
+                              <m:t> </m:t>
+                            </m:r>
+                          </m:e>
+                        </m:d>
+                        <m:r>
+                          <a:rPr lang="en-CH" b="0" i="1" smtClean="0">
+                            <a:latin typeface="Cambria Math" panose="02040503050406030204" pitchFamily="18" charset="0"/>
+                            <a:ea typeface="Cambria Math" panose="02040503050406030204" pitchFamily="18" charset="0"/>
+                          </a:rPr>
+                          <m:t> ∈</m:t>
+                        </m:r>
+                        <m:r>
+                          <a:rPr lang="en-CH" b="0" i="1" smtClean="0">
+                            <a:latin typeface="Cambria Math" panose="02040503050406030204" pitchFamily="18" charset="0"/>
+                            <a:ea typeface="Cambria Math" panose="02040503050406030204" pitchFamily="18" charset="0"/>
+                          </a:rPr>
+                          <m:t>𝔾</m:t>
+                        </m:r>
+                        <m:r>
+                          <a:rPr lang="en-CH" b="0" i="1" smtClean="0">
+                            <a:latin typeface="Cambria Math" panose="02040503050406030204" pitchFamily="18" charset="0"/>
+                            <a:ea typeface="Cambria Math" panose="02040503050406030204" pitchFamily="18" charset="0"/>
+                          </a:rPr>
+                          <m:t>×</m:t>
+                        </m:r>
+                        <m:r>
+                          <a:rPr lang="en-CH" b="0" i="1" smtClean="0">
+                            <a:latin typeface="Cambria Math" panose="02040503050406030204" pitchFamily="18" charset="0"/>
+                            <a:ea typeface="Cambria Math" panose="02040503050406030204" pitchFamily="18" charset="0"/>
+                          </a:rPr>
+                          <m:t>𝔾</m:t>
+                        </m:r>
+                        <m:r>
+                          <a:rPr lang="en-CH" b="0" i="1" smtClean="0">
+                            <a:latin typeface="Cambria Math" panose="02040503050406030204" pitchFamily="18" charset="0"/>
+                            <a:ea typeface="Cambria Math" panose="02040503050406030204" pitchFamily="18" charset="0"/>
+                          </a:rPr>
+                          <m:t>×</m:t>
+                        </m:r>
+                        <m:r>
+                          <a:rPr lang="en-CH" b="0" i="1" smtClean="0">
+                            <a:latin typeface="Cambria Math" panose="02040503050406030204" pitchFamily="18" charset="0"/>
+                            <a:ea typeface="Cambria Math" panose="02040503050406030204" pitchFamily="18" charset="0"/>
+                          </a:rPr>
+                          <m:t>𝔾</m:t>
+                        </m:r>
+                      </m:e>
+                    </m:d>
+                  </m:oMath>
+                </a14:m>
+                <a:endParaRPr lang="en-CH" b="0" dirty="0">
+                  <a:ea typeface="Cambria Math" panose="02040503050406030204" pitchFamily="18" charset="0"/>
+                </a:endParaRPr>
+              </a:p>
+              <a:p>
+                <a:pPr lvl="1"/>
+                <a14:m>
+                  <m:oMath xmlns:m="http://schemas.openxmlformats.org/officeDocument/2006/math">
+                    <m:sSub>
+                      <m:sSubPr>
+                        <m:ctrlPr>
+                          <a:rPr lang="en-CH" b="0" i="1" smtClean="0">
+                            <a:latin typeface="Cambria Math" panose="02040503050406030204" pitchFamily="18" charset="0"/>
+                            <a:ea typeface="Cambria Math" panose="02040503050406030204" pitchFamily="18" charset="0"/>
+                          </a:rPr>
+                        </m:ctrlPr>
+                      </m:sSubPr>
+                      <m:e>
+                        <m:r>
+                          <a:rPr lang="en-CH" b="0" i="1" smtClean="0">
+                            <a:latin typeface="Cambria Math" panose="02040503050406030204" pitchFamily="18" charset="0"/>
+                            <a:ea typeface="Cambria Math" panose="02040503050406030204" pitchFamily="18" charset="0"/>
+                          </a:rPr>
+                          <m:t>𝑏</m:t>
+                        </m:r>
+                      </m:e>
+                      <m:sub>
+                        <m:r>
+                          <a:rPr lang="en-CH" b="0" i="1" smtClean="0">
+                            <a:latin typeface="Cambria Math" panose="02040503050406030204" pitchFamily="18" charset="0"/>
+                            <a:ea typeface="Cambria Math" panose="02040503050406030204" pitchFamily="18" charset="0"/>
+                          </a:rPr>
+                          <m:t> </m:t>
+                        </m:r>
+                      </m:sub>
+                    </m:sSub>
+                  </m:oMath>
+                </a14:m>
+                <a:r>
+                  <a:rPr lang="en-CH" b="0" dirty="0">
+                    <a:ea typeface="Cambria Math" panose="02040503050406030204" pitchFamily="18" charset="0"/>
+                  </a:rPr>
+                  <a:t>: </a:t>
+                </a:r>
+                <a:r>
+                  <a:rPr lang="en-CH" dirty="0">
+                    <a:ea typeface="Cambria Math" panose="02040503050406030204" pitchFamily="18" charset="0"/>
+                  </a:rPr>
+                  <a:t>ids of the block placed at a given coordinates</a:t>
+                </a:r>
+              </a:p>
+              <a:p>
+                <a:pPr lvl="2"/>
+                <a:r>
+                  <a:rPr lang="en-CH" b="0" dirty="0">
+                    <a:ea typeface="Cambria Math" panose="02040503050406030204" pitchFamily="18" charset="0"/>
+                  </a:rPr>
+                  <a:t>0 if no block are there</a:t>
+                </a:r>
+              </a:p>
+              <a:p>
+                <a:pPr lvl="2"/>
+                <a:r>
+                  <a:rPr lang="en-CH" dirty="0">
+                    <a:ea typeface="Cambria Math" panose="02040503050406030204" pitchFamily="18" charset="0"/>
+                  </a:rPr>
+                  <a:t>1 if the block is “floating”</a:t>
+                </a:r>
+              </a:p>
+              <a:p>
+                <a:pPr lvl="1"/>
+                <a14:m>
+                  <m:oMath xmlns:m="http://schemas.openxmlformats.org/officeDocument/2006/math">
+                    <m:sSub>
+                      <m:sSubPr>
+                        <m:ctrlPr>
+                          <a:rPr lang="en-CH" b="0" i="1" smtClean="0">
+                            <a:latin typeface="Cambria Math" panose="02040503050406030204" pitchFamily="18" charset="0"/>
+                            <a:ea typeface="Cambria Math" panose="02040503050406030204" pitchFamily="18" charset="0"/>
+                          </a:rPr>
+                        </m:ctrlPr>
+                      </m:sSubPr>
+                      <m:e>
+                        <m:r>
+                          <a:rPr lang="en-CH" b="0" i="1" smtClean="0">
+                            <a:latin typeface="Cambria Math" panose="02040503050406030204" pitchFamily="18" charset="0"/>
+                            <a:ea typeface="Cambria Math" panose="02040503050406030204" pitchFamily="18" charset="0"/>
+                          </a:rPr>
+                          <m:t>𝑐</m:t>
+                        </m:r>
+                      </m:e>
+                      <m:sub>
+                        <m:r>
+                          <a:rPr lang="en-CH" b="0" i="1" smtClean="0">
+                            <a:latin typeface="Cambria Math" panose="02040503050406030204" pitchFamily="18" charset="0"/>
+                            <a:ea typeface="Cambria Math" panose="02040503050406030204" pitchFamily="18" charset="0"/>
+                          </a:rPr>
+                          <m:t> </m:t>
+                        </m:r>
+                      </m:sub>
+                    </m:sSub>
+                  </m:oMath>
+                </a14:m>
+                <a:r>
+                  <a:rPr lang="en-CH" b="0" dirty="0">
+                    <a:ea typeface="Cambria Math" panose="02040503050406030204" pitchFamily="18" charset="0"/>
+                  </a:rPr>
+                  <a:t>: ids of the connected ground at these coordinates</a:t>
+                </a:r>
+              </a:p>
+              <a:p>
+                <a:pPr lvl="2"/>
+                <a:r>
+                  <a:rPr lang="en-CH" dirty="0">
+                    <a:ea typeface="Cambria Math" panose="02040503050406030204" pitchFamily="18" charset="0"/>
+                  </a:rPr>
+                  <a:t>-1 if no blocks are there</a:t>
+                </a:r>
+              </a:p>
+              <a:p>
+                <a:pPr lvl="1"/>
+                <a14:m>
+                  <m:oMath xmlns:m="http://schemas.openxmlformats.org/officeDocument/2006/math">
+                    <m:sSub>
+                      <m:sSubPr>
+                        <m:ctrlPr>
+                          <a:rPr lang="en-CH" b="0" i="1" smtClean="0">
+                            <a:latin typeface="Cambria Math" panose="02040503050406030204" pitchFamily="18" charset="0"/>
+                            <a:ea typeface="Cambria Math" panose="02040503050406030204" pitchFamily="18" charset="0"/>
+                          </a:rPr>
+                        </m:ctrlPr>
+                      </m:sSubPr>
+                      <m:e>
+                        <m:r>
+                          <a:rPr lang="en-CH" b="0" i="1" smtClean="0">
+                            <a:latin typeface="Cambria Math" panose="02040503050406030204" pitchFamily="18" charset="0"/>
+                            <a:ea typeface="Cambria Math" panose="02040503050406030204" pitchFamily="18" charset="0"/>
+                          </a:rPr>
+                          <m:t>𝑟</m:t>
+                        </m:r>
+                      </m:e>
+                      <m:sub>
+                        <m:r>
+                          <a:rPr lang="en-CH" b="0" i="1" smtClean="0">
+                            <a:latin typeface="Cambria Math" panose="02040503050406030204" pitchFamily="18" charset="0"/>
+                            <a:ea typeface="Cambria Math" panose="02040503050406030204" pitchFamily="18" charset="0"/>
+                          </a:rPr>
+                          <m:t> </m:t>
+                        </m:r>
+                      </m:sub>
+                    </m:sSub>
+                  </m:oMath>
+                </a14:m>
+                <a:r>
+                  <a:rPr lang="en-CH" b="0" dirty="0">
+                    <a:ea typeface="Cambria Math" panose="02040503050406030204" pitchFamily="18" charset="0"/>
+                  </a:rPr>
+                  <a:t>: ids of the robot holding the current coordinates</a:t>
+                </a:r>
+              </a:p>
+              <a:p>
+                <a:pPr lvl="2"/>
+                <a:r>
+                  <a:rPr lang="en-CH" dirty="0">
+                    <a:ea typeface="Cambria Math" panose="02040503050406030204" pitchFamily="18" charset="0"/>
+                  </a:rPr>
+                  <a:t>-1 if no robot is the parts</a:t>
+                </a:r>
+              </a:p>
+              <a:p>
+                <a:endParaRPr lang="en-CH" b="0" dirty="0">
+                  <a:ea typeface="Cambria Math" panose="02040503050406030204" pitchFamily="18" charset="0"/>
+                </a:endParaRPr>
+              </a:p>
+            </p:txBody>
+          </p:sp>
+        </mc:Choice>
+        <mc:Fallback>
+          <p:sp>
+            <p:nvSpPr>
+              <p:cNvPr id="2" name="Content Placeholder 1">
+                <a:extLst>
+                  <a:ext uri="{FF2B5EF4-FFF2-40B4-BE49-F238E27FC236}">
+                    <a16:creationId xmlns:a16="http://schemas.microsoft.com/office/drawing/2014/main" id="{434D8544-F7FC-9FD5-1F4A-F2D0E8C26AF9}"/>
+                  </a:ext>
+                </a:extLst>
+              </p:cNvPr>
+              <p:cNvSpPr>
+                <a:spLocks noGrp="1" noRot="1" noChangeAspect="1" noMove="1" noResize="1" noEditPoints="1" noAdjustHandles="1" noChangeArrowheads="1" noChangeShapeType="1" noTextEdit="1"/>
+              </p:cNvSpPr>
+              <p:nvPr>
+                <p:ph idx="1"/>
+              </p:nvPr>
+            </p:nvSpPr>
+            <p:spPr>
+              <a:blipFill>
+                <a:blip r:embed="rId2"/>
+                <a:stretch>
+                  <a:fillRect t="-1802"/>
+                </a:stretch>
+              </a:blipFill>
+            </p:spPr>
+            <p:txBody>
+              <a:bodyPr/>
+              <a:lstStyle/>
+              <a:p>
+                <a:r>
+                  <a:rPr lang="en-US">
+                    <a:noFill/>
+                  </a:rPr>
+                  <a:t> </a:t>
+                </a:r>
+              </a:p>
+            </p:txBody>
+          </p:sp>
+        </mc:Fallback>
+      </mc:AlternateContent>
+      <p:sp>
+        <p:nvSpPr>
+          <p:cNvPr id="3" name="Title 2">
+            <a:extLst>
+              <a:ext uri="{FF2B5EF4-FFF2-40B4-BE49-F238E27FC236}">
+                <a16:creationId xmlns:a16="http://schemas.microsoft.com/office/drawing/2014/main" id="{8F33DFD5-37EA-9856-E0DC-4C6BC06BB696}"/>
+              </a:ext>
+            </a:extLst>
+          </p:cNvPr>
+          <p:cNvSpPr>
+            <a:spLocks noGrp="1"/>
+          </p:cNvSpPr>
+          <p:nvPr>
+            <p:ph type="title"/>
+          </p:nvPr>
+        </p:nvSpPr>
+        <p:spPr/>
+        <p:txBody>
+          <a:bodyPr/>
+          <a:lstStyle/>
+          <a:p>
+            <a:r>
+              <a:rPr lang="en-CH" dirty="0"/>
+              <a:t>States</a:t>
+            </a:r>
+            <a:endParaRPr lang="en-US" dirty="0"/>
+          </a:p>
+        </p:txBody>
+      </p:sp>
+      <p:sp>
+        <p:nvSpPr>
+          <p:cNvPr id="4" name="Date Placeholder 3">
+            <a:extLst>
+              <a:ext uri="{FF2B5EF4-FFF2-40B4-BE49-F238E27FC236}">
+                <a16:creationId xmlns:a16="http://schemas.microsoft.com/office/drawing/2014/main" id="{0601F00E-CB76-02AD-BE57-F02FE09EEA51}"/>
+              </a:ext>
+            </a:extLst>
+          </p:cNvPr>
+          <p:cNvSpPr>
+            <a:spLocks noGrp="1"/>
+          </p:cNvSpPr>
+          <p:nvPr>
+            <p:ph type="dt" sz="half" idx="10"/>
+          </p:nvPr>
+        </p:nvSpPr>
+        <p:spPr/>
+        <p:txBody>
+          <a:bodyPr/>
+          <a:lstStyle/>
+          <a:p>
+            <a:r>
+              <a:rPr lang="fr-CH" dirty="0"/>
+              <a:t>NAME EVENT / NAME PRESENTATION</a:t>
+            </a:r>
+            <a:endParaRPr lang="fr-FR" dirty="0"/>
+          </a:p>
+        </p:txBody>
+      </p:sp>
+      <p:sp>
+        <p:nvSpPr>
+          <p:cNvPr id="5" name="Footer Placeholder 4">
+            <a:extLst>
+              <a:ext uri="{FF2B5EF4-FFF2-40B4-BE49-F238E27FC236}">
+                <a16:creationId xmlns:a16="http://schemas.microsoft.com/office/drawing/2014/main" id="{48ED99CC-B957-6C82-1720-95F48B8B1758}"/>
+              </a:ext>
+            </a:extLst>
+          </p:cNvPr>
+          <p:cNvSpPr>
+            <a:spLocks noGrp="1"/>
+          </p:cNvSpPr>
+          <p:nvPr>
+            <p:ph type="ftr" sz="quarter" idx="11"/>
+          </p:nvPr>
+        </p:nvSpPr>
+        <p:spPr/>
+        <p:txBody>
+          <a:bodyPr/>
+          <a:lstStyle/>
+          <a:p>
+            <a:r>
+              <a:rPr lang="fr-FR"/>
+              <a:t>Speaker </a:t>
+            </a:r>
+          </a:p>
+        </p:txBody>
+      </p:sp>
+      <p:sp>
+        <p:nvSpPr>
+          <p:cNvPr id="6" name="Slide Number Placeholder 5">
+            <a:extLst>
+              <a:ext uri="{FF2B5EF4-FFF2-40B4-BE49-F238E27FC236}">
+                <a16:creationId xmlns:a16="http://schemas.microsoft.com/office/drawing/2014/main" id="{9F1892C6-8110-3D48-59E0-7A555E98766E}"/>
+              </a:ext>
+            </a:extLst>
+          </p:cNvPr>
+          <p:cNvSpPr>
+            <a:spLocks noGrp="1"/>
+          </p:cNvSpPr>
+          <p:nvPr>
+            <p:ph type="sldNum" sz="quarter" idx="12"/>
+          </p:nvPr>
+        </p:nvSpPr>
+        <p:spPr/>
+        <p:txBody>
+          <a:bodyPr/>
+          <a:lstStyle/>
+          <a:p>
+            <a:fld id="{E1E1CD7C-2161-7D43-862E-CE4C333CD873}" type="slidenum">
+              <a:rPr lang="fr-FR" smtClean="0"/>
+              <a:pPr/>
+              <a:t>51</a:t>
+            </a:fld>
+            <a:endParaRPr lang="fr-FR"/>
+          </a:p>
+        </p:txBody>
+      </p:sp>
+      <p:pic>
+        <p:nvPicPr>
+          <p:cNvPr id="8" name="Picture 7">
+            <a:extLst>
+              <a:ext uri="{FF2B5EF4-FFF2-40B4-BE49-F238E27FC236}">
+                <a16:creationId xmlns:a16="http://schemas.microsoft.com/office/drawing/2014/main" id="{509E87EC-ADE2-BB30-BE60-D394A268601D}"/>
+              </a:ext>
+            </a:extLst>
+          </p:cNvPr>
+          <p:cNvPicPr>
+            <a:picLocks noChangeAspect="1"/>
+          </p:cNvPicPr>
+          <p:nvPr/>
+        </p:nvPicPr>
+        <p:blipFill>
+          <a:blip r:embed="rId3"/>
+          <a:stretch>
+            <a:fillRect/>
+          </a:stretch>
+        </p:blipFill>
+        <p:spPr>
+          <a:xfrm>
+            <a:off x="6275260" y="3579862"/>
+            <a:ext cx="2292676" cy="1121890"/>
+          </a:xfrm>
+          <a:prstGeom prst="rect">
+            <a:avLst/>
+          </a:prstGeom>
+        </p:spPr>
+      </p:pic>
+    </p:spTree>
+    <p:extLst>
+      <p:ext uri="{BB962C8B-B14F-4D97-AF65-F5344CB8AC3E}">
+        <p14:creationId xmlns:p14="http://schemas.microsoft.com/office/powerpoint/2010/main" val="3936330381"/>
+      </p:ext>
+    </p:extLst>
+  </p:cSld>
+  <p:clrMapOvr>
+    <a:masterClrMapping/>
+  </p:clrMapOvr>
+</p:sld>
+</file>
+
+<file path=ppt/slides/slide52.xml><?xml version="1.0" encoding="utf-8"?>
+<p:sld xmlns:a="http://schemas.openxmlformats.org/drawingml/2006/main" xmlns:r="http://schemas.openxmlformats.org/officeDocument/2006/relationships" xmlns:p="http://schemas.openxmlformats.org/presentationml/2006/main">
+  <p:cSld>
+    <p:spTree>
+      <p:nvGrpSpPr>
+        <p:cNvPr id="1" name=""/>
+        <p:cNvGrpSpPr/>
+        <p:nvPr/>
+      </p:nvGrpSpPr>
+      <p:grpSpPr>
+        <a:xfrm>
+          <a:off x="0" y="0"/>
+          <a:ext cx="0" cy="0"/>
+          <a:chOff x="0" y="0"/>
+          <a:chExt cx="0" cy="0"/>
+        </a:xfrm>
+      </p:grpSpPr>
+      <mc:AlternateContent xmlns:mc="http://schemas.openxmlformats.org/markup-compatibility/2006">
+        <mc:Choice xmlns:a14="http://schemas.microsoft.com/office/drawing/2010/main" Requires="a14">
+          <p:sp>
+            <p:nvSpPr>
+              <p:cNvPr id="2" name="Content Placeholder 1">
+                <a:extLst>
+                  <a:ext uri="{FF2B5EF4-FFF2-40B4-BE49-F238E27FC236}">
+                    <a16:creationId xmlns:a16="http://schemas.microsoft.com/office/drawing/2014/main" id="{ABBBEB5C-07CC-DCF0-2F61-5AB563BAB998}"/>
+                  </a:ext>
+                </a:extLst>
+              </p:cNvPr>
+              <p:cNvSpPr>
+                <a:spLocks noGrp="1"/>
+              </p:cNvSpPr>
+              <p:nvPr>
+                <p:ph idx="1"/>
+              </p:nvPr>
+            </p:nvSpPr>
+            <p:spPr/>
+            <p:txBody>
+              <a:bodyPr/>
+              <a:lstStyle/>
+              <a:p>
+                <a14:m>
+                  <m:oMath xmlns:m="http://schemas.openxmlformats.org/officeDocument/2006/math">
+                    <m:r>
+                      <a:rPr lang="en-CH" b="0" i="1" smtClean="0">
+                        <a:latin typeface="Cambria Math" panose="02040503050406030204" pitchFamily="18" charset="0"/>
+                      </a:rPr>
+                      <m:t>𝑃</m:t>
+                    </m:r>
+                    <m:d>
+                      <m:dPr>
+                        <m:ctrlPr>
+                          <a:rPr lang="en-CH" b="0" i="1" smtClean="0">
+                            <a:latin typeface="Cambria Math" panose="02040503050406030204" pitchFamily="18" charset="0"/>
+                          </a:rPr>
+                        </m:ctrlPr>
+                      </m:dPr>
+                      <m:e>
+                        <m:r>
+                          <a:rPr lang="en-CH" b="0" i="1" smtClean="0">
+                            <a:latin typeface="Cambria Math" panose="02040503050406030204" pitchFamily="18" charset="0"/>
+                          </a:rPr>
+                          <m:t>𝑠</m:t>
+                        </m:r>
+                        <m:r>
+                          <a:rPr lang="en-CH" b="0" i="1" smtClean="0">
+                            <a:latin typeface="Cambria Math" panose="02040503050406030204" pitchFamily="18" charset="0"/>
+                          </a:rPr>
+                          <m:t>,</m:t>
+                        </m:r>
+                        <m:r>
+                          <a:rPr lang="en-CH" b="0" i="1" smtClean="0">
+                            <a:latin typeface="Cambria Math" panose="02040503050406030204" pitchFamily="18" charset="0"/>
+                          </a:rPr>
+                          <m:t>𝑎</m:t>
+                        </m:r>
+                      </m:e>
+                    </m:d>
+                    <m:r>
+                      <a:rPr lang="en-CH" b="0" i="1" smtClean="0">
+                        <a:latin typeface="Cambria Math" panose="02040503050406030204" pitchFamily="18" charset="0"/>
+                      </a:rPr>
+                      <m:t>=</m:t>
+                    </m:r>
+                    <m:d>
+                      <m:dPr>
+                        <m:begChr m:val="{"/>
+                        <m:endChr m:val=""/>
+                        <m:ctrlPr>
+                          <a:rPr lang="en-CH" b="0" i="1" smtClean="0">
+                            <a:latin typeface="Cambria Math" panose="02040503050406030204" pitchFamily="18" charset="0"/>
+                          </a:rPr>
+                        </m:ctrlPr>
+                      </m:dPr>
+                      <m:e>
+                        <m:eqArr>
+                          <m:eqArrPr>
+                            <m:ctrlPr>
+                              <a:rPr lang="en-CH" i="1">
+                                <a:latin typeface="Cambria Math" panose="02040503050406030204" pitchFamily="18" charset="0"/>
+                              </a:rPr>
+                            </m:ctrlPr>
+                          </m:eqArrPr>
+                          <m:e>
+                            <m:r>
+                              <a:rPr lang="en-CH" i="1">
+                                <a:latin typeface="Cambria Math" panose="02040503050406030204" pitchFamily="18" charset="0"/>
+                              </a:rPr>
+                              <m:t>𝑠</m:t>
+                            </m:r>
+                            <m:r>
+                              <a:rPr lang="en-CH" i="1">
+                                <a:latin typeface="Cambria Math" panose="02040503050406030204" pitchFamily="18" charset="0"/>
+                              </a:rPr>
+                              <m:t> </m:t>
+                            </m:r>
+                            <m:r>
+                              <a:rPr lang="en-CH" i="1">
+                                <a:latin typeface="Cambria Math" panose="02040503050406030204" pitchFamily="18" charset="0"/>
+                              </a:rPr>
+                              <m:t>𝑖𝑓</m:t>
+                            </m:r>
+                            <m:r>
+                              <a:rPr lang="en-CH" i="1">
+                                <a:latin typeface="Cambria Math" panose="02040503050406030204" pitchFamily="18" charset="0"/>
+                              </a:rPr>
+                              <m:t> </m:t>
+                            </m:r>
+                            <m:r>
+                              <a:rPr lang="en-CH" i="1">
+                                <a:latin typeface="Cambria Math" panose="02040503050406030204" pitchFamily="18" charset="0"/>
+                              </a:rPr>
+                              <m:t>𝑎</m:t>
+                            </m:r>
+                            <m:r>
+                              <a:rPr lang="en-CH" i="1">
+                                <a:latin typeface="Cambria Math" panose="02040503050406030204" pitchFamily="18" charset="0"/>
+                              </a:rPr>
+                              <m:t> ∈</m:t>
+                            </m:r>
+                            <m:r>
+                              <a:rPr lang="en-CH" i="1">
+                                <a:latin typeface="Cambria Math" panose="02040503050406030204" pitchFamily="18" charset="0"/>
+                                <a:ea typeface="Cambria Math" panose="02040503050406030204" pitchFamily="18" charset="0"/>
+                              </a:rPr>
+                              <m:t>ℱ</m:t>
+                            </m:r>
+                          </m:e>
+                          <m:e>
+                            <m:sSup>
+                              <m:sSupPr>
+                                <m:ctrlPr>
+                                  <a:rPr lang="en-CH" b="0" i="1" smtClean="0">
+                                    <a:latin typeface="Cambria Math" panose="02040503050406030204" pitchFamily="18" charset="0"/>
+                                    <a:ea typeface="Cambria Math" panose="02040503050406030204" pitchFamily="18" charset="0"/>
+                                  </a:rPr>
+                                </m:ctrlPr>
+                              </m:sSupPr>
+                              <m:e>
+                                <m:r>
+                                  <a:rPr lang="en-CH" b="0" i="1" smtClean="0">
+                                    <a:latin typeface="Cambria Math" panose="02040503050406030204" pitchFamily="18" charset="0"/>
+                                    <a:ea typeface="Cambria Math" panose="02040503050406030204" pitchFamily="18" charset="0"/>
+                                  </a:rPr>
+                                  <m:t>𝑠</m:t>
+                                </m:r>
+                              </m:e>
+                              <m:sup>
+                                <m:r>
+                                  <a:rPr lang="en-CH" b="0" i="1" smtClean="0">
+                                    <a:latin typeface="Cambria Math" panose="02040503050406030204" pitchFamily="18" charset="0"/>
+                                    <a:ea typeface="Cambria Math" panose="02040503050406030204" pitchFamily="18" charset="0"/>
+                                  </a:rPr>
+                                  <m:t>′</m:t>
+                                </m:r>
+                              </m:sup>
+                            </m:sSup>
+                            <m:r>
+                              <a:rPr lang="en-CH" b="0" i="1" smtClean="0">
+                                <a:latin typeface="Cambria Math" panose="02040503050406030204" pitchFamily="18" charset="0"/>
+                                <a:ea typeface="Cambria Math" panose="02040503050406030204" pitchFamily="18" charset="0"/>
+                              </a:rPr>
+                              <m:t>𝑜𝑡h𝑒𝑟𝑤𝑖𝑠𝑒</m:t>
+                            </m:r>
+                          </m:e>
+                        </m:eqArr>
+                      </m:e>
+                    </m:d>
+                  </m:oMath>
+                </a14:m>
+                <a:endParaRPr lang="en-CH" dirty="0"/>
+              </a:p>
+              <a:p>
+                <a:pPr lvl="1"/>
+                <a14:m>
+                  <m:oMath xmlns:m="http://schemas.openxmlformats.org/officeDocument/2006/math">
+                    <m:r>
+                      <a:rPr lang="en-US" i="1" smtClean="0">
+                        <a:latin typeface="Cambria Math" panose="02040503050406030204" pitchFamily="18" charset="0"/>
+                        <a:ea typeface="Cambria Math" panose="02040503050406030204" pitchFamily="18" charset="0"/>
+                      </a:rPr>
+                      <m:t>ℱ</m:t>
+                    </m:r>
+                  </m:oMath>
+                </a14:m>
+                <a:r>
+                  <a:rPr lang="en-CH" dirty="0"/>
+                  <a:t>: Forbidden action. An action that either:</a:t>
+                </a:r>
+              </a:p>
+              <a:p>
+                <a:pPr lvl="2"/>
+                <a:r>
+                  <a:rPr lang="en-CH" dirty="0"/>
+                  <a:t>Place a completely disconnected block</a:t>
+                </a:r>
+              </a:p>
+              <a:p>
+                <a:pPr lvl="2"/>
+                <a:r>
+                  <a:rPr lang="en-CH" dirty="0"/>
+                  <a:t>Place a block at an already used grid-point</a:t>
+                </a:r>
+              </a:p>
+              <a:p>
+                <a:pPr lvl="2"/>
+                <a:r>
+                  <a:rPr lang="en-CH" dirty="0"/>
+                  <a:t>Break the equilibrium by leaving a block</a:t>
+                </a:r>
+              </a:p>
+              <a:p>
+                <a:pPr lvl="1"/>
+                <a14:m>
+                  <m:oMath xmlns:m="http://schemas.openxmlformats.org/officeDocument/2006/math">
+                    <m:sSup>
+                      <m:sSupPr>
+                        <m:ctrlPr>
+                          <a:rPr lang="en-CH" b="0" i="1" smtClean="0">
+                            <a:latin typeface="Cambria Math" panose="02040503050406030204" pitchFamily="18" charset="0"/>
+                          </a:rPr>
+                        </m:ctrlPr>
+                      </m:sSupPr>
+                      <m:e>
+                        <m:r>
+                          <a:rPr lang="en-CH" b="0" i="1" smtClean="0">
+                            <a:latin typeface="Cambria Math" panose="02040503050406030204" pitchFamily="18" charset="0"/>
+                          </a:rPr>
+                          <m:t>𝑠</m:t>
+                        </m:r>
+                      </m:e>
+                      <m:sup>
+                        <m:r>
+                          <a:rPr lang="en-CH" b="0" i="1" smtClean="0">
+                            <a:latin typeface="Cambria Math" panose="02040503050406030204" pitchFamily="18" charset="0"/>
+                          </a:rPr>
+                          <m:t>′</m:t>
+                        </m:r>
+                      </m:sup>
+                    </m:sSup>
+                    <m:r>
+                      <a:rPr lang="en-CH" b="0" i="1" smtClean="0">
+                        <a:latin typeface="Cambria Math" panose="02040503050406030204" pitchFamily="18" charset="0"/>
+                      </a:rPr>
+                      <m:t>=</m:t>
+                    </m:r>
+                    <m:d>
+                      <m:dPr>
+                        <m:ctrlPr>
+                          <a:rPr lang="en-CH" b="0" i="1" smtClean="0">
+                            <a:latin typeface="Cambria Math" panose="02040503050406030204" pitchFamily="18" charset="0"/>
+                          </a:rPr>
+                        </m:ctrlPr>
+                      </m:dPr>
+                      <m:e>
+                        <m:r>
+                          <a:rPr lang="en-CH" b="0" i="1" smtClean="0">
+                            <a:latin typeface="Cambria Math" panose="02040503050406030204" pitchFamily="18" charset="0"/>
+                          </a:rPr>
+                          <m:t>𝑏</m:t>
+                        </m:r>
+                        <m:r>
+                          <a:rPr lang="en-CH" b="0" i="1" smtClean="0">
+                            <a:latin typeface="Cambria Math" panose="02040503050406030204" pitchFamily="18" charset="0"/>
+                          </a:rPr>
+                          <m:t>′,</m:t>
+                        </m:r>
+                        <m:sSubSup>
+                          <m:sSubSupPr>
+                            <m:ctrlPr>
+                              <a:rPr lang="en-CH" b="0" i="1" smtClean="0">
+                                <a:latin typeface="Cambria Math" panose="02040503050406030204" pitchFamily="18" charset="0"/>
+                              </a:rPr>
+                            </m:ctrlPr>
+                          </m:sSubSupPr>
+                          <m:e>
+                            <m:r>
+                              <a:rPr lang="en-CH" b="0" i="1" smtClean="0">
+                                <a:latin typeface="Cambria Math" panose="02040503050406030204" pitchFamily="18" charset="0"/>
+                              </a:rPr>
+                              <m:t>𝑐</m:t>
+                            </m:r>
+                          </m:e>
+                          <m:sub>
+                            <m:r>
+                              <a:rPr lang="en-CH" b="0" i="1" smtClean="0">
+                                <a:latin typeface="Cambria Math" panose="02040503050406030204" pitchFamily="18" charset="0"/>
+                              </a:rPr>
+                              <m:t> </m:t>
+                            </m:r>
+                          </m:sub>
+                          <m:sup>
+                            <m:r>
+                              <a:rPr lang="en-CH" b="0" i="1" smtClean="0">
+                                <a:latin typeface="Cambria Math" panose="02040503050406030204" pitchFamily="18" charset="0"/>
+                              </a:rPr>
+                              <m:t>′</m:t>
+                            </m:r>
+                          </m:sup>
+                        </m:sSubSup>
+                        <m:r>
+                          <a:rPr lang="en-CH" b="0" i="1" smtClean="0">
+                            <a:latin typeface="Cambria Math" panose="02040503050406030204" pitchFamily="18" charset="0"/>
+                          </a:rPr>
+                          <m:t>, </m:t>
+                        </m:r>
+                        <m:sSubSup>
+                          <m:sSubSupPr>
+                            <m:ctrlPr>
+                              <a:rPr lang="en-CH" b="0" i="1" smtClean="0">
+                                <a:latin typeface="Cambria Math" panose="02040503050406030204" pitchFamily="18" charset="0"/>
+                              </a:rPr>
+                            </m:ctrlPr>
+                          </m:sSubSupPr>
+                          <m:e>
+                            <m:r>
+                              <a:rPr lang="en-CH" b="0" i="1" smtClean="0">
+                                <a:latin typeface="Cambria Math" panose="02040503050406030204" pitchFamily="18" charset="0"/>
+                              </a:rPr>
+                              <m:t>𝑟</m:t>
+                            </m:r>
+                          </m:e>
+                          <m:sub>
+                            <m:r>
+                              <a:rPr lang="en-CH" b="0" i="1" smtClean="0">
+                                <a:latin typeface="Cambria Math" panose="02040503050406030204" pitchFamily="18" charset="0"/>
+                              </a:rPr>
+                              <m:t> </m:t>
+                            </m:r>
+                          </m:sub>
+                          <m:sup>
+                            <m:r>
+                              <a:rPr lang="en-CH" b="0" i="1" smtClean="0">
+                                <a:latin typeface="Cambria Math" panose="02040503050406030204" pitchFamily="18" charset="0"/>
+                              </a:rPr>
+                              <m:t>′</m:t>
+                            </m:r>
+                          </m:sup>
+                        </m:sSubSup>
+                      </m:e>
+                    </m:d>
+                    <m:r>
+                      <a:rPr lang="en-CH" b="0" i="1" smtClean="0">
+                        <a:latin typeface="Cambria Math" panose="02040503050406030204" pitchFamily="18" charset="0"/>
+                      </a:rPr>
+                      <m:t>,</m:t>
+                    </m:r>
+                    <m:r>
+                      <a:rPr lang="en-CH" b="0" i="1" smtClean="0">
+                        <a:latin typeface="Cambria Math" panose="02040503050406030204" pitchFamily="18" charset="0"/>
+                      </a:rPr>
+                      <m:t>𝑠</m:t>
+                    </m:r>
+                    <m:r>
+                      <a:rPr lang="en-CH" i="1">
+                        <a:latin typeface="Cambria Math" panose="02040503050406030204" pitchFamily="18" charset="0"/>
+                      </a:rPr>
+                      <m:t>=</m:t>
+                    </m:r>
+                    <m:d>
+                      <m:dPr>
+                        <m:ctrlPr>
+                          <a:rPr lang="en-CH" i="1">
+                            <a:latin typeface="Cambria Math" panose="02040503050406030204" pitchFamily="18" charset="0"/>
+                          </a:rPr>
+                        </m:ctrlPr>
+                      </m:dPr>
+                      <m:e>
+                        <m:sSubSup>
+                          <m:sSubSupPr>
+                            <m:ctrlPr>
+                              <a:rPr lang="en-CH" i="1">
+                                <a:latin typeface="Cambria Math" panose="02040503050406030204" pitchFamily="18" charset="0"/>
+                              </a:rPr>
+                            </m:ctrlPr>
+                          </m:sSubSupPr>
+                          <m:e>
+                            <m:r>
+                              <a:rPr lang="en-CH" i="1">
+                                <a:latin typeface="Cambria Math" panose="02040503050406030204" pitchFamily="18" charset="0"/>
+                              </a:rPr>
+                              <m:t>𝑏</m:t>
+                            </m:r>
+                          </m:e>
+                          <m:sub>
+                            <m:r>
+                              <a:rPr lang="en-CH" b="0" i="1" smtClean="0">
+                                <a:latin typeface="Cambria Math" panose="02040503050406030204" pitchFamily="18" charset="0"/>
+                              </a:rPr>
+                              <m:t> </m:t>
+                            </m:r>
+                          </m:sub>
+                          <m:sup>
+                            <m:r>
+                              <a:rPr lang="en-CH" b="0" i="1" smtClean="0">
+                                <a:latin typeface="Cambria Math" panose="02040503050406030204" pitchFamily="18" charset="0"/>
+                              </a:rPr>
+                              <m:t> </m:t>
+                            </m:r>
+                          </m:sup>
+                        </m:sSubSup>
+                        <m:r>
+                          <a:rPr lang="en-CH" i="1">
+                            <a:latin typeface="Cambria Math" panose="02040503050406030204" pitchFamily="18" charset="0"/>
+                          </a:rPr>
+                          <m:t>,</m:t>
+                        </m:r>
+                        <m:sSubSup>
+                          <m:sSubSupPr>
+                            <m:ctrlPr>
+                              <a:rPr lang="en-CH" i="1">
+                                <a:latin typeface="Cambria Math" panose="02040503050406030204" pitchFamily="18" charset="0"/>
+                              </a:rPr>
+                            </m:ctrlPr>
+                          </m:sSubSupPr>
+                          <m:e>
+                            <m:r>
+                              <a:rPr lang="en-CH" i="1">
+                                <a:latin typeface="Cambria Math" panose="02040503050406030204" pitchFamily="18" charset="0"/>
+                              </a:rPr>
+                              <m:t>𝑐</m:t>
+                            </m:r>
+                          </m:e>
+                          <m:sub>
+                            <m:r>
+                              <a:rPr lang="en-CH" b="0" i="1" smtClean="0">
+                                <a:latin typeface="Cambria Math" panose="02040503050406030204" pitchFamily="18" charset="0"/>
+                              </a:rPr>
+                              <m:t> </m:t>
+                            </m:r>
+                          </m:sub>
+                          <m:sup>
+                            <m:r>
+                              <a:rPr lang="en-CH" b="0" i="1" smtClean="0">
+                                <a:latin typeface="Cambria Math" panose="02040503050406030204" pitchFamily="18" charset="0"/>
+                              </a:rPr>
+                              <m:t> </m:t>
+                            </m:r>
+                          </m:sup>
+                        </m:sSubSup>
+                        <m:r>
+                          <a:rPr lang="en-CH" i="1">
+                            <a:latin typeface="Cambria Math" panose="02040503050406030204" pitchFamily="18" charset="0"/>
+                          </a:rPr>
+                          <m:t>, </m:t>
+                        </m:r>
+                        <m:sSubSup>
+                          <m:sSubSupPr>
+                            <m:ctrlPr>
+                              <a:rPr lang="en-CH" i="1">
+                                <a:latin typeface="Cambria Math" panose="02040503050406030204" pitchFamily="18" charset="0"/>
+                              </a:rPr>
+                            </m:ctrlPr>
+                          </m:sSubSupPr>
+                          <m:e>
+                            <m:r>
+                              <a:rPr lang="en-CH" i="1">
+                                <a:latin typeface="Cambria Math" panose="02040503050406030204" pitchFamily="18" charset="0"/>
+                              </a:rPr>
+                              <m:t>𝑟</m:t>
+                            </m:r>
+                          </m:e>
+                          <m:sub>
+                            <m:r>
+                              <a:rPr lang="en-CH" b="0" i="1" smtClean="0">
+                                <a:latin typeface="Cambria Math" panose="02040503050406030204" pitchFamily="18" charset="0"/>
+                              </a:rPr>
+                              <m:t> </m:t>
+                            </m:r>
+                          </m:sub>
+                          <m:sup>
+                            <m:r>
+                              <a:rPr lang="en-CH" b="0" i="1" smtClean="0">
+                                <a:latin typeface="Cambria Math" panose="02040503050406030204" pitchFamily="18" charset="0"/>
+                              </a:rPr>
+                              <m:t> </m:t>
+                            </m:r>
+                          </m:sup>
+                        </m:sSubSup>
+                      </m:e>
+                    </m:d>
+                  </m:oMath>
+                </a14:m>
+                <a:endParaRPr lang="en-CH" b="0" dirty="0"/>
+              </a:p>
+              <a:p>
+                <a:pPr lvl="2"/>
+                <a:r>
+                  <a:rPr lang="fr-CH" dirty="0"/>
+                  <a:t>I</a:t>
+                </a:r>
+                <a:r>
+                  <a:rPr lang="en-CH" dirty="0"/>
+                  <a:t>f </a:t>
+                </a:r>
+                <a14:m>
+                  <m:oMath xmlns:m="http://schemas.openxmlformats.org/officeDocument/2006/math">
+                    <m:r>
+                      <a:rPr lang="en-CH" b="0" i="1" smtClean="0">
+                        <a:latin typeface="Cambria Math" panose="02040503050406030204" pitchFamily="18" charset="0"/>
+                      </a:rPr>
+                      <m:t>𝑎</m:t>
+                    </m:r>
+                    <m:r>
+                      <a:rPr lang="en-CH" b="0" i="1" smtClean="0">
+                        <a:latin typeface="Cambria Math" panose="02040503050406030204" pitchFamily="18" charset="0"/>
+                        <a:ea typeface="Cambria Math" panose="02040503050406030204" pitchFamily="18" charset="0"/>
+                      </a:rPr>
+                      <m:t>∈</m:t>
+                    </m:r>
+                    <m:sSub>
+                      <m:sSubPr>
+                        <m:ctrlPr>
+                          <a:rPr lang="en-CH" b="0" i="1" smtClean="0">
+                            <a:latin typeface="Cambria Math" panose="02040503050406030204" pitchFamily="18" charset="0"/>
+                            <a:ea typeface="Cambria Math" panose="02040503050406030204" pitchFamily="18" charset="0"/>
+                          </a:rPr>
+                        </m:ctrlPr>
+                      </m:sSubPr>
+                      <m:e>
+                        <m:r>
+                          <a:rPr lang="en-CH" b="0" i="1" smtClean="0">
+                            <a:latin typeface="Cambria Math" panose="02040503050406030204" pitchFamily="18" charset="0"/>
+                            <a:ea typeface="Cambria Math" panose="02040503050406030204" pitchFamily="18" charset="0"/>
+                          </a:rPr>
+                          <m:t>𝑃</m:t>
+                        </m:r>
+                      </m:e>
+                      <m:sub>
+                        <m:r>
+                          <a:rPr lang="en-CH" b="0" i="1" smtClean="0">
+                            <a:latin typeface="Cambria Math" panose="02040503050406030204" pitchFamily="18" charset="0"/>
+                            <a:ea typeface="Cambria Math" panose="02040503050406030204" pitchFamily="18" charset="0"/>
+                          </a:rPr>
+                          <m:t>𝐻</m:t>
+                        </m:r>
+                      </m:sub>
+                    </m:sSub>
+                    <m:r>
+                      <a:rPr lang="en-CH" b="0" i="1" smtClean="0">
+                        <a:latin typeface="Cambria Math" panose="02040503050406030204" pitchFamily="18" charset="0"/>
+                        <a:ea typeface="Cambria Math" panose="02040503050406030204" pitchFamily="18" charset="0"/>
+                      </a:rPr>
+                      <m:t> </m:t>
+                    </m:r>
+                    <m:r>
+                      <a:rPr lang="en-CH" b="0" i="1" smtClean="0">
+                        <a:latin typeface="Cambria Math" panose="02040503050406030204" pitchFamily="18" charset="0"/>
+                        <a:ea typeface="Cambria Math" panose="02040503050406030204" pitchFamily="18" charset="0"/>
+                      </a:rPr>
+                      <m:t>𝑜𝑟</m:t>
+                    </m:r>
+                    <m:r>
+                      <a:rPr lang="en-CH" b="0" i="1" smtClean="0">
+                        <a:latin typeface="Cambria Math" panose="02040503050406030204" pitchFamily="18" charset="0"/>
+                        <a:ea typeface="Cambria Math" panose="02040503050406030204" pitchFamily="18" charset="0"/>
+                      </a:rPr>
+                      <m:t> </m:t>
+                    </m:r>
+                    <m:sSub>
+                      <m:sSubPr>
+                        <m:ctrlPr>
+                          <a:rPr lang="en-CH" b="0" i="1" smtClean="0">
+                            <a:latin typeface="Cambria Math" panose="02040503050406030204" pitchFamily="18" charset="0"/>
+                            <a:ea typeface="Cambria Math" panose="02040503050406030204" pitchFamily="18" charset="0"/>
+                          </a:rPr>
+                        </m:ctrlPr>
+                      </m:sSubPr>
+                      <m:e>
+                        <m:r>
+                          <a:rPr lang="en-CH" b="0" i="1" smtClean="0">
+                            <a:latin typeface="Cambria Math" panose="02040503050406030204" pitchFamily="18" charset="0"/>
+                            <a:ea typeface="Cambria Math" panose="02040503050406030204" pitchFamily="18" charset="0"/>
+                          </a:rPr>
+                          <m:t>𝑃</m:t>
+                        </m:r>
+                      </m:e>
+                      <m:sub>
+                        <m:r>
+                          <a:rPr lang="en-CH" b="0" i="1" smtClean="0">
+                            <a:latin typeface="Cambria Math" panose="02040503050406030204" pitchFamily="18" charset="0"/>
+                            <a:ea typeface="Cambria Math" panose="02040503050406030204" pitchFamily="18" charset="0"/>
+                          </a:rPr>
+                          <m:t>𝐿</m:t>
+                        </m:r>
+                      </m:sub>
+                    </m:sSub>
+                  </m:oMath>
+                </a14:m>
+                <a:r>
+                  <a:rPr lang="en-CH" dirty="0"/>
+                  <a:t>:</a:t>
+                </a:r>
+              </a:p>
+              <a:p>
+                <a:pPr lvl="3"/>
+                <a14:m>
+                  <m:oMath xmlns:m="http://schemas.openxmlformats.org/officeDocument/2006/math">
+                    <m:r>
+                      <a:rPr lang="en-CH" b="0" i="1" smtClean="0">
+                        <a:latin typeface="Cambria Math" panose="02040503050406030204" pitchFamily="18" charset="0"/>
+                      </a:rPr>
+                      <m:t>𝔹</m:t>
+                    </m:r>
+                    <m:r>
+                      <a:rPr lang="en-CH" b="0" i="1" smtClean="0">
+                        <a:latin typeface="Cambria Math" panose="02040503050406030204" pitchFamily="18" charset="0"/>
+                        <a:ea typeface="Cambria Math" panose="02040503050406030204" pitchFamily="18" charset="0"/>
+                      </a:rPr>
+                      <m:t>⊂</m:t>
+                    </m:r>
+                    <m:r>
+                      <a:rPr lang="en-CH" b="0" i="1" smtClean="0">
+                        <a:latin typeface="Cambria Math" panose="02040503050406030204" pitchFamily="18" charset="0"/>
+                        <a:ea typeface="Cambria Math" panose="02040503050406030204" pitchFamily="18" charset="0"/>
+                      </a:rPr>
+                      <m:t>𝔾</m:t>
+                    </m:r>
+                  </m:oMath>
+                </a14:m>
+                <a:r>
+                  <a:rPr lang="en-CH" dirty="0"/>
+                  <a:t>: coordinates of the new block, </a:t>
+                </a:r>
+                <a14:m>
+                  <m:oMath xmlns:m="http://schemas.openxmlformats.org/officeDocument/2006/math">
+                    <m:sSub>
+                      <m:sSubPr>
+                        <m:ctrlPr>
+                          <a:rPr lang="en-CH" b="0" i="1" smtClean="0">
+                            <a:latin typeface="Cambria Math" panose="02040503050406030204" pitchFamily="18" charset="0"/>
+                          </a:rPr>
+                        </m:ctrlPr>
+                      </m:sSubPr>
+                      <m:e>
+                        <m:r>
+                          <a:rPr lang="en-CH" b="0" i="1" smtClean="0">
+                            <a:latin typeface="Cambria Math" panose="02040503050406030204" pitchFamily="18" charset="0"/>
+                          </a:rPr>
+                          <m:t>𝑏</m:t>
+                        </m:r>
+                      </m:e>
+                      <m:sub>
+                        <m:r>
+                          <a:rPr lang="en-CH" b="0" i="1" smtClean="0">
+                            <a:latin typeface="Cambria Math" panose="02040503050406030204" pitchFamily="18" charset="0"/>
+                          </a:rPr>
+                          <m:t>𝑖𝑑</m:t>
+                        </m:r>
+                      </m:sub>
+                    </m:sSub>
+                    <m:r>
+                      <a:rPr lang="en-CH" b="0" i="1" smtClean="0">
+                        <a:latin typeface="Cambria Math" panose="02040503050406030204" pitchFamily="18" charset="0"/>
+                      </a:rPr>
+                      <m:t>∈</m:t>
+                    </m:r>
+                    <m:r>
+                      <a:rPr lang="en-CH" b="0" i="1" smtClean="0">
+                        <a:latin typeface="Cambria Math" panose="02040503050406030204" pitchFamily="18" charset="0"/>
+                      </a:rPr>
+                      <m:t>ℕ</m:t>
+                    </m:r>
+                  </m:oMath>
+                </a14:m>
+                <a:r>
+                  <a:rPr lang="en-CH" dirty="0"/>
+                  <a:t>: id of the new block</a:t>
+                </a:r>
+              </a:p>
+              <a:p>
+                <a:pPr lvl="3"/>
+                <a14:m>
+                  <m:oMath xmlns:m="http://schemas.openxmlformats.org/officeDocument/2006/math">
+                    <m:sSubSup>
+                      <m:sSubSupPr>
+                        <m:ctrlPr>
+                          <a:rPr lang="en-CH" b="0" i="1" smtClean="0">
+                            <a:latin typeface="Cambria Math" panose="02040503050406030204" pitchFamily="18" charset="0"/>
+                          </a:rPr>
+                        </m:ctrlPr>
+                      </m:sSubSupPr>
+                      <m:e>
+                        <m:r>
+                          <a:rPr lang="en-CH" b="0" i="1" smtClean="0">
+                            <a:latin typeface="Cambria Math" panose="02040503050406030204" pitchFamily="18" charset="0"/>
+                          </a:rPr>
+                          <m:t>𝑏</m:t>
+                        </m:r>
+                      </m:e>
+                      <m:sub>
+                        <m:r>
+                          <a:rPr lang="en-CH" b="0" i="1" smtClean="0">
+                            <a:latin typeface="Cambria Math" panose="02040503050406030204" pitchFamily="18" charset="0"/>
+                          </a:rPr>
+                          <m:t> </m:t>
+                        </m:r>
+                      </m:sub>
+                      <m:sup>
+                        <m:r>
+                          <a:rPr lang="en-CH" b="0" i="1" smtClean="0">
+                            <a:latin typeface="Cambria Math" panose="02040503050406030204" pitchFamily="18" charset="0"/>
+                          </a:rPr>
+                          <m:t>′</m:t>
+                        </m:r>
+                      </m:sup>
+                    </m:sSubSup>
+                    <m:r>
+                      <a:rPr lang="en-CH" b="0" i="1" smtClean="0">
+                        <a:latin typeface="Cambria Math" panose="02040503050406030204" pitchFamily="18" charset="0"/>
+                        <a:ea typeface="Cambria Math" panose="02040503050406030204" pitchFamily="18" charset="0"/>
+                      </a:rPr>
+                      <m:t>∖</m:t>
+                    </m:r>
+                    <m:r>
+                      <a:rPr lang="en-CH" b="0" i="1" smtClean="0">
+                        <a:latin typeface="Cambria Math" panose="02040503050406030204" pitchFamily="18" charset="0"/>
+                        <a:ea typeface="Cambria Math" panose="02040503050406030204" pitchFamily="18" charset="0"/>
+                      </a:rPr>
+                      <m:t>𝔾</m:t>
+                    </m:r>
+                    <m:r>
+                      <a:rPr lang="en-CH" b="0" i="1" smtClean="0">
+                        <a:latin typeface="Cambria Math" panose="02040503050406030204" pitchFamily="18" charset="0"/>
+                      </a:rPr>
+                      <m:t>=</m:t>
+                    </m:r>
+                    <m:r>
+                      <a:rPr lang="en-CH" b="0" i="1" smtClean="0">
+                        <a:latin typeface="Cambria Math" panose="02040503050406030204" pitchFamily="18" charset="0"/>
+                      </a:rPr>
+                      <m:t>𝑏</m:t>
+                    </m:r>
+                    <m:r>
+                      <a:rPr lang="en-CH" b="0" i="1" smtClean="0">
+                        <a:latin typeface="Cambria Math" panose="02040503050406030204" pitchFamily="18" charset="0"/>
+                      </a:rPr>
+                      <m:t>∖</m:t>
+                    </m:r>
+                    <m:r>
+                      <a:rPr lang="en-CH" b="0" i="1" smtClean="0">
+                        <a:latin typeface="Cambria Math" panose="02040503050406030204" pitchFamily="18" charset="0"/>
+                      </a:rPr>
+                      <m:t>𝔾</m:t>
+                    </m:r>
+                    <m:r>
+                      <a:rPr lang="en-CH" b="0" i="1" smtClean="0">
+                        <a:latin typeface="Cambria Math" panose="02040503050406030204" pitchFamily="18" charset="0"/>
+                      </a:rPr>
+                      <m:t> </m:t>
+                    </m:r>
+                  </m:oMath>
+                </a14:m>
+                <a:endParaRPr lang="en-CH" b="0" i="1" dirty="0">
+                  <a:latin typeface="Cambria Math" panose="02040503050406030204" pitchFamily="18" charset="0"/>
+                </a:endParaRPr>
+              </a:p>
+              <a:p>
+                <a:pPr lvl="3"/>
+                <a14:m>
+                  <m:oMath xmlns:m="http://schemas.openxmlformats.org/officeDocument/2006/math">
+                    <m:r>
+                      <a:rPr lang="en-CH" b="0" i="1" smtClean="0">
+                        <a:latin typeface="Cambria Math" panose="02040503050406030204" pitchFamily="18" charset="0"/>
+                      </a:rPr>
+                      <m:t>𝑖</m:t>
+                    </m:r>
+                    <m:r>
+                      <a:rPr lang="en-CH" b="0" i="1" smtClean="0">
+                        <a:latin typeface="Cambria Math" panose="02040503050406030204" pitchFamily="18" charset="0"/>
+                      </a:rPr>
+                      <m:t>=</m:t>
+                    </m:r>
+                    <m:sSub>
+                      <m:sSubPr>
+                        <m:ctrlPr>
+                          <a:rPr lang="en-CH" b="0" i="1" smtClean="0">
+                            <a:latin typeface="Cambria Math" panose="02040503050406030204" pitchFamily="18" charset="0"/>
+                          </a:rPr>
+                        </m:ctrlPr>
+                      </m:sSubPr>
+                      <m:e>
+                        <m:r>
+                          <a:rPr lang="en-CH" b="0" i="1" smtClean="0">
+                            <a:latin typeface="Cambria Math" panose="02040503050406030204" pitchFamily="18" charset="0"/>
+                          </a:rPr>
+                          <m:t>𝑏</m:t>
+                        </m:r>
+                      </m:e>
+                      <m:sub>
+                        <m:r>
+                          <a:rPr lang="en-CH" b="0" i="1" smtClean="0">
+                            <a:latin typeface="Cambria Math" panose="02040503050406030204" pitchFamily="18" charset="0"/>
+                          </a:rPr>
+                          <m:t>𝑖𝑑</m:t>
+                        </m:r>
+                      </m:sub>
+                    </m:sSub>
+                    <m:r>
+                      <a:rPr lang="en-CH" b="0" i="1" smtClean="0">
+                        <a:latin typeface="Cambria Math" panose="02040503050406030204" pitchFamily="18" charset="0"/>
+                      </a:rPr>
+                      <m:t> ∀ </m:t>
+                    </m:r>
+                    <m:sSup>
+                      <m:sSupPr>
+                        <m:ctrlPr>
+                          <a:rPr lang="en-CH" b="0" i="1" smtClean="0">
+                            <a:latin typeface="Cambria Math" panose="02040503050406030204" pitchFamily="18" charset="0"/>
+                          </a:rPr>
+                        </m:ctrlPr>
+                      </m:sSupPr>
+                      <m:e>
+                        <m:r>
+                          <a:rPr lang="en-CH" b="0" i="1" smtClean="0">
+                            <a:latin typeface="Cambria Math" panose="02040503050406030204" pitchFamily="18" charset="0"/>
+                          </a:rPr>
+                          <m:t>𝑏</m:t>
+                        </m:r>
+                      </m:e>
+                      <m:sup>
+                        <m:r>
+                          <a:rPr lang="en-CH" b="0" i="1" smtClean="0">
+                            <a:latin typeface="Cambria Math" panose="02040503050406030204" pitchFamily="18" charset="0"/>
+                          </a:rPr>
+                          <m:t>′</m:t>
+                        </m:r>
+                      </m:sup>
+                    </m:sSup>
+                    <m:r>
+                      <a:rPr lang="en-CH" b="0" i="1" smtClean="0">
+                        <a:latin typeface="Cambria Math" panose="02040503050406030204" pitchFamily="18" charset="0"/>
+                      </a:rPr>
+                      <m:t>∩</m:t>
+                    </m:r>
+                    <m:r>
+                      <a:rPr lang="en-CH" b="0" i="1" smtClean="0">
+                        <a:latin typeface="Cambria Math" panose="02040503050406030204" pitchFamily="18" charset="0"/>
+                      </a:rPr>
+                      <m:t>𝔾</m:t>
+                    </m:r>
+                  </m:oMath>
+                </a14:m>
+                <a:endParaRPr lang="en-CH" dirty="0"/>
+              </a:p>
+              <a:p>
+                <a:pPr lvl="2"/>
+                <a:r>
+                  <a:rPr lang="en-CH" dirty="0"/>
+                  <a:t>otherwise </a:t>
+                </a:r>
+                <a14:m>
+                  <m:oMath xmlns:m="http://schemas.openxmlformats.org/officeDocument/2006/math">
+                    <m:sSup>
+                      <m:sSupPr>
+                        <m:ctrlPr>
+                          <a:rPr lang="en-CH" b="0" i="1" smtClean="0">
+                            <a:latin typeface="Cambria Math" panose="02040503050406030204" pitchFamily="18" charset="0"/>
+                          </a:rPr>
+                        </m:ctrlPr>
+                      </m:sSupPr>
+                      <m:e>
+                        <m:r>
+                          <a:rPr lang="en-CH" b="0" i="1" smtClean="0">
+                            <a:latin typeface="Cambria Math" panose="02040503050406030204" pitchFamily="18" charset="0"/>
+                          </a:rPr>
+                          <m:t>𝑏</m:t>
+                        </m:r>
+                      </m:e>
+                      <m:sup>
+                        <m:r>
+                          <a:rPr lang="en-CH" b="0" i="1" smtClean="0">
+                            <a:latin typeface="Cambria Math" panose="02040503050406030204" pitchFamily="18" charset="0"/>
+                          </a:rPr>
+                          <m:t>′</m:t>
+                        </m:r>
+                      </m:sup>
+                    </m:sSup>
+                    <m:r>
+                      <a:rPr lang="en-CH" b="0" i="1" smtClean="0">
+                        <a:latin typeface="Cambria Math" panose="02040503050406030204" pitchFamily="18" charset="0"/>
+                      </a:rPr>
+                      <m:t>=</m:t>
+                    </m:r>
+                    <m:r>
+                      <a:rPr lang="en-CH" b="0" i="1" smtClean="0">
+                        <a:latin typeface="Cambria Math" panose="02040503050406030204" pitchFamily="18" charset="0"/>
+                      </a:rPr>
+                      <m:t>𝑏</m:t>
+                    </m:r>
+                  </m:oMath>
+                </a14:m>
+                <a:endParaRPr lang="en-CH" dirty="0"/>
+              </a:p>
+            </p:txBody>
+          </p:sp>
+        </mc:Choice>
+        <mc:Fallback>
+          <p:sp>
+            <p:nvSpPr>
+              <p:cNvPr id="2" name="Content Placeholder 1">
+                <a:extLst>
+                  <a:ext uri="{FF2B5EF4-FFF2-40B4-BE49-F238E27FC236}">
+                    <a16:creationId xmlns:a16="http://schemas.microsoft.com/office/drawing/2014/main" id="{ABBBEB5C-07CC-DCF0-2F61-5AB563BAB998}"/>
+                  </a:ext>
+                </a:extLst>
+              </p:cNvPr>
+              <p:cNvSpPr>
+                <a:spLocks noGrp="1" noRot="1" noChangeAspect="1" noMove="1" noResize="1" noEditPoints="1" noAdjustHandles="1" noChangeArrowheads="1" noChangeShapeType="1" noTextEdit="1"/>
+              </p:cNvSpPr>
+              <p:nvPr>
+                <p:ph idx="1"/>
+              </p:nvPr>
+            </p:nvSpPr>
+            <p:spPr>
+              <a:blipFill>
+                <a:blip r:embed="rId2"/>
+                <a:stretch>
+                  <a:fillRect/>
+                </a:stretch>
+              </a:blipFill>
+            </p:spPr>
+            <p:txBody>
+              <a:bodyPr/>
+              <a:lstStyle/>
+              <a:p>
+                <a:r>
+                  <a:rPr lang="en-US">
+                    <a:noFill/>
+                  </a:rPr>
+                  <a:t> </a:t>
+                </a:r>
+              </a:p>
+            </p:txBody>
+          </p:sp>
+        </mc:Fallback>
+      </mc:AlternateContent>
+      <p:sp>
+        <p:nvSpPr>
+          <p:cNvPr id="3" name="Title 2">
+            <a:extLst>
+              <a:ext uri="{FF2B5EF4-FFF2-40B4-BE49-F238E27FC236}">
+                <a16:creationId xmlns:a16="http://schemas.microsoft.com/office/drawing/2014/main" id="{1CFF71BA-0173-C47E-9777-6D9FC4365F14}"/>
+              </a:ext>
+            </a:extLst>
+          </p:cNvPr>
+          <p:cNvSpPr>
+            <a:spLocks noGrp="1"/>
+          </p:cNvSpPr>
+          <p:nvPr>
+            <p:ph type="title"/>
+          </p:nvPr>
+        </p:nvSpPr>
+        <p:spPr/>
+        <p:txBody>
+          <a:bodyPr/>
+          <a:lstStyle/>
+          <a:p>
+            <a:r>
+              <a:rPr lang="en-CH" dirty="0"/>
+              <a:t>State transition</a:t>
+            </a:r>
+            <a:endParaRPr lang="en-US" dirty="0"/>
+          </a:p>
+        </p:txBody>
+      </p:sp>
+      <p:sp>
+        <p:nvSpPr>
+          <p:cNvPr id="4" name="Date Placeholder 3">
+            <a:extLst>
+              <a:ext uri="{FF2B5EF4-FFF2-40B4-BE49-F238E27FC236}">
+                <a16:creationId xmlns:a16="http://schemas.microsoft.com/office/drawing/2014/main" id="{005E7451-0C04-B9D2-AA06-F1DD7597F36F}"/>
+              </a:ext>
+            </a:extLst>
+          </p:cNvPr>
+          <p:cNvSpPr>
+            <a:spLocks noGrp="1"/>
+          </p:cNvSpPr>
+          <p:nvPr>
+            <p:ph type="dt" sz="half" idx="10"/>
+          </p:nvPr>
+        </p:nvSpPr>
+        <p:spPr/>
+        <p:txBody>
+          <a:bodyPr/>
+          <a:lstStyle/>
+          <a:p>
+            <a:r>
+              <a:rPr lang="fr-CH"/>
+              <a:t>NAME EVENT / NAME PRESENTATION</a:t>
+            </a:r>
+            <a:endParaRPr lang="fr-FR"/>
+          </a:p>
+        </p:txBody>
+      </p:sp>
+      <p:sp>
+        <p:nvSpPr>
+          <p:cNvPr id="5" name="Footer Placeholder 4">
+            <a:extLst>
+              <a:ext uri="{FF2B5EF4-FFF2-40B4-BE49-F238E27FC236}">
+                <a16:creationId xmlns:a16="http://schemas.microsoft.com/office/drawing/2014/main" id="{EE67627B-0F2F-88A9-00F4-FE848B0A764B}"/>
+              </a:ext>
+            </a:extLst>
+          </p:cNvPr>
+          <p:cNvSpPr>
+            <a:spLocks noGrp="1"/>
+          </p:cNvSpPr>
+          <p:nvPr>
+            <p:ph type="ftr" sz="quarter" idx="11"/>
+          </p:nvPr>
+        </p:nvSpPr>
+        <p:spPr/>
+        <p:txBody>
+          <a:bodyPr/>
+          <a:lstStyle/>
+          <a:p>
+            <a:r>
+              <a:rPr lang="fr-FR"/>
+              <a:t>Speaker </a:t>
+            </a:r>
+          </a:p>
+        </p:txBody>
+      </p:sp>
+      <p:sp>
+        <p:nvSpPr>
+          <p:cNvPr id="6" name="Slide Number Placeholder 5">
+            <a:extLst>
+              <a:ext uri="{FF2B5EF4-FFF2-40B4-BE49-F238E27FC236}">
+                <a16:creationId xmlns:a16="http://schemas.microsoft.com/office/drawing/2014/main" id="{20BB82E4-05CF-21A5-B1F7-F98C768D17CC}"/>
+              </a:ext>
+            </a:extLst>
+          </p:cNvPr>
+          <p:cNvSpPr>
+            <a:spLocks noGrp="1"/>
+          </p:cNvSpPr>
+          <p:nvPr>
+            <p:ph type="sldNum" sz="quarter" idx="12"/>
+          </p:nvPr>
+        </p:nvSpPr>
+        <p:spPr/>
+        <p:txBody>
+          <a:bodyPr/>
+          <a:lstStyle/>
+          <a:p>
+            <a:fld id="{E1E1CD7C-2161-7D43-862E-CE4C333CD873}" type="slidenum">
+              <a:rPr lang="fr-FR" smtClean="0"/>
+              <a:pPr/>
+              <a:t>52</a:t>
+            </a:fld>
+            <a:endParaRPr lang="fr-FR"/>
+          </a:p>
+        </p:txBody>
+      </p:sp>
+    </p:spTree>
+    <p:extLst>
+      <p:ext uri="{BB962C8B-B14F-4D97-AF65-F5344CB8AC3E}">
+        <p14:creationId xmlns:p14="http://schemas.microsoft.com/office/powerpoint/2010/main" val="2699747935"/>
+      </p:ext>
+    </p:extLst>
+  </p:cSld>
+  <p:clrMapOvr>
+    <a:masterClrMapping/>
+  </p:clrMapOvr>
+</p:sld>
+</file>
+
+<file path=ppt/slides/slide53.xml><?xml version="1.0" encoding="utf-8"?>
+<p:sld xmlns:a="http://schemas.openxmlformats.org/drawingml/2006/main" xmlns:r="http://schemas.openxmlformats.org/officeDocument/2006/relationships" xmlns:p="http://schemas.openxmlformats.org/presentationml/2006/main">
+  <p:cSld>
+    <p:spTree>
+      <p:nvGrpSpPr>
+        <p:cNvPr id="1" name=""/>
+        <p:cNvGrpSpPr/>
+        <p:nvPr/>
+      </p:nvGrpSpPr>
+      <p:grpSpPr>
+        <a:xfrm>
+          <a:off x="0" y="0"/>
+          <a:ext cx="0" cy="0"/>
+          <a:chOff x="0" y="0"/>
+          <a:chExt cx="0" cy="0"/>
+        </a:xfrm>
+      </p:grpSpPr>
+      <mc:AlternateContent xmlns:mc="http://schemas.openxmlformats.org/markup-compatibility/2006">
+        <mc:Choice xmlns:a14="http://schemas.microsoft.com/office/drawing/2010/main" Requires="a14">
+          <p:sp>
+            <p:nvSpPr>
+              <p:cNvPr id="2" name="Content Placeholder 1">
+                <a:extLst>
+                  <a:ext uri="{FF2B5EF4-FFF2-40B4-BE49-F238E27FC236}">
+                    <a16:creationId xmlns:a16="http://schemas.microsoft.com/office/drawing/2014/main" id="{ABBBEB5C-07CC-DCF0-2F61-5AB563BAB998}"/>
+                  </a:ext>
+                </a:extLst>
+              </p:cNvPr>
+              <p:cNvSpPr>
+                <a:spLocks noGrp="1"/>
+              </p:cNvSpPr>
+              <p:nvPr>
+                <p:ph idx="1"/>
+              </p:nvPr>
+            </p:nvSpPr>
+            <p:spPr/>
+            <p:txBody>
+              <a:bodyPr/>
+              <a:lstStyle/>
+              <a:p>
+                <a14:m>
+                  <m:oMath xmlns:m="http://schemas.openxmlformats.org/officeDocument/2006/math">
+                    <m:r>
+                      <a:rPr lang="en-CH" b="0" i="1" smtClean="0">
+                        <a:latin typeface="Cambria Math" panose="02040503050406030204" pitchFamily="18" charset="0"/>
+                      </a:rPr>
+                      <m:t>𝑃</m:t>
+                    </m:r>
+                    <m:d>
+                      <m:dPr>
+                        <m:ctrlPr>
+                          <a:rPr lang="en-CH" b="0" i="1" smtClean="0">
+                            <a:latin typeface="Cambria Math" panose="02040503050406030204" pitchFamily="18" charset="0"/>
+                          </a:rPr>
+                        </m:ctrlPr>
+                      </m:dPr>
+                      <m:e>
+                        <m:r>
+                          <a:rPr lang="en-CH" b="0" i="1" smtClean="0">
+                            <a:latin typeface="Cambria Math" panose="02040503050406030204" pitchFamily="18" charset="0"/>
+                          </a:rPr>
+                          <m:t>𝑠</m:t>
+                        </m:r>
+                        <m:r>
+                          <a:rPr lang="en-CH" b="0" i="1" smtClean="0">
+                            <a:latin typeface="Cambria Math" panose="02040503050406030204" pitchFamily="18" charset="0"/>
+                          </a:rPr>
+                          <m:t>,</m:t>
+                        </m:r>
+                        <m:r>
+                          <a:rPr lang="en-CH" b="0" i="1" smtClean="0">
+                            <a:latin typeface="Cambria Math" panose="02040503050406030204" pitchFamily="18" charset="0"/>
+                          </a:rPr>
+                          <m:t>𝑎</m:t>
+                        </m:r>
+                      </m:e>
+                    </m:d>
+                    <m:r>
+                      <a:rPr lang="en-CH" b="0" i="1" smtClean="0">
+                        <a:latin typeface="Cambria Math" panose="02040503050406030204" pitchFamily="18" charset="0"/>
+                      </a:rPr>
+                      <m:t>=</m:t>
+                    </m:r>
+                    <m:d>
+                      <m:dPr>
+                        <m:begChr m:val="{"/>
+                        <m:endChr m:val=""/>
+                        <m:ctrlPr>
+                          <a:rPr lang="en-CH" b="0" i="1" smtClean="0">
+                            <a:latin typeface="Cambria Math" panose="02040503050406030204" pitchFamily="18" charset="0"/>
+                          </a:rPr>
+                        </m:ctrlPr>
+                      </m:dPr>
+                      <m:e>
+                        <m:eqArr>
+                          <m:eqArrPr>
+                            <m:ctrlPr>
+                              <a:rPr lang="en-CH" i="1">
+                                <a:latin typeface="Cambria Math" panose="02040503050406030204" pitchFamily="18" charset="0"/>
+                              </a:rPr>
+                            </m:ctrlPr>
+                          </m:eqArrPr>
+                          <m:e>
+                            <m:r>
+                              <a:rPr lang="en-CH" i="1">
+                                <a:latin typeface="Cambria Math" panose="02040503050406030204" pitchFamily="18" charset="0"/>
+                              </a:rPr>
+                              <m:t>𝑠</m:t>
+                            </m:r>
+                            <m:r>
+                              <a:rPr lang="en-CH" i="1">
+                                <a:latin typeface="Cambria Math" panose="02040503050406030204" pitchFamily="18" charset="0"/>
+                              </a:rPr>
+                              <m:t> </m:t>
+                            </m:r>
+                            <m:r>
+                              <a:rPr lang="en-CH" i="1">
+                                <a:latin typeface="Cambria Math" panose="02040503050406030204" pitchFamily="18" charset="0"/>
+                              </a:rPr>
+                              <m:t>𝑖𝑓</m:t>
+                            </m:r>
+                            <m:r>
+                              <a:rPr lang="en-CH" i="1">
+                                <a:latin typeface="Cambria Math" panose="02040503050406030204" pitchFamily="18" charset="0"/>
+                              </a:rPr>
+                              <m:t> </m:t>
+                            </m:r>
+                            <m:r>
+                              <a:rPr lang="en-CH" i="1">
+                                <a:latin typeface="Cambria Math" panose="02040503050406030204" pitchFamily="18" charset="0"/>
+                              </a:rPr>
+                              <m:t>𝑎</m:t>
+                            </m:r>
+                            <m:r>
+                              <a:rPr lang="en-CH" i="1">
+                                <a:latin typeface="Cambria Math" panose="02040503050406030204" pitchFamily="18" charset="0"/>
+                              </a:rPr>
+                              <m:t> ∈</m:t>
+                            </m:r>
+                            <m:r>
+                              <a:rPr lang="en-CH" i="1">
+                                <a:latin typeface="Cambria Math" panose="02040503050406030204" pitchFamily="18" charset="0"/>
+                                <a:ea typeface="Cambria Math" panose="02040503050406030204" pitchFamily="18" charset="0"/>
+                              </a:rPr>
+                              <m:t>ℱ</m:t>
+                            </m:r>
+                          </m:e>
+                          <m:e>
+                            <m:sSup>
+                              <m:sSupPr>
+                                <m:ctrlPr>
+                                  <a:rPr lang="en-CH" b="0" i="1" smtClean="0">
+                                    <a:latin typeface="Cambria Math" panose="02040503050406030204" pitchFamily="18" charset="0"/>
+                                    <a:ea typeface="Cambria Math" panose="02040503050406030204" pitchFamily="18" charset="0"/>
+                                  </a:rPr>
+                                </m:ctrlPr>
+                              </m:sSupPr>
+                              <m:e>
+                                <m:r>
+                                  <a:rPr lang="en-CH" b="0" i="1" smtClean="0">
+                                    <a:latin typeface="Cambria Math" panose="02040503050406030204" pitchFamily="18" charset="0"/>
+                                    <a:ea typeface="Cambria Math" panose="02040503050406030204" pitchFamily="18" charset="0"/>
+                                  </a:rPr>
+                                  <m:t>𝑠</m:t>
+                                </m:r>
+                              </m:e>
+                              <m:sup>
+                                <m:r>
+                                  <a:rPr lang="en-CH" b="0" i="1" smtClean="0">
+                                    <a:latin typeface="Cambria Math" panose="02040503050406030204" pitchFamily="18" charset="0"/>
+                                    <a:ea typeface="Cambria Math" panose="02040503050406030204" pitchFamily="18" charset="0"/>
+                                  </a:rPr>
+                                  <m:t>′</m:t>
+                                </m:r>
+                              </m:sup>
+                            </m:sSup>
+                            <m:r>
+                              <a:rPr lang="en-CH" b="0" i="1" smtClean="0">
+                                <a:latin typeface="Cambria Math" panose="02040503050406030204" pitchFamily="18" charset="0"/>
+                                <a:ea typeface="Cambria Math" panose="02040503050406030204" pitchFamily="18" charset="0"/>
+                              </a:rPr>
+                              <m:t>𝑜𝑡h𝑒𝑟𝑤𝑖𝑠𝑒</m:t>
+                            </m:r>
+                          </m:e>
+                        </m:eqArr>
+                      </m:e>
+                    </m:d>
+                  </m:oMath>
+                </a14:m>
+                <a:endParaRPr lang="en-CH" dirty="0"/>
+              </a:p>
+              <a:p>
+                <a:pPr lvl="1"/>
+                <a14:m>
+                  <m:oMath xmlns:m="http://schemas.openxmlformats.org/officeDocument/2006/math">
+                    <m:sSup>
+                      <m:sSupPr>
+                        <m:ctrlPr>
+                          <a:rPr lang="en-CH" b="0" i="1" smtClean="0">
+                            <a:latin typeface="Cambria Math" panose="02040503050406030204" pitchFamily="18" charset="0"/>
+                          </a:rPr>
+                        </m:ctrlPr>
+                      </m:sSupPr>
+                      <m:e>
+                        <m:r>
+                          <a:rPr lang="en-CH" b="0" i="1" smtClean="0">
+                            <a:latin typeface="Cambria Math" panose="02040503050406030204" pitchFamily="18" charset="0"/>
+                          </a:rPr>
+                          <m:t>𝑠</m:t>
+                        </m:r>
+                      </m:e>
+                      <m:sup>
+                        <m:r>
+                          <a:rPr lang="en-CH" b="0" i="1" smtClean="0">
+                            <a:latin typeface="Cambria Math" panose="02040503050406030204" pitchFamily="18" charset="0"/>
+                          </a:rPr>
+                          <m:t>′</m:t>
+                        </m:r>
+                      </m:sup>
+                    </m:sSup>
+                    <m:r>
+                      <a:rPr lang="en-CH" b="0" i="1" smtClean="0">
+                        <a:latin typeface="Cambria Math" panose="02040503050406030204" pitchFamily="18" charset="0"/>
+                      </a:rPr>
+                      <m:t>=</m:t>
+                    </m:r>
+                    <m:d>
+                      <m:dPr>
+                        <m:ctrlPr>
+                          <a:rPr lang="en-CH" b="0" i="1" smtClean="0">
+                            <a:latin typeface="Cambria Math" panose="02040503050406030204" pitchFamily="18" charset="0"/>
+                          </a:rPr>
+                        </m:ctrlPr>
+                      </m:dPr>
+                      <m:e>
+                        <m:r>
+                          <a:rPr lang="en-CH" b="0" i="1" smtClean="0">
+                            <a:latin typeface="Cambria Math" panose="02040503050406030204" pitchFamily="18" charset="0"/>
+                          </a:rPr>
+                          <m:t>𝑏</m:t>
+                        </m:r>
+                        <m:r>
+                          <a:rPr lang="en-CH" b="0" i="1" smtClean="0">
+                            <a:latin typeface="Cambria Math" panose="02040503050406030204" pitchFamily="18" charset="0"/>
+                          </a:rPr>
+                          <m:t>′,</m:t>
+                        </m:r>
+                        <m:sSubSup>
+                          <m:sSubSupPr>
+                            <m:ctrlPr>
+                              <a:rPr lang="en-CH" b="0" i="1" smtClean="0">
+                                <a:latin typeface="Cambria Math" panose="02040503050406030204" pitchFamily="18" charset="0"/>
+                              </a:rPr>
+                            </m:ctrlPr>
+                          </m:sSubSupPr>
+                          <m:e>
+                            <m:r>
+                              <a:rPr lang="en-CH" b="0" i="1" smtClean="0">
+                                <a:latin typeface="Cambria Math" panose="02040503050406030204" pitchFamily="18" charset="0"/>
+                              </a:rPr>
+                              <m:t>𝑐</m:t>
+                            </m:r>
+                          </m:e>
+                          <m:sub>
+                            <m:r>
+                              <a:rPr lang="en-CH" b="0" i="1" smtClean="0">
+                                <a:latin typeface="Cambria Math" panose="02040503050406030204" pitchFamily="18" charset="0"/>
+                              </a:rPr>
+                              <m:t> </m:t>
+                            </m:r>
+                          </m:sub>
+                          <m:sup>
+                            <m:r>
+                              <a:rPr lang="en-CH" b="0" i="1" smtClean="0">
+                                <a:latin typeface="Cambria Math" panose="02040503050406030204" pitchFamily="18" charset="0"/>
+                              </a:rPr>
+                              <m:t>′</m:t>
+                            </m:r>
+                          </m:sup>
+                        </m:sSubSup>
+                        <m:r>
+                          <a:rPr lang="en-CH" b="0" i="1" smtClean="0">
+                            <a:latin typeface="Cambria Math" panose="02040503050406030204" pitchFamily="18" charset="0"/>
+                          </a:rPr>
+                          <m:t>, </m:t>
+                        </m:r>
+                        <m:sSubSup>
+                          <m:sSubSupPr>
+                            <m:ctrlPr>
+                              <a:rPr lang="en-CH" b="0" i="1" smtClean="0">
+                                <a:latin typeface="Cambria Math" panose="02040503050406030204" pitchFamily="18" charset="0"/>
+                              </a:rPr>
+                            </m:ctrlPr>
+                          </m:sSubSupPr>
+                          <m:e>
+                            <m:r>
+                              <a:rPr lang="en-CH" b="0" i="1" smtClean="0">
+                                <a:latin typeface="Cambria Math" panose="02040503050406030204" pitchFamily="18" charset="0"/>
+                              </a:rPr>
+                              <m:t>𝑟</m:t>
+                            </m:r>
+                          </m:e>
+                          <m:sub>
+                            <m:r>
+                              <a:rPr lang="en-CH" b="0" i="1" smtClean="0">
+                                <a:latin typeface="Cambria Math" panose="02040503050406030204" pitchFamily="18" charset="0"/>
+                              </a:rPr>
+                              <m:t> </m:t>
+                            </m:r>
+                          </m:sub>
+                          <m:sup>
+                            <m:r>
+                              <a:rPr lang="en-CH" b="0" i="1" smtClean="0">
+                                <a:latin typeface="Cambria Math" panose="02040503050406030204" pitchFamily="18" charset="0"/>
+                              </a:rPr>
+                              <m:t>′</m:t>
+                            </m:r>
+                          </m:sup>
+                        </m:sSubSup>
+                      </m:e>
+                    </m:d>
+                    <m:r>
+                      <a:rPr lang="en-CH" b="0" i="1" smtClean="0">
+                        <a:latin typeface="Cambria Math" panose="02040503050406030204" pitchFamily="18" charset="0"/>
+                      </a:rPr>
+                      <m:t>,</m:t>
+                    </m:r>
+                    <m:r>
+                      <a:rPr lang="en-CH" b="0" i="1" smtClean="0">
+                        <a:latin typeface="Cambria Math" panose="02040503050406030204" pitchFamily="18" charset="0"/>
+                      </a:rPr>
+                      <m:t>𝑠</m:t>
+                    </m:r>
+                    <m:r>
+                      <a:rPr lang="en-CH" i="1">
+                        <a:latin typeface="Cambria Math" panose="02040503050406030204" pitchFamily="18" charset="0"/>
+                      </a:rPr>
+                      <m:t>=</m:t>
+                    </m:r>
+                    <m:d>
+                      <m:dPr>
+                        <m:ctrlPr>
+                          <a:rPr lang="en-CH" i="1">
+                            <a:latin typeface="Cambria Math" panose="02040503050406030204" pitchFamily="18" charset="0"/>
+                          </a:rPr>
+                        </m:ctrlPr>
+                      </m:dPr>
+                      <m:e>
+                        <m:sSubSup>
+                          <m:sSubSupPr>
+                            <m:ctrlPr>
+                              <a:rPr lang="en-CH" i="1">
+                                <a:latin typeface="Cambria Math" panose="02040503050406030204" pitchFamily="18" charset="0"/>
+                              </a:rPr>
+                            </m:ctrlPr>
+                          </m:sSubSupPr>
+                          <m:e>
+                            <m:r>
+                              <a:rPr lang="en-CH" i="1">
+                                <a:latin typeface="Cambria Math" panose="02040503050406030204" pitchFamily="18" charset="0"/>
+                              </a:rPr>
+                              <m:t>𝑏</m:t>
+                            </m:r>
+                          </m:e>
+                          <m:sub>
+                            <m:r>
+                              <a:rPr lang="en-CH" b="0" i="1" smtClean="0">
+                                <a:latin typeface="Cambria Math" panose="02040503050406030204" pitchFamily="18" charset="0"/>
+                              </a:rPr>
+                              <m:t> </m:t>
+                            </m:r>
+                          </m:sub>
+                          <m:sup>
+                            <m:r>
+                              <a:rPr lang="en-CH" b="0" i="1" smtClean="0">
+                                <a:latin typeface="Cambria Math" panose="02040503050406030204" pitchFamily="18" charset="0"/>
+                              </a:rPr>
+                              <m:t> </m:t>
+                            </m:r>
+                          </m:sup>
+                        </m:sSubSup>
+                        <m:r>
+                          <a:rPr lang="en-CH" i="1">
+                            <a:latin typeface="Cambria Math" panose="02040503050406030204" pitchFamily="18" charset="0"/>
+                          </a:rPr>
+                          <m:t>,</m:t>
+                        </m:r>
+                        <m:sSubSup>
+                          <m:sSubSupPr>
+                            <m:ctrlPr>
+                              <a:rPr lang="en-CH" i="1">
+                                <a:latin typeface="Cambria Math" panose="02040503050406030204" pitchFamily="18" charset="0"/>
+                              </a:rPr>
+                            </m:ctrlPr>
+                          </m:sSubSupPr>
+                          <m:e>
+                            <m:r>
+                              <a:rPr lang="en-CH" i="1">
+                                <a:latin typeface="Cambria Math" panose="02040503050406030204" pitchFamily="18" charset="0"/>
+                              </a:rPr>
+                              <m:t>𝑐</m:t>
+                            </m:r>
+                          </m:e>
+                          <m:sub>
+                            <m:r>
+                              <a:rPr lang="en-CH" b="0" i="1" smtClean="0">
+                                <a:latin typeface="Cambria Math" panose="02040503050406030204" pitchFamily="18" charset="0"/>
+                              </a:rPr>
+                              <m:t> </m:t>
+                            </m:r>
+                          </m:sub>
+                          <m:sup>
+                            <m:r>
+                              <a:rPr lang="en-CH" b="0" i="1" smtClean="0">
+                                <a:latin typeface="Cambria Math" panose="02040503050406030204" pitchFamily="18" charset="0"/>
+                              </a:rPr>
+                              <m:t> </m:t>
+                            </m:r>
+                          </m:sup>
+                        </m:sSubSup>
+                        <m:r>
+                          <a:rPr lang="en-CH" i="1">
+                            <a:latin typeface="Cambria Math" panose="02040503050406030204" pitchFamily="18" charset="0"/>
+                          </a:rPr>
+                          <m:t>, </m:t>
+                        </m:r>
+                        <m:sSubSup>
+                          <m:sSubSupPr>
+                            <m:ctrlPr>
+                              <a:rPr lang="en-CH" i="1">
+                                <a:latin typeface="Cambria Math" panose="02040503050406030204" pitchFamily="18" charset="0"/>
+                              </a:rPr>
+                            </m:ctrlPr>
+                          </m:sSubSupPr>
+                          <m:e>
+                            <m:r>
+                              <a:rPr lang="en-CH" i="1">
+                                <a:latin typeface="Cambria Math" panose="02040503050406030204" pitchFamily="18" charset="0"/>
+                              </a:rPr>
+                              <m:t>𝑟</m:t>
+                            </m:r>
+                          </m:e>
+                          <m:sub>
+                            <m:r>
+                              <a:rPr lang="en-CH" b="0" i="1" smtClean="0">
+                                <a:latin typeface="Cambria Math" panose="02040503050406030204" pitchFamily="18" charset="0"/>
+                              </a:rPr>
+                              <m:t> </m:t>
+                            </m:r>
+                          </m:sub>
+                          <m:sup>
+                            <m:r>
+                              <a:rPr lang="en-CH" b="0" i="1" smtClean="0">
+                                <a:latin typeface="Cambria Math" panose="02040503050406030204" pitchFamily="18" charset="0"/>
+                              </a:rPr>
+                              <m:t> </m:t>
+                            </m:r>
+                          </m:sup>
+                        </m:sSubSup>
+                      </m:e>
+                    </m:d>
+                  </m:oMath>
+                </a14:m>
+                <a:endParaRPr lang="en-CH" b="0" dirty="0"/>
+              </a:p>
+              <a:p>
+                <a:pPr lvl="2"/>
+                <a:r>
+                  <a:rPr lang="fr-CH" dirty="0"/>
+                  <a:t>I</a:t>
+                </a:r>
+                <a:r>
+                  <a:rPr lang="en-CH" dirty="0"/>
+                  <a:t>f </a:t>
+                </a:r>
+                <a14:m>
+                  <m:oMath xmlns:m="http://schemas.openxmlformats.org/officeDocument/2006/math">
+                    <m:r>
+                      <a:rPr lang="en-CH" b="0" i="1" smtClean="0">
+                        <a:latin typeface="Cambria Math" panose="02040503050406030204" pitchFamily="18" charset="0"/>
+                      </a:rPr>
+                      <m:t>𝑎</m:t>
+                    </m:r>
+                    <m:r>
+                      <a:rPr lang="en-CH" b="0" i="1" smtClean="0">
+                        <a:latin typeface="Cambria Math" panose="02040503050406030204" pitchFamily="18" charset="0"/>
+                        <a:ea typeface="Cambria Math" panose="02040503050406030204" pitchFamily="18" charset="0"/>
+                      </a:rPr>
+                      <m:t>∈</m:t>
+                    </m:r>
+                    <m:sSub>
+                      <m:sSubPr>
+                        <m:ctrlPr>
+                          <a:rPr lang="en-CH" b="0" i="1" smtClean="0">
+                            <a:latin typeface="Cambria Math" panose="02040503050406030204" pitchFamily="18" charset="0"/>
+                            <a:ea typeface="Cambria Math" panose="02040503050406030204" pitchFamily="18" charset="0"/>
+                          </a:rPr>
+                        </m:ctrlPr>
+                      </m:sSubPr>
+                      <m:e>
+                        <m:r>
+                          <a:rPr lang="en-CH" b="0" i="1" smtClean="0">
+                            <a:latin typeface="Cambria Math" panose="02040503050406030204" pitchFamily="18" charset="0"/>
+                            <a:ea typeface="Cambria Math" panose="02040503050406030204" pitchFamily="18" charset="0"/>
+                          </a:rPr>
+                          <m:t>𝑃</m:t>
+                        </m:r>
+                      </m:e>
+                      <m:sub>
+                        <m:r>
+                          <a:rPr lang="en-CH" b="0" i="1" smtClean="0">
+                            <a:latin typeface="Cambria Math" panose="02040503050406030204" pitchFamily="18" charset="0"/>
+                            <a:ea typeface="Cambria Math" panose="02040503050406030204" pitchFamily="18" charset="0"/>
+                          </a:rPr>
+                          <m:t>𝐻</m:t>
+                        </m:r>
+                      </m:sub>
+                    </m:sSub>
+                    <m:r>
+                      <a:rPr lang="en-CH" b="0" i="1" smtClean="0">
+                        <a:latin typeface="Cambria Math" panose="02040503050406030204" pitchFamily="18" charset="0"/>
+                        <a:ea typeface="Cambria Math" panose="02040503050406030204" pitchFamily="18" charset="0"/>
+                      </a:rPr>
+                      <m:t> </m:t>
+                    </m:r>
+                    <m:r>
+                      <a:rPr lang="en-CH" b="0" i="1" smtClean="0">
+                        <a:latin typeface="Cambria Math" panose="02040503050406030204" pitchFamily="18" charset="0"/>
+                        <a:ea typeface="Cambria Math" panose="02040503050406030204" pitchFamily="18" charset="0"/>
+                      </a:rPr>
+                      <m:t>𝑜𝑟</m:t>
+                    </m:r>
+                    <m:r>
+                      <a:rPr lang="en-CH" b="0" i="1" smtClean="0">
+                        <a:latin typeface="Cambria Math" panose="02040503050406030204" pitchFamily="18" charset="0"/>
+                        <a:ea typeface="Cambria Math" panose="02040503050406030204" pitchFamily="18" charset="0"/>
+                      </a:rPr>
+                      <m:t> </m:t>
+                    </m:r>
+                    <m:sSub>
+                      <m:sSubPr>
+                        <m:ctrlPr>
+                          <a:rPr lang="en-CH" b="0" i="1" smtClean="0">
+                            <a:latin typeface="Cambria Math" panose="02040503050406030204" pitchFamily="18" charset="0"/>
+                            <a:ea typeface="Cambria Math" panose="02040503050406030204" pitchFamily="18" charset="0"/>
+                          </a:rPr>
+                        </m:ctrlPr>
+                      </m:sSubPr>
+                      <m:e>
+                        <m:r>
+                          <a:rPr lang="en-CH" b="0" i="1" smtClean="0">
+                            <a:latin typeface="Cambria Math" panose="02040503050406030204" pitchFamily="18" charset="0"/>
+                            <a:ea typeface="Cambria Math" panose="02040503050406030204" pitchFamily="18" charset="0"/>
+                          </a:rPr>
+                          <m:t>𝑃</m:t>
+                        </m:r>
+                      </m:e>
+                      <m:sub>
+                        <m:r>
+                          <a:rPr lang="en-CH" b="0" i="1" smtClean="0">
+                            <a:latin typeface="Cambria Math" panose="02040503050406030204" pitchFamily="18" charset="0"/>
+                            <a:ea typeface="Cambria Math" panose="02040503050406030204" pitchFamily="18" charset="0"/>
+                          </a:rPr>
+                          <m:t>𝐿</m:t>
+                        </m:r>
+                      </m:sub>
+                    </m:sSub>
+                  </m:oMath>
+                </a14:m>
+                <a:r>
+                  <a:rPr lang="en-CH" dirty="0"/>
+                  <a:t>:</a:t>
+                </a:r>
+              </a:p>
+              <a:p>
+                <a:pPr lvl="3"/>
+                <a14:m>
+                  <m:oMath xmlns:m="http://schemas.openxmlformats.org/officeDocument/2006/math">
+                    <m:r>
+                      <a:rPr lang="en-CH" b="0" i="1" smtClean="0">
+                        <a:latin typeface="Cambria Math" panose="02040503050406030204" pitchFamily="18" charset="0"/>
+                      </a:rPr>
+                      <m:t>𝔹</m:t>
+                    </m:r>
+                    <m:r>
+                      <a:rPr lang="en-CH" b="0" i="1" smtClean="0">
+                        <a:latin typeface="Cambria Math" panose="02040503050406030204" pitchFamily="18" charset="0"/>
+                        <a:ea typeface="Cambria Math" panose="02040503050406030204" pitchFamily="18" charset="0"/>
+                      </a:rPr>
+                      <m:t>⊂</m:t>
+                    </m:r>
+                    <m:r>
+                      <a:rPr lang="en-CH" b="0" i="1" smtClean="0">
+                        <a:latin typeface="Cambria Math" panose="02040503050406030204" pitchFamily="18" charset="0"/>
+                        <a:ea typeface="Cambria Math" panose="02040503050406030204" pitchFamily="18" charset="0"/>
+                      </a:rPr>
+                      <m:t>𝔾</m:t>
+                    </m:r>
+                  </m:oMath>
+                </a14:m>
+                <a:r>
+                  <a:rPr lang="en-CH" dirty="0"/>
+                  <a:t>: coordinates of the new block, </a:t>
+                </a:r>
+                <a14:m>
+                  <m:oMath xmlns:m="http://schemas.openxmlformats.org/officeDocument/2006/math">
+                    <m:sSub>
+                      <m:sSubPr>
+                        <m:ctrlPr>
+                          <a:rPr lang="en-CH" b="0" i="1" smtClean="0">
+                            <a:latin typeface="Cambria Math" panose="02040503050406030204" pitchFamily="18" charset="0"/>
+                          </a:rPr>
+                        </m:ctrlPr>
+                      </m:sSubPr>
+                      <m:e>
+                        <m:r>
+                          <a:rPr lang="en-CH" b="0" i="1" smtClean="0">
+                            <a:latin typeface="Cambria Math" panose="02040503050406030204" pitchFamily="18" charset="0"/>
+                          </a:rPr>
+                          <m:t>𝑐</m:t>
+                        </m:r>
+                      </m:e>
+                      <m:sub>
+                        <m:r>
+                          <a:rPr lang="en-CH" b="0" i="1" smtClean="0">
+                            <a:latin typeface="Cambria Math" panose="02040503050406030204" pitchFamily="18" charset="0"/>
+                          </a:rPr>
+                          <m:t>𝑖𝑑</m:t>
+                        </m:r>
+                      </m:sub>
+                    </m:sSub>
+                    <m:r>
+                      <a:rPr lang="en-CH" b="0" i="1" smtClean="0">
+                        <a:latin typeface="Cambria Math" panose="02040503050406030204" pitchFamily="18" charset="0"/>
+                      </a:rPr>
+                      <m:t>∈</m:t>
+                    </m:r>
+                    <m:r>
+                      <a:rPr lang="en-CH" b="0" i="1" smtClean="0">
+                        <a:latin typeface="Cambria Math" panose="02040503050406030204" pitchFamily="18" charset="0"/>
+                      </a:rPr>
+                      <m:t>ℕ</m:t>
+                    </m:r>
+                  </m:oMath>
+                </a14:m>
+                <a:r>
+                  <a:rPr lang="en-CH" dirty="0"/>
+                  <a:t>: id of the smallest connected ground</a:t>
+                </a:r>
+              </a:p>
+              <a:p>
+                <a:pPr lvl="3"/>
+                <a14:m>
+                  <m:oMath xmlns:m="http://schemas.openxmlformats.org/officeDocument/2006/math">
+                    <m:sSubSup>
+                      <m:sSubSupPr>
+                        <m:ctrlPr>
+                          <a:rPr lang="en-CH" b="0" i="1" smtClean="0">
+                            <a:latin typeface="Cambria Math" panose="02040503050406030204" pitchFamily="18" charset="0"/>
+                          </a:rPr>
+                        </m:ctrlPr>
+                      </m:sSubSupPr>
+                      <m:e>
+                        <m:r>
+                          <a:rPr lang="en-CH" b="0" i="1" smtClean="0">
+                            <a:latin typeface="Cambria Math" panose="02040503050406030204" pitchFamily="18" charset="0"/>
+                          </a:rPr>
+                          <m:t>𝑐</m:t>
+                        </m:r>
+                      </m:e>
+                      <m:sub>
+                        <m:r>
+                          <a:rPr lang="en-CH" b="0" i="1" smtClean="0">
+                            <a:latin typeface="Cambria Math" panose="02040503050406030204" pitchFamily="18" charset="0"/>
+                          </a:rPr>
+                          <m:t> </m:t>
+                        </m:r>
+                      </m:sub>
+                      <m:sup>
+                        <m:r>
+                          <a:rPr lang="en-CH" b="0" i="1" smtClean="0">
+                            <a:latin typeface="Cambria Math" panose="02040503050406030204" pitchFamily="18" charset="0"/>
+                          </a:rPr>
+                          <m:t>′</m:t>
+                        </m:r>
+                      </m:sup>
+                    </m:sSubSup>
+                    <m:r>
+                      <a:rPr lang="en-CH" b="0" i="1" smtClean="0">
+                        <a:latin typeface="Cambria Math" panose="02040503050406030204" pitchFamily="18" charset="0"/>
+                        <a:ea typeface="Cambria Math" panose="02040503050406030204" pitchFamily="18" charset="0"/>
+                      </a:rPr>
+                      <m:t>∖</m:t>
+                    </m:r>
+                    <m:r>
+                      <a:rPr lang="en-CH" b="0" i="1" smtClean="0">
+                        <a:latin typeface="Cambria Math" panose="02040503050406030204" pitchFamily="18" charset="0"/>
+                        <a:ea typeface="Cambria Math" panose="02040503050406030204" pitchFamily="18" charset="0"/>
+                      </a:rPr>
+                      <m:t>𝔾</m:t>
+                    </m:r>
+                    <m:r>
+                      <a:rPr lang="en-CH" b="0" i="1" smtClean="0">
+                        <a:latin typeface="Cambria Math" panose="02040503050406030204" pitchFamily="18" charset="0"/>
+                      </a:rPr>
+                      <m:t>=</m:t>
+                    </m:r>
+                    <m:r>
+                      <a:rPr lang="en-CH" b="0" i="1" smtClean="0">
+                        <a:latin typeface="Cambria Math" panose="02040503050406030204" pitchFamily="18" charset="0"/>
+                      </a:rPr>
+                      <m:t>𝑐</m:t>
+                    </m:r>
+                    <m:r>
+                      <a:rPr lang="en-CH" b="0" i="1" smtClean="0">
+                        <a:latin typeface="Cambria Math" panose="02040503050406030204" pitchFamily="18" charset="0"/>
+                      </a:rPr>
+                      <m:t>∖</m:t>
+                    </m:r>
+                    <m:r>
+                      <a:rPr lang="en-CH" b="0" i="1" smtClean="0">
+                        <a:latin typeface="Cambria Math" panose="02040503050406030204" pitchFamily="18" charset="0"/>
+                      </a:rPr>
+                      <m:t>𝔾</m:t>
+                    </m:r>
+                    <m:r>
+                      <a:rPr lang="en-CH" b="0" i="1" smtClean="0">
+                        <a:latin typeface="Cambria Math" panose="02040503050406030204" pitchFamily="18" charset="0"/>
+                      </a:rPr>
+                      <m:t> </m:t>
+                    </m:r>
+                  </m:oMath>
+                </a14:m>
+                <a:endParaRPr lang="en-CH" b="0" i="1" dirty="0">
+                  <a:latin typeface="Cambria Math" panose="02040503050406030204" pitchFamily="18" charset="0"/>
+                </a:endParaRPr>
+              </a:p>
+              <a:p>
+                <a:pPr lvl="3"/>
+                <a14:m>
+                  <m:oMath xmlns:m="http://schemas.openxmlformats.org/officeDocument/2006/math">
+                    <m:r>
+                      <a:rPr lang="en-CH" b="0" i="1" smtClean="0">
+                        <a:latin typeface="Cambria Math" panose="02040503050406030204" pitchFamily="18" charset="0"/>
+                      </a:rPr>
+                      <m:t>𝑖</m:t>
+                    </m:r>
+                    <m:r>
+                      <a:rPr lang="en-CH" b="0" i="1" smtClean="0">
+                        <a:latin typeface="Cambria Math" panose="02040503050406030204" pitchFamily="18" charset="0"/>
+                      </a:rPr>
+                      <m:t>=</m:t>
+                    </m:r>
+                    <m:sSub>
+                      <m:sSubPr>
+                        <m:ctrlPr>
+                          <a:rPr lang="en-CH" b="0" i="1" smtClean="0">
+                            <a:latin typeface="Cambria Math" panose="02040503050406030204" pitchFamily="18" charset="0"/>
+                          </a:rPr>
+                        </m:ctrlPr>
+                      </m:sSubPr>
+                      <m:e>
+                        <m:r>
+                          <a:rPr lang="en-CH" b="0" i="1" smtClean="0">
+                            <a:latin typeface="Cambria Math" panose="02040503050406030204" pitchFamily="18" charset="0"/>
+                          </a:rPr>
+                          <m:t>𝑐</m:t>
+                        </m:r>
+                      </m:e>
+                      <m:sub>
+                        <m:r>
+                          <a:rPr lang="en-CH" b="0" i="1" smtClean="0">
+                            <a:latin typeface="Cambria Math" panose="02040503050406030204" pitchFamily="18" charset="0"/>
+                          </a:rPr>
+                          <m:t>𝑖𝑑</m:t>
+                        </m:r>
+                      </m:sub>
+                    </m:sSub>
+                    <m:r>
+                      <a:rPr lang="en-CH" b="0" i="1" smtClean="0">
+                        <a:latin typeface="Cambria Math" panose="02040503050406030204" pitchFamily="18" charset="0"/>
+                      </a:rPr>
+                      <m:t> ∀ </m:t>
+                    </m:r>
+                    <m:sSup>
+                      <m:sSupPr>
+                        <m:ctrlPr>
+                          <a:rPr lang="en-CH" b="0" i="1" smtClean="0">
+                            <a:latin typeface="Cambria Math" panose="02040503050406030204" pitchFamily="18" charset="0"/>
+                          </a:rPr>
+                        </m:ctrlPr>
+                      </m:sSupPr>
+                      <m:e>
+                        <m:r>
+                          <a:rPr lang="en-CH" b="0" i="1" smtClean="0">
+                            <a:latin typeface="Cambria Math" panose="02040503050406030204" pitchFamily="18" charset="0"/>
+                          </a:rPr>
+                          <m:t>𝑐</m:t>
+                        </m:r>
+                      </m:e>
+                      <m:sup>
+                        <m:r>
+                          <a:rPr lang="en-CH" b="0" i="1" smtClean="0">
+                            <a:latin typeface="Cambria Math" panose="02040503050406030204" pitchFamily="18" charset="0"/>
+                          </a:rPr>
+                          <m:t>′</m:t>
+                        </m:r>
+                      </m:sup>
+                    </m:sSup>
+                    <m:r>
+                      <a:rPr lang="en-CH" b="0" i="1" smtClean="0">
+                        <a:latin typeface="Cambria Math" panose="02040503050406030204" pitchFamily="18" charset="0"/>
+                      </a:rPr>
+                      <m:t>∩</m:t>
+                    </m:r>
+                    <m:r>
+                      <a:rPr lang="en-CH" b="0" i="1" smtClean="0">
+                        <a:latin typeface="Cambria Math" panose="02040503050406030204" pitchFamily="18" charset="0"/>
+                      </a:rPr>
+                      <m:t>𝔾</m:t>
+                    </m:r>
+                  </m:oMath>
+                </a14:m>
+                <a:endParaRPr lang="en-CH" dirty="0"/>
+              </a:p>
+              <a:p>
+                <a:pPr lvl="2"/>
+                <a:r>
+                  <a:rPr lang="en-CH" dirty="0"/>
+                  <a:t>otherwise </a:t>
+                </a:r>
+                <a14:m>
+                  <m:oMath xmlns:m="http://schemas.openxmlformats.org/officeDocument/2006/math">
+                    <m:sSup>
+                      <m:sSupPr>
+                        <m:ctrlPr>
+                          <a:rPr lang="en-CH" b="0" i="1" smtClean="0">
+                            <a:latin typeface="Cambria Math" panose="02040503050406030204" pitchFamily="18" charset="0"/>
+                          </a:rPr>
+                        </m:ctrlPr>
+                      </m:sSupPr>
+                      <m:e>
+                        <m:r>
+                          <a:rPr lang="en-CH" b="0" i="1" smtClean="0">
+                            <a:latin typeface="Cambria Math" panose="02040503050406030204" pitchFamily="18" charset="0"/>
+                          </a:rPr>
+                          <m:t>𝑐</m:t>
+                        </m:r>
+                      </m:e>
+                      <m:sup>
+                        <m:r>
+                          <a:rPr lang="en-CH" b="0" i="1" smtClean="0">
+                            <a:latin typeface="Cambria Math" panose="02040503050406030204" pitchFamily="18" charset="0"/>
+                          </a:rPr>
+                          <m:t>′</m:t>
+                        </m:r>
+                      </m:sup>
+                    </m:sSup>
+                    <m:r>
+                      <a:rPr lang="en-CH" b="0" i="1" smtClean="0">
+                        <a:latin typeface="Cambria Math" panose="02040503050406030204" pitchFamily="18" charset="0"/>
+                      </a:rPr>
+                      <m:t>=</m:t>
+                    </m:r>
+                    <m:r>
+                      <a:rPr lang="en-CH" b="0" i="1" smtClean="0">
+                        <a:latin typeface="Cambria Math" panose="02040503050406030204" pitchFamily="18" charset="0"/>
+                      </a:rPr>
+                      <m:t>𝑐</m:t>
+                    </m:r>
+                  </m:oMath>
+                </a14:m>
+                <a:endParaRPr lang="en-CH" dirty="0"/>
+              </a:p>
+            </p:txBody>
+          </p:sp>
+        </mc:Choice>
+        <mc:Fallback>
+          <p:sp>
+            <p:nvSpPr>
+              <p:cNvPr id="2" name="Content Placeholder 1">
+                <a:extLst>
+                  <a:ext uri="{FF2B5EF4-FFF2-40B4-BE49-F238E27FC236}">
+                    <a16:creationId xmlns:a16="http://schemas.microsoft.com/office/drawing/2014/main" id="{ABBBEB5C-07CC-DCF0-2F61-5AB563BAB998}"/>
+                  </a:ext>
+                </a:extLst>
+              </p:cNvPr>
+              <p:cNvSpPr>
+                <a:spLocks noGrp="1" noRot="1" noChangeAspect="1" noMove="1" noResize="1" noEditPoints="1" noAdjustHandles="1" noChangeArrowheads="1" noChangeShapeType="1" noTextEdit="1"/>
+              </p:cNvSpPr>
+              <p:nvPr>
+                <p:ph idx="1"/>
+              </p:nvPr>
+            </p:nvSpPr>
+            <p:spPr>
+              <a:blipFill>
+                <a:blip r:embed="rId2"/>
+                <a:stretch>
+                  <a:fillRect/>
+                </a:stretch>
+              </a:blipFill>
+            </p:spPr>
+            <p:txBody>
+              <a:bodyPr/>
+              <a:lstStyle/>
+              <a:p>
+                <a:r>
+                  <a:rPr lang="en-US">
+                    <a:noFill/>
+                  </a:rPr>
+                  <a:t> </a:t>
+                </a:r>
+              </a:p>
+            </p:txBody>
+          </p:sp>
+        </mc:Fallback>
+      </mc:AlternateContent>
+      <p:sp>
+        <p:nvSpPr>
+          <p:cNvPr id="3" name="Title 2">
+            <a:extLst>
+              <a:ext uri="{FF2B5EF4-FFF2-40B4-BE49-F238E27FC236}">
+                <a16:creationId xmlns:a16="http://schemas.microsoft.com/office/drawing/2014/main" id="{1CFF71BA-0173-C47E-9777-6D9FC4365F14}"/>
+              </a:ext>
+            </a:extLst>
+          </p:cNvPr>
+          <p:cNvSpPr>
+            <a:spLocks noGrp="1"/>
+          </p:cNvSpPr>
+          <p:nvPr>
+            <p:ph type="title"/>
+          </p:nvPr>
+        </p:nvSpPr>
+        <p:spPr/>
+        <p:txBody>
+          <a:bodyPr/>
+          <a:lstStyle/>
+          <a:p>
+            <a:r>
+              <a:rPr lang="en-CH" dirty="0"/>
+              <a:t>State transition</a:t>
+            </a:r>
+            <a:endParaRPr lang="en-US" dirty="0"/>
+          </a:p>
+        </p:txBody>
+      </p:sp>
+      <p:sp>
+        <p:nvSpPr>
+          <p:cNvPr id="4" name="Date Placeholder 3">
+            <a:extLst>
+              <a:ext uri="{FF2B5EF4-FFF2-40B4-BE49-F238E27FC236}">
+                <a16:creationId xmlns:a16="http://schemas.microsoft.com/office/drawing/2014/main" id="{005E7451-0C04-B9D2-AA06-F1DD7597F36F}"/>
+              </a:ext>
+            </a:extLst>
+          </p:cNvPr>
+          <p:cNvSpPr>
+            <a:spLocks noGrp="1"/>
+          </p:cNvSpPr>
+          <p:nvPr>
+            <p:ph type="dt" sz="half" idx="10"/>
+          </p:nvPr>
+        </p:nvSpPr>
+        <p:spPr/>
+        <p:txBody>
+          <a:bodyPr/>
+          <a:lstStyle/>
+          <a:p>
+            <a:r>
+              <a:rPr lang="fr-CH"/>
+              <a:t>NAME EVENT / NAME PRESENTATION</a:t>
+            </a:r>
+            <a:endParaRPr lang="fr-FR"/>
+          </a:p>
+        </p:txBody>
+      </p:sp>
+      <p:sp>
+        <p:nvSpPr>
+          <p:cNvPr id="5" name="Footer Placeholder 4">
+            <a:extLst>
+              <a:ext uri="{FF2B5EF4-FFF2-40B4-BE49-F238E27FC236}">
+                <a16:creationId xmlns:a16="http://schemas.microsoft.com/office/drawing/2014/main" id="{EE67627B-0F2F-88A9-00F4-FE848B0A764B}"/>
+              </a:ext>
+            </a:extLst>
+          </p:cNvPr>
+          <p:cNvSpPr>
+            <a:spLocks noGrp="1"/>
+          </p:cNvSpPr>
+          <p:nvPr>
+            <p:ph type="ftr" sz="quarter" idx="11"/>
+          </p:nvPr>
+        </p:nvSpPr>
+        <p:spPr/>
+        <p:txBody>
+          <a:bodyPr/>
+          <a:lstStyle/>
+          <a:p>
+            <a:r>
+              <a:rPr lang="fr-FR"/>
+              <a:t>Speaker </a:t>
+            </a:r>
+          </a:p>
+        </p:txBody>
+      </p:sp>
+      <p:sp>
+        <p:nvSpPr>
+          <p:cNvPr id="6" name="Slide Number Placeholder 5">
+            <a:extLst>
+              <a:ext uri="{FF2B5EF4-FFF2-40B4-BE49-F238E27FC236}">
+                <a16:creationId xmlns:a16="http://schemas.microsoft.com/office/drawing/2014/main" id="{20BB82E4-05CF-21A5-B1F7-F98C768D17CC}"/>
+              </a:ext>
+            </a:extLst>
+          </p:cNvPr>
+          <p:cNvSpPr>
+            <a:spLocks noGrp="1"/>
+          </p:cNvSpPr>
+          <p:nvPr>
+            <p:ph type="sldNum" sz="quarter" idx="12"/>
+          </p:nvPr>
+        </p:nvSpPr>
+        <p:spPr/>
+        <p:txBody>
+          <a:bodyPr/>
+          <a:lstStyle/>
+          <a:p>
+            <a:fld id="{E1E1CD7C-2161-7D43-862E-CE4C333CD873}" type="slidenum">
+              <a:rPr lang="fr-FR" smtClean="0"/>
+              <a:pPr/>
+              <a:t>53</a:t>
+            </a:fld>
+            <a:endParaRPr lang="fr-FR"/>
+          </a:p>
+        </p:txBody>
+      </p:sp>
+    </p:spTree>
+    <p:extLst>
+      <p:ext uri="{BB962C8B-B14F-4D97-AF65-F5344CB8AC3E}">
+        <p14:creationId xmlns:p14="http://schemas.microsoft.com/office/powerpoint/2010/main" val="2588012323"/>
+      </p:ext>
+    </p:extLst>
+  </p:cSld>
+  <p:clrMapOvr>
+    <a:masterClrMapping/>
+  </p:clrMapOvr>
+</p:sld>
+</file>
+
+<file path=ppt/slides/slide54.xml><?xml version="1.0" encoding="utf-8"?>
+<p:sld xmlns:a="http://schemas.openxmlformats.org/drawingml/2006/main" xmlns:r="http://schemas.openxmlformats.org/officeDocument/2006/relationships" xmlns:p="http://schemas.openxmlformats.org/presentationml/2006/main">
+  <p:cSld>
+    <p:spTree>
+      <p:nvGrpSpPr>
+        <p:cNvPr id="1" name=""/>
+        <p:cNvGrpSpPr/>
+        <p:nvPr/>
+      </p:nvGrpSpPr>
+      <p:grpSpPr>
+        <a:xfrm>
+          <a:off x="0" y="0"/>
+          <a:ext cx="0" cy="0"/>
+          <a:chOff x="0" y="0"/>
+          <a:chExt cx="0" cy="0"/>
+        </a:xfrm>
+      </p:grpSpPr>
+      <p:sp>
+        <p:nvSpPr>
+          <p:cNvPr id="2" name="Content Placeholder 1">
+            <a:extLst>
+              <a:ext uri="{FF2B5EF4-FFF2-40B4-BE49-F238E27FC236}">
+                <a16:creationId xmlns:a16="http://schemas.microsoft.com/office/drawing/2014/main" id="{D18D3F60-4DA3-F324-ADB6-0871FE66862E}"/>
+              </a:ext>
+            </a:extLst>
+          </p:cNvPr>
+          <p:cNvSpPr>
+            <a:spLocks noGrp="1"/>
+          </p:cNvSpPr>
+          <p:nvPr>
+            <p:ph idx="1"/>
+          </p:nvPr>
+        </p:nvSpPr>
+        <p:spPr/>
+        <p:txBody>
+          <a:bodyPr/>
+          <a:lstStyle/>
+          <a:p>
+            <a:endParaRPr lang="en-US"/>
+          </a:p>
+        </p:txBody>
+      </p:sp>
+      <p:sp>
+        <p:nvSpPr>
+          <p:cNvPr id="3" name="Title 2">
+            <a:extLst>
+              <a:ext uri="{FF2B5EF4-FFF2-40B4-BE49-F238E27FC236}">
+                <a16:creationId xmlns:a16="http://schemas.microsoft.com/office/drawing/2014/main" id="{0A4A6A2B-C0D0-1527-6E8B-3E47371AE031}"/>
+              </a:ext>
+            </a:extLst>
+          </p:cNvPr>
+          <p:cNvSpPr>
+            <a:spLocks noGrp="1"/>
+          </p:cNvSpPr>
+          <p:nvPr>
+            <p:ph type="title"/>
+          </p:nvPr>
+        </p:nvSpPr>
+        <p:spPr/>
+        <p:txBody>
+          <a:bodyPr/>
+          <a:lstStyle/>
+          <a:p>
+            <a:endParaRPr lang="en-US"/>
+          </a:p>
+        </p:txBody>
+      </p:sp>
+      <p:sp>
+        <p:nvSpPr>
+          <p:cNvPr id="4" name="Date Placeholder 3">
+            <a:extLst>
+              <a:ext uri="{FF2B5EF4-FFF2-40B4-BE49-F238E27FC236}">
+                <a16:creationId xmlns:a16="http://schemas.microsoft.com/office/drawing/2014/main" id="{C1FD5D05-79B7-BEF9-4862-D28EA19A1200}"/>
+              </a:ext>
+            </a:extLst>
+          </p:cNvPr>
+          <p:cNvSpPr>
+            <a:spLocks noGrp="1"/>
+          </p:cNvSpPr>
+          <p:nvPr>
+            <p:ph type="dt" sz="half" idx="10"/>
+          </p:nvPr>
+        </p:nvSpPr>
+        <p:spPr/>
+        <p:txBody>
+          <a:bodyPr/>
+          <a:lstStyle/>
+          <a:p>
+            <a:r>
+              <a:rPr lang="fr-CH"/>
+              <a:t>NAME EVENT / NAME PRESENTATION</a:t>
+            </a:r>
+            <a:endParaRPr lang="fr-FR"/>
+          </a:p>
+        </p:txBody>
+      </p:sp>
+      <p:sp>
+        <p:nvSpPr>
+          <p:cNvPr id="5" name="Footer Placeholder 4">
+            <a:extLst>
+              <a:ext uri="{FF2B5EF4-FFF2-40B4-BE49-F238E27FC236}">
+                <a16:creationId xmlns:a16="http://schemas.microsoft.com/office/drawing/2014/main" id="{56AFEF45-15CC-A4B7-3063-15BB490AB913}"/>
+              </a:ext>
+            </a:extLst>
+          </p:cNvPr>
+          <p:cNvSpPr>
+            <a:spLocks noGrp="1"/>
+          </p:cNvSpPr>
+          <p:nvPr>
+            <p:ph type="ftr" sz="quarter" idx="11"/>
+          </p:nvPr>
+        </p:nvSpPr>
+        <p:spPr/>
+        <p:txBody>
+          <a:bodyPr/>
+          <a:lstStyle/>
+          <a:p>
+            <a:r>
+              <a:rPr lang="fr-FR"/>
+              <a:t>Speaker </a:t>
+            </a:r>
+          </a:p>
+        </p:txBody>
+      </p:sp>
+      <p:sp>
+        <p:nvSpPr>
+          <p:cNvPr id="6" name="Slide Number Placeholder 5">
+            <a:extLst>
+              <a:ext uri="{FF2B5EF4-FFF2-40B4-BE49-F238E27FC236}">
+                <a16:creationId xmlns:a16="http://schemas.microsoft.com/office/drawing/2014/main" id="{F76674E0-FC10-8D29-9540-CCC6B69AF2B3}"/>
+              </a:ext>
+            </a:extLst>
+          </p:cNvPr>
+          <p:cNvSpPr>
+            <a:spLocks noGrp="1"/>
+          </p:cNvSpPr>
+          <p:nvPr>
+            <p:ph type="sldNum" sz="quarter" idx="12"/>
+          </p:nvPr>
+        </p:nvSpPr>
+        <p:spPr/>
+        <p:txBody>
+          <a:bodyPr/>
+          <a:lstStyle/>
+          <a:p>
+            <a:fld id="{E1E1CD7C-2161-7D43-862E-CE4C333CD873}" type="slidenum">
+              <a:rPr lang="fr-FR" smtClean="0"/>
+              <a:pPr/>
+              <a:t>54</a:t>
+            </a:fld>
+            <a:endParaRPr lang="fr-FR"/>
+          </a:p>
+        </p:txBody>
+      </p:sp>
+    </p:spTree>
+    <p:extLst>
+      <p:ext uri="{BB962C8B-B14F-4D97-AF65-F5344CB8AC3E}">
+        <p14:creationId xmlns:p14="http://schemas.microsoft.com/office/powerpoint/2010/main" val="2644351619"/>
       </p:ext>
     </p:extLst>
   </p:cSld>
